--- a/public/files/Manual de Desarrollador.pptx
+++ b/public/files/Manual de Desarrollador.pptx
@@ -5,7 +5,7 @@
     <p:sldMasterId id="2147483648" r:id="rId1"/>
   </p:sldMasterIdLst>
   <p:notesMasterIdLst>
-    <p:notesMasterId r:id="rId18"/>
+    <p:notesMasterId r:id="rId20"/>
   </p:notesMasterIdLst>
   <p:sldIdLst>
     <p:sldId id="256" r:id="rId2"/>
@@ -13,40 +13,42 @@
     <p:sldId id="258" r:id="rId4"/>
     <p:sldId id="260" r:id="rId5"/>
     <p:sldId id="261" r:id="rId6"/>
-    <p:sldId id="262" r:id="rId7"/>
-    <p:sldId id="263" r:id="rId8"/>
-    <p:sldId id="265" r:id="rId9"/>
-    <p:sldId id="276" r:id="rId10"/>
-    <p:sldId id="273" r:id="rId11"/>
-    <p:sldId id="266" r:id="rId12"/>
-    <p:sldId id="271" r:id="rId13"/>
-    <p:sldId id="267" r:id="rId14"/>
-    <p:sldId id="272" r:id="rId15"/>
-    <p:sldId id="274" r:id="rId16"/>
-    <p:sldId id="277" r:id="rId17"/>
+    <p:sldId id="278" r:id="rId7"/>
+    <p:sldId id="279" r:id="rId8"/>
+    <p:sldId id="263" r:id="rId9"/>
+    <p:sldId id="265" r:id="rId10"/>
+    <p:sldId id="276" r:id="rId11"/>
+    <p:sldId id="273" r:id="rId12"/>
+    <p:sldId id="266" r:id="rId13"/>
+    <p:sldId id="271" r:id="rId14"/>
+    <p:sldId id="267" r:id="rId15"/>
+    <p:sldId id="272" r:id="rId16"/>
+    <p:sldId id="274" r:id="rId17"/>
+    <p:sldId id="277" r:id="rId18"/>
+    <p:sldId id="280" r:id="rId19"/>
   </p:sldIdLst>
   <p:sldSz cx="7556500" cy="10693400"/>
   <p:notesSz cx="6858000" cy="9144000"/>
   <p:embeddedFontLst>
     <p:embeddedFont>
       <p:font typeface="DM Serif Display" pitchFamily="2" charset="0"/>
-      <p:regular r:id="rId19"/>
-      <p:italic r:id="rId20"/>
+      <p:regular r:id="rId21"/>
+      <p:italic r:id="rId22"/>
     </p:embeddedFont>
     <p:embeddedFont>
       <p:font typeface="Montserrat" panose="00000500000000000000" pitchFamily="2" charset="0"/>
-      <p:regular r:id="rId21"/>
-      <p:bold r:id="rId22"/>
-      <p:italic r:id="rId23"/>
-      <p:boldItalic r:id="rId24"/>
+      <p:regular r:id="rId23"/>
+      <p:bold r:id="rId24"/>
+      <p:italic r:id="rId25"/>
+      <p:boldItalic r:id="rId26"/>
     </p:embeddedFont>
     <p:embeddedFont>
       <p:font typeface="Montserrat Bold" panose="00000800000000000000" charset="0"/>
-      <p:regular r:id="rId25"/>
+      <p:regular r:id="rId27"/>
     </p:embeddedFont>
     <p:embeddedFont>
       <p:font typeface="Montserrat Semi-Bold" panose="020B0604020202020204" charset="0"/>
-      <p:regular r:id="rId26"/>
+      <p:regular r:id="rId28"/>
     </p:embeddedFont>
   </p:embeddedFontLst>
   <p:defaultTextStyle>
@@ -168,7 +170,7 @@
   <pc:docChgLst>
     <pc:chgData name="Manuel Moreno" userId="02c6592dd1359e13" providerId="LiveId" clId="{E73F1E59-4930-4006-8B54-222B6184BFD7}"/>
     <pc:docChg chg="undo custSel addSld delSld modSld">
-      <pc:chgData name="Manuel Moreno" userId="02c6592dd1359e13" providerId="LiveId" clId="{E73F1E59-4930-4006-8B54-222B6184BFD7}" dt="2025-07-29T20:12:33.883" v="5931" actId="20577"/>
+      <pc:chgData name="Manuel Moreno" userId="02c6592dd1359e13" providerId="LiveId" clId="{E73F1E59-4930-4006-8B54-222B6184BFD7}" dt="2025-07-31T14:19:34.482" v="7549" actId="1076"/>
       <pc:docMkLst>
         <pc:docMk/>
       </pc:docMkLst>
@@ -192,14 +194,6 @@
             <pc:docMk/>
             <pc:sldMk cId="0" sldId="256"/>
             <ac:spMk id="7" creationId="{00000000-0000-0000-0000-000000000000}"/>
-          </ac:spMkLst>
-        </pc:spChg>
-        <pc:spChg chg="del">
-          <ac:chgData name="Manuel Moreno" userId="02c6592dd1359e13" providerId="LiveId" clId="{E73F1E59-4930-4006-8B54-222B6184BFD7}" dt="2025-07-29T15:00:35.586" v="12" actId="478"/>
-          <ac:spMkLst>
-            <pc:docMk/>
-            <pc:sldMk cId="0" sldId="256"/>
-            <ac:spMk id="8" creationId="{00000000-0000-0000-0000-000000000000}"/>
           </ac:spMkLst>
         </pc:spChg>
         <pc:spChg chg="mod">
@@ -241,22 +235,6 @@
           <pc:docMk/>
           <pc:sldMk cId="0" sldId="257"/>
         </pc:sldMkLst>
-        <pc:spChg chg="del">
-          <ac:chgData name="Manuel Moreno" userId="02c6592dd1359e13" providerId="LiveId" clId="{E73F1E59-4930-4006-8B54-222B6184BFD7}" dt="2025-07-29T19:40:35.770" v="4512" actId="478"/>
-          <ac:spMkLst>
-            <pc:docMk/>
-            <pc:sldMk cId="0" sldId="257"/>
-            <ac:spMk id="9" creationId="{00000000-0000-0000-0000-000000000000}"/>
-          </ac:spMkLst>
-        </pc:spChg>
-        <pc:spChg chg="del">
-          <ac:chgData name="Manuel Moreno" userId="02c6592dd1359e13" providerId="LiveId" clId="{E73F1E59-4930-4006-8B54-222B6184BFD7}" dt="2025-07-29T19:40:37.472" v="4513" actId="478"/>
-          <ac:spMkLst>
-            <pc:docMk/>
-            <pc:sldMk cId="0" sldId="257"/>
-            <ac:spMk id="10" creationId="{00000000-0000-0000-0000-000000000000}"/>
-          </ac:spMkLst>
-        </pc:spChg>
         <pc:graphicFrameChg chg="modGraphic">
           <ac:chgData name="Manuel Moreno" userId="02c6592dd1359e13" providerId="LiveId" clId="{E73F1E59-4930-4006-8B54-222B6184BFD7}" dt="2025-07-29T15:05:21.521" v="74" actId="20577"/>
           <ac:graphicFrameMkLst>
@@ -267,7 +245,7 @@
         </pc:graphicFrameChg>
       </pc:sldChg>
       <pc:sldChg chg="addSp delSp modSp mod">
-        <pc:chgData name="Manuel Moreno" userId="02c6592dd1359e13" providerId="LiveId" clId="{E73F1E59-4930-4006-8B54-222B6184BFD7}" dt="2025-07-29T20:12:33.883" v="5931" actId="20577"/>
+        <pc:chgData name="Manuel Moreno" userId="02c6592dd1359e13" providerId="LiveId" clId="{E73F1E59-4930-4006-8B54-222B6184BFD7}" dt="2025-07-31T14:18:15.851" v="7388" actId="20577"/>
         <pc:sldMkLst>
           <pc:docMk/>
           <pc:sldMk cId="0" sldId="258"/>
@@ -278,22 +256,6 @@
             <pc:docMk/>
             <pc:sldMk cId="0" sldId="258"/>
             <ac:spMk id="6" creationId="{00000000-0000-0000-0000-000000000000}"/>
-          </ac:spMkLst>
-        </pc:spChg>
-        <pc:spChg chg="del">
-          <ac:chgData name="Manuel Moreno" userId="02c6592dd1359e13" providerId="LiveId" clId="{E73F1E59-4930-4006-8B54-222B6184BFD7}" dt="2025-07-29T19:40:45.033" v="4514" actId="478"/>
-          <ac:spMkLst>
-            <pc:docMk/>
-            <pc:sldMk cId="0" sldId="258"/>
-            <ac:spMk id="7" creationId="{00000000-0000-0000-0000-000000000000}"/>
-          </ac:spMkLst>
-        </pc:spChg>
-        <pc:spChg chg="del">
-          <ac:chgData name="Manuel Moreno" userId="02c6592dd1359e13" providerId="LiveId" clId="{E73F1E59-4930-4006-8B54-222B6184BFD7}" dt="2025-07-29T20:01:30.254" v="5721" actId="478"/>
-          <ac:spMkLst>
-            <pc:docMk/>
-            <pc:sldMk cId="0" sldId="258"/>
-            <ac:spMk id="8" creationId="{00000000-0000-0000-0000-000000000000}"/>
           </ac:spMkLst>
         </pc:spChg>
         <pc:spChg chg="mod">
@@ -313,23 +275,15 @@
           </ac:spMkLst>
         </pc:spChg>
         <pc:spChg chg="add mod">
-          <ac:chgData name="Manuel Moreno" userId="02c6592dd1359e13" providerId="LiveId" clId="{E73F1E59-4930-4006-8B54-222B6184BFD7}" dt="2025-07-29T19:59:09.430" v="5685" actId="1076"/>
+          <ac:chgData name="Manuel Moreno" userId="02c6592dd1359e13" providerId="LiveId" clId="{E73F1E59-4930-4006-8B54-222B6184BFD7}" dt="2025-07-31T14:12:32.378" v="6980" actId="1076"/>
           <ac:spMkLst>
             <pc:docMk/>
             <pc:sldMk cId="0" sldId="258"/>
             <ac:spMk id="12" creationId="{B1F09912-45EB-8CC5-1B0B-AF54303A8ECD}"/>
           </ac:spMkLst>
         </pc:spChg>
-        <pc:spChg chg="add del mod">
-          <ac:chgData name="Manuel Moreno" userId="02c6592dd1359e13" providerId="LiveId" clId="{E73F1E59-4930-4006-8B54-222B6184BFD7}" dt="2025-07-29T15:07:10.185" v="111" actId="478"/>
-          <ac:spMkLst>
-            <pc:docMk/>
-            <pc:sldMk cId="0" sldId="258"/>
-            <ac:spMk id="13" creationId="{C97BD5B1-7B45-F503-AD2E-4D490BC4B3B2}"/>
-          </ac:spMkLst>
-        </pc:spChg>
         <pc:spChg chg="add mod">
-          <ac:chgData name="Manuel Moreno" userId="02c6592dd1359e13" providerId="LiveId" clId="{E73F1E59-4930-4006-8B54-222B6184BFD7}" dt="2025-07-29T20:04:54.407" v="5813" actId="20577"/>
+          <ac:chgData name="Manuel Moreno" userId="02c6592dd1359e13" providerId="LiveId" clId="{E73F1E59-4930-4006-8B54-222B6184BFD7}" dt="2025-07-31T14:12:56.520" v="7124" actId="20577"/>
           <ac:spMkLst>
             <pc:docMk/>
             <pc:sldMk cId="0" sldId="258"/>
@@ -377,7 +331,7 @@
           </ac:spMkLst>
         </pc:spChg>
         <pc:spChg chg="add mod">
-          <ac:chgData name="Manuel Moreno" userId="02c6592dd1359e13" providerId="LiveId" clId="{E73F1E59-4930-4006-8B54-222B6184BFD7}" dt="2025-07-29T19:59:58.156" v="5688" actId="1076"/>
+          <ac:chgData name="Manuel Moreno" userId="02c6592dd1359e13" providerId="LiveId" clId="{E73F1E59-4930-4006-8B54-222B6184BFD7}" dt="2025-07-31T14:18:15.851" v="7388" actId="20577"/>
           <ac:spMkLst>
             <pc:docMk/>
             <pc:sldMk cId="0" sldId="258"/>
@@ -407,14 +361,6 @@
             <ac:spMk id="12" creationId="{00000000-0000-0000-0000-000000000000}"/>
           </ac:spMkLst>
         </pc:spChg>
-        <pc:spChg chg="del">
-          <ac:chgData name="Manuel Moreno" userId="02c6592dd1359e13" providerId="LiveId" clId="{E73F1E59-4930-4006-8B54-222B6184BFD7}" dt="2025-07-29T15:21:18.001" v="536" actId="478"/>
-          <ac:spMkLst>
-            <pc:docMk/>
-            <pc:sldMk cId="0" sldId="260"/>
-            <ac:spMk id="25" creationId="{C991836F-B109-1965-EAA5-4C91125EC72A}"/>
-          </ac:spMkLst>
-        </pc:spChg>
         <pc:spChg chg="mod">
           <ac:chgData name="Manuel Moreno" userId="02c6592dd1359e13" providerId="LiveId" clId="{E73F1E59-4930-4006-8B54-222B6184BFD7}" dt="2025-07-29T15:33:13.890" v="1192" actId="20577"/>
           <ac:spMkLst>
@@ -423,14 +369,6 @@
             <ac:spMk id="29" creationId="{68F11F59-3675-FB10-6706-860E59584EDB}"/>
           </ac:spMkLst>
         </pc:spChg>
-        <pc:grpChg chg="del">
-          <ac:chgData name="Manuel Moreno" userId="02c6592dd1359e13" providerId="LiveId" clId="{E73F1E59-4930-4006-8B54-222B6184BFD7}" dt="2025-07-29T15:21:15.317" v="535" actId="478"/>
-          <ac:grpSpMkLst>
-            <pc:docMk/>
-            <pc:sldMk cId="0" sldId="260"/>
-            <ac:grpSpMk id="6" creationId="{00000000-0000-0000-0000-000000000000}"/>
-          </ac:grpSpMkLst>
-        </pc:grpChg>
         <pc:grpChg chg="mod">
           <ac:chgData name="Manuel Moreno" userId="02c6592dd1359e13" providerId="LiveId" clId="{E73F1E59-4930-4006-8B54-222B6184BFD7}" dt="2025-07-29T15:22:52.669" v="569" actId="1076"/>
           <ac:grpSpMkLst>
@@ -441,13 +379,13 @@
         </pc:grpChg>
       </pc:sldChg>
       <pc:sldChg chg="addSp delSp modSp mod">
-        <pc:chgData name="Manuel Moreno" userId="02c6592dd1359e13" providerId="LiveId" clId="{E73F1E59-4930-4006-8B54-222B6184BFD7}" dt="2025-07-29T19:58:36.586" v="5683" actId="123"/>
+        <pc:chgData name="Manuel Moreno" userId="02c6592dd1359e13" providerId="LiveId" clId="{E73F1E59-4930-4006-8B54-222B6184BFD7}" dt="2025-07-31T14:14:18.331" v="7176" actId="1076"/>
         <pc:sldMkLst>
           <pc:docMk/>
           <pc:sldMk cId="0" sldId="261"/>
         </pc:sldMkLst>
         <pc:spChg chg="mod">
-          <ac:chgData name="Manuel Moreno" userId="02c6592dd1359e13" providerId="LiveId" clId="{E73F1E59-4930-4006-8B54-222B6184BFD7}" dt="2025-07-29T19:58:36.586" v="5683" actId="123"/>
+          <ac:chgData name="Manuel Moreno" userId="02c6592dd1359e13" providerId="LiveId" clId="{E73F1E59-4930-4006-8B54-222B6184BFD7}" dt="2025-07-31T14:14:14.211" v="7175" actId="1076"/>
           <ac:spMkLst>
             <pc:docMk/>
             <pc:sldMk cId="0" sldId="261"/>
@@ -462,232 +400,56 @@
             <ac:spMk id="7" creationId="{00000000-0000-0000-0000-000000000000}"/>
           </ac:spMkLst>
         </pc:spChg>
-        <pc:spChg chg="add del mod">
-          <ac:chgData name="Manuel Moreno" userId="02c6592dd1359e13" providerId="LiveId" clId="{E73F1E59-4930-4006-8B54-222B6184BFD7}" dt="2025-07-29T16:54:55.609" v="1566" actId="478"/>
+        <pc:spChg chg="add mod">
+          <ac:chgData name="Manuel Moreno" userId="02c6592dd1359e13" providerId="LiveId" clId="{E73F1E59-4930-4006-8B54-222B6184BFD7}" dt="2025-07-31T14:11:26.829" v="6943" actId="123"/>
           <ac:spMkLst>
             <pc:docMk/>
             <pc:sldMk cId="0" sldId="261"/>
-            <ac:spMk id="10" creationId="{99AE90B4-9023-1002-D7A8-66125261BCCC}"/>
+            <ac:spMk id="10" creationId="{569046D3-77EB-A8B8-529E-F22996A0502C}"/>
           </ac:spMkLst>
         </pc:spChg>
-        <pc:spChg chg="del mod">
-          <ac:chgData name="Manuel Moreno" userId="02c6592dd1359e13" providerId="LiveId" clId="{E73F1E59-4930-4006-8B54-222B6184BFD7}" dt="2025-07-29T15:34:30.392" v="1221" actId="478"/>
-          <ac:spMkLst>
-            <pc:docMk/>
-            <pc:sldMk cId="0" sldId="261"/>
-            <ac:spMk id="21" creationId="{745F0C0B-DC53-5343-7AF9-CB3F8A42AD1A}"/>
-          </ac:spMkLst>
-        </pc:spChg>
-        <pc:spChg chg="del">
-          <ac:chgData name="Manuel Moreno" userId="02c6592dd1359e13" providerId="LiveId" clId="{E73F1E59-4930-4006-8B54-222B6184BFD7}" dt="2025-07-29T15:33:59.823" v="1213" actId="478"/>
-          <ac:spMkLst>
-            <pc:docMk/>
-            <pc:sldMk cId="0" sldId="261"/>
-            <ac:spMk id="29" creationId="{909590E1-7BC0-4358-7952-1B8533893DD9}"/>
-          </ac:spMkLst>
-        </pc:spChg>
-        <pc:grpChg chg="del">
-          <ac:chgData name="Manuel Moreno" userId="02c6592dd1359e13" providerId="LiveId" clId="{E73F1E59-4930-4006-8B54-222B6184BFD7}" dt="2025-07-29T15:34:30.967" v="1222" actId="478"/>
-          <ac:grpSpMkLst>
-            <pc:docMk/>
-            <pc:sldMk cId="0" sldId="261"/>
-            <ac:grpSpMk id="11" creationId="{00000000-0000-0000-0000-000000000000}"/>
-          </ac:grpSpMkLst>
-        </pc:grpChg>
         <pc:graphicFrameChg chg="add mod modGraphic">
-          <ac:chgData name="Manuel Moreno" userId="02c6592dd1359e13" providerId="LiveId" clId="{E73F1E59-4930-4006-8B54-222B6184BFD7}" dt="2025-07-29T19:46:30.812" v="5007" actId="113"/>
+          <ac:chgData name="Manuel Moreno" userId="02c6592dd1359e13" providerId="LiveId" clId="{E73F1E59-4930-4006-8B54-222B6184BFD7}" dt="2025-07-31T14:14:18.331" v="7176" actId="1076"/>
           <ac:graphicFrameMkLst>
             <pc:docMk/>
             <pc:sldMk cId="0" sldId="261"/>
             <ac:graphicFrameMk id="9" creationId="{08A250B0-B714-4555-C36C-C1CA667561EF}"/>
           </ac:graphicFrameMkLst>
         </pc:graphicFrameChg>
-        <pc:picChg chg="del">
-          <ac:chgData name="Manuel Moreno" userId="02c6592dd1359e13" providerId="LiveId" clId="{E73F1E59-4930-4006-8B54-222B6184BFD7}" dt="2025-07-29T15:34:00.544" v="1214" actId="478"/>
-          <ac:picMkLst>
-            <pc:docMk/>
-            <pc:sldMk cId="0" sldId="261"/>
-            <ac:picMk id="28" creationId="{E2F5E1BE-88BD-7FD2-88E5-590C882271D2}"/>
-          </ac:picMkLst>
-        </pc:picChg>
-        <pc:cxnChg chg="del">
-          <ac:chgData name="Manuel Moreno" userId="02c6592dd1359e13" providerId="LiveId" clId="{E73F1E59-4930-4006-8B54-222B6184BFD7}" dt="2025-07-29T15:34:01.640" v="1215" actId="478"/>
-          <ac:cxnSpMkLst>
-            <pc:docMk/>
-            <pc:sldMk cId="0" sldId="261"/>
-            <ac:cxnSpMk id="23" creationId="{3D6E934D-3947-5321-946D-B5BE5536A9EA}"/>
-          </ac:cxnSpMkLst>
-        </pc:cxnChg>
       </pc:sldChg>
-      <pc:sldChg chg="addSp delSp modSp mod">
-        <pc:chgData name="Manuel Moreno" userId="02c6592dd1359e13" providerId="LiveId" clId="{E73F1E59-4930-4006-8B54-222B6184BFD7}" dt="2025-07-29T19:58:31.759" v="5682" actId="123"/>
+      <pc:sldChg chg="addSp delSp modSp del mod">
+        <pc:chgData name="Manuel Moreno" userId="02c6592dd1359e13" providerId="LiveId" clId="{E73F1E59-4930-4006-8B54-222B6184BFD7}" dt="2025-07-31T13:53:04.176" v="6089" actId="2696"/>
         <pc:sldMkLst>
           <pc:docMk/>
           <pc:sldMk cId="0" sldId="262"/>
         </pc:sldMkLst>
-        <pc:spChg chg="mod">
-          <ac:chgData name="Manuel Moreno" userId="02c6592dd1359e13" providerId="LiveId" clId="{E73F1E59-4930-4006-8B54-222B6184BFD7}" dt="2025-07-29T19:41:04.340" v="4533" actId="20577"/>
-          <ac:spMkLst>
-            <pc:docMk/>
-            <pc:sldMk cId="0" sldId="262"/>
-            <ac:spMk id="7" creationId="{00000000-0000-0000-0000-000000000000}"/>
-          </ac:spMkLst>
-        </pc:spChg>
-        <pc:spChg chg="add mod">
-          <ac:chgData name="Manuel Moreno" userId="02c6592dd1359e13" providerId="LiveId" clId="{E73F1E59-4930-4006-8B54-222B6184BFD7}" dt="2025-07-29T19:58:31.759" v="5682" actId="123"/>
-          <ac:spMkLst>
-            <pc:docMk/>
-            <pc:sldMk cId="0" sldId="262"/>
-            <ac:spMk id="11" creationId="{93BAC029-774C-86B3-CC89-6D126AC0B441}"/>
-          </ac:spMkLst>
-        </pc:spChg>
-        <pc:spChg chg="add del mod">
-          <ac:chgData name="Manuel Moreno" userId="02c6592dd1359e13" providerId="LiveId" clId="{E73F1E59-4930-4006-8B54-222B6184BFD7}" dt="2025-07-29T19:15:51.160" v="3664"/>
-          <ac:spMkLst>
-            <pc:docMk/>
-            <pc:sldMk cId="0" sldId="262"/>
-            <ac:spMk id="12" creationId="{8F16A441-800B-4AB2-9DED-127CD7AC86ED}"/>
-          </ac:spMkLst>
-        </pc:spChg>
-        <pc:spChg chg="add mod">
-          <ac:chgData name="Manuel Moreno" userId="02c6592dd1359e13" providerId="LiveId" clId="{E73F1E59-4930-4006-8B54-222B6184BFD7}" dt="2025-07-29T19:16:22.189" v="3697" actId="1076"/>
-          <ac:spMkLst>
-            <pc:docMk/>
-            <pc:sldMk cId="0" sldId="262"/>
-            <ac:spMk id="13" creationId="{7CBDA06A-2663-340D-35BA-4523EAE0ADEA}"/>
-          </ac:spMkLst>
-        </pc:spChg>
-        <pc:spChg chg="del">
-          <ac:chgData name="Manuel Moreno" userId="02c6592dd1359e13" providerId="LiveId" clId="{E73F1E59-4930-4006-8B54-222B6184BFD7}" dt="2025-07-29T15:52:24.761" v="1561" actId="478"/>
-          <ac:spMkLst>
-            <pc:docMk/>
-            <pc:sldMk cId="0" sldId="262"/>
-            <ac:spMk id="29" creationId="{3A4CF324-2B4E-3B29-7054-2419ABAA41DF}"/>
-          </ac:spMkLst>
-        </pc:spChg>
-        <pc:spChg chg="del">
-          <ac:chgData name="Manuel Moreno" userId="02c6592dd1359e13" providerId="LiveId" clId="{E73F1E59-4930-4006-8B54-222B6184BFD7}" dt="2025-07-29T15:52:24.761" v="1561" actId="478"/>
-          <ac:spMkLst>
-            <pc:docMk/>
-            <pc:sldMk cId="0" sldId="262"/>
-            <ac:spMk id="32" creationId="{4D5859F3-FF6C-7182-0A14-91720D307F44}"/>
-          </ac:spMkLst>
-        </pc:spChg>
-        <pc:spChg chg="del">
-          <ac:chgData name="Manuel Moreno" userId="02c6592dd1359e13" providerId="LiveId" clId="{E73F1E59-4930-4006-8B54-222B6184BFD7}" dt="2025-07-29T15:52:20.998" v="1560" actId="478"/>
-          <ac:spMkLst>
-            <pc:docMk/>
-            <pc:sldMk cId="0" sldId="262"/>
-            <ac:spMk id="34" creationId="{A787A77B-A1A1-4E9F-2B71-629014E7F5AB}"/>
-          </ac:spMkLst>
-        </pc:spChg>
-        <pc:spChg chg="del">
-          <ac:chgData name="Manuel Moreno" userId="02c6592dd1359e13" providerId="LiveId" clId="{E73F1E59-4930-4006-8B54-222B6184BFD7}" dt="2025-07-29T15:52:20.998" v="1560" actId="478"/>
-          <ac:spMkLst>
-            <pc:docMk/>
-            <pc:sldMk cId="0" sldId="262"/>
-            <ac:spMk id="37" creationId="{ECE9DC8A-A3F4-9C1F-F9DB-F32C80ABF2D1}"/>
-          </ac:spMkLst>
-        </pc:spChg>
-        <pc:spChg chg="del">
-          <ac:chgData name="Manuel Moreno" userId="02c6592dd1359e13" providerId="LiveId" clId="{E73F1E59-4930-4006-8B54-222B6184BFD7}" dt="2025-07-29T15:52:20.998" v="1560" actId="478"/>
-          <ac:spMkLst>
-            <pc:docMk/>
-            <pc:sldMk cId="0" sldId="262"/>
-            <ac:spMk id="50" creationId="{622CCE2B-7253-6ED9-45DA-8347F2B6D865}"/>
-          </ac:spMkLst>
-        </pc:spChg>
-        <pc:spChg chg="del">
-          <ac:chgData name="Manuel Moreno" userId="02c6592dd1359e13" providerId="LiveId" clId="{E73F1E59-4930-4006-8B54-222B6184BFD7}" dt="2025-07-29T15:52:20.998" v="1560" actId="478"/>
-          <ac:spMkLst>
-            <pc:docMk/>
-            <pc:sldMk cId="0" sldId="262"/>
-            <ac:spMk id="58" creationId="{A03A3D29-3A47-6EDD-FF2B-3E62B38F3567}"/>
-          </ac:spMkLst>
-        </pc:spChg>
-        <pc:spChg chg="del">
-          <ac:chgData name="Manuel Moreno" userId="02c6592dd1359e13" providerId="LiveId" clId="{E73F1E59-4930-4006-8B54-222B6184BFD7}" dt="2025-07-29T15:52:20.998" v="1560" actId="478"/>
-          <ac:spMkLst>
-            <pc:docMk/>
-            <pc:sldMk cId="0" sldId="262"/>
-            <ac:spMk id="59" creationId="{AB148F90-889C-47DC-FA6E-DA0C3E5C8675}"/>
-          </ac:spMkLst>
-        </pc:spChg>
-        <pc:spChg chg="del">
-          <ac:chgData name="Manuel Moreno" userId="02c6592dd1359e13" providerId="LiveId" clId="{E73F1E59-4930-4006-8B54-222B6184BFD7}" dt="2025-07-29T15:52:20.998" v="1560" actId="478"/>
-          <ac:spMkLst>
-            <pc:docMk/>
-            <pc:sldMk cId="0" sldId="262"/>
-            <ac:spMk id="60" creationId="{ACCD00DB-B731-45D8-9D12-2E006660725B}"/>
-          </ac:spMkLst>
-        </pc:spChg>
-        <pc:spChg chg="del">
-          <ac:chgData name="Manuel Moreno" userId="02c6592dd1359e13" providerId="LiveId" clId="{E73F1E59-4930-4006-8B54-222B6184BFD7}" dt="2025-07-29T15:52:20.998" v="1560" actId="478"/>
-          <ac:spMkLst>
-            <pc:docMk/>
-            <pc:sldMk cId="0" sldId="262"/>
-            <ac:spMk id="63" creationId="{302FF157-5D5B-F5D8-1DF4-E16B4BBDC06D}"/>
-          </ac:spMkLst>
-        </pc:spChg>
-        <pc:spChg chg="del">
-          <ac:chgData name="Manuel Moreno" userId="02c6592dd1359e13" providerId="LiveId" clId="{E73F1E59-4930-4006-8B54-222B6184BFD7}" dt="2025-07-29T15:52:20.998" v="1560" actId="478"/>
-          <ac:spMkLst>
-            <pc:docMk/>
-            <pc:sldMk cId="0" sldId="262"/>
-            <ac:spMk id="68" creationId="{A773DCFA-2D0F-680C-06DA-60BEFF8DAA4F}"/>
-          </ac:spMkLst>
-        </pc:spChg>
-        <pc:picChg chg="del">
-          <ac:chgData name="Manuel Moreno" userId="02c6592dd1359e13" providerId="LiveId" clId="{E73F1E59-4930-4006-8B54-222B6184BFD7}" dt="2025-07-29T15:52:25.604" v="1562" actId="478"/>
+        <pc:picChg chg="add del mod">
+          <ac:chgData name="Manuel Moreno" userId="02c6592dd1359e13" providerId="LiveId" clId="{E73F1E59-4930-4006-8B54-222B6184BFD7}" dt="2025-07-31T13:52:59.555" v="6088" actId="21"/>
           <ac:picMkLst>
             <pc:docMk/>
             <pc:sldMk cId="0" sldId="262"/>
-            <ac:picMk id="9" creationId="{88875B32-4AA1-25A4-6378-F36034524DFF}"/>
+            <ac:picMk id="9" creationId="{A02053BA-FDB0-6EB2-365A-8B8A2D8083FA}"/>
           </ac:picMkLst>
         </pc:picChg>
-        <pc:picChg chg="add mod">
-          <ac:chgData name="Manuel Moreno" userId="02c6592dd1359e13" providerId="LiveId" clId="{E73F1E59-4930-4006-8B54-222B6184BFD7}" dt="2025-07-29T19:19:35.767" v="3776" actId="208"/>
+        <pc:picChg chg="add del mod">
+          <ac:chgData name="Manuel Moreno" userId="02c6592dd1359e13" providerId="LiveId" clId="{E73F1E59-4930-4006-8B54-222B6184BFD7}" dt="2025-07-31T13:26:01.384" v="6036" actId="478"/>
           <ac:picMkLst>
             <pc:docMk/>
             <pc:sldMk cId="0" sldId="262"/>
             <ac:picMk id="10" creationId="{A3480204-3BE2-64E9-97ED-304240E4060B}"/>
           </ac:picMkLst>
         </pc:picChg>
-        <pc:cxnChg chg="del mod">
-          <ac:chgData name="Manuel Moreno" userId="02c6592dd1359e13" providerId="LiveId" clId="{E73F1E59-4930-4006-8B54-222B6184BFD7}" dt="2025-07-29T15:52:24.761" v="1561" actId="478"/>
-          <ac:cxnSpMkLst>
+        <pc:picChg chg="add mod">
+          <ac:chgData name="Manuel Moreno" userId="02c6592dd1359e13" providerId="LiveId" clId="{E73F1E59-4930-4006-8B54-222B6184BFD7}" dt="2025-07-31T13:51:39.535" v="6045" actId="14100"/>
+          <ac:picMkLst>
             <pc:docMk/>
             <pc:sldMk cId="0" sldId="262"/>
-            <ac:cxnSpMk id="15" creationId="{D7FAEC14-DAB8-5C7D-CCF1-5794C26AF6CD}"/>
-          </ac:cxnSpMkLst>
-        </pc:cxnChg>
-        <pc:cxnChg chg="del mod">
-          <ac:chgData name="Manuel Moreno" userId="02c6592dd1359e13" providerId="LiveId" clId="{E73F1E59-4930-4006-8B54-222B6184BFD7}" dt="2025-07-29T15:52:24.761" v="1561" actId="478"/>
-          <ac:cxnSpMkLst>
-            <pc:docMk/>
-            <pc:sldMk cId="0" sldId="262"/>
-            <ac:cxnSpMk id="17" creationId="{CB6BBE10-291E-6218-2B11-5125721C5BAE}"/>
-          </ac:cxnSpMkLst>
-        </pc:cxnChg>
-        <pc:cxnChg chg="del mod">
-          <ac:chgData name="Manuel Moreno" userId="02c6592dd1359e13" providerId="LiveId" clId="{E73F1E59-4930-4006-8B54-222B6184BFD7}" dt="2025-07-29T15:52:20.998" v="1560" actId="478"/>
-          <ac:cxnSpMkLst>
-            <pc:docMk/>
-            <pc:sldMk cId="0" sldId="262"/>
-            <ac:cxnSpMk id="30" creationId="{0DA4D2D0-ED60-D920-E86F-2E14315BC11A}"/>
-          </ac:cxnSpMkLst>
-        </pc:cxnChg>
-        <pc:cxnChg chg="del">
-          <ac:chgData name="Manuel Moreno" userId="02c6592dd1359e13" providerId="LiveId" clId="{E73F1E59-4930-4006-8B54-222B6184BFD7}" dt="2025-07-29T15:52:20.998" v="1560" actId="478"/>
-          <ac:cxnSpMkLst>
-            <pc:docMk/>
-            <pc:sldMk cId="0" sldId="262"/>
-            <ac:cxnSpMk id="38" creationId="{25970A60-80A8-85D7-80A2-D493B65F4A34}"/>
-          </ac:cxnSpMkLst>
-        </pc:cxnChg>
+            <ac:picMk id="14" creationId="{99FC1441-5187-55BD-17D7-D588F9289281}"/>
+          </ac:picMkLst>
+        </pc:picChg>
       </pc:sldChg>
       <pc:sldChg chg="addSp delSp modSp mod">
-        <pc:chgData name="Manuel Moreno" userId="02c6592dd1359e13" providerId="LiveId" clId="{E73F1E59-4930-4006-8B54-222B6184BFD7}" dt="2025-07-29T19:41:18.602" v="4552" actId="20577"/>
+        <pc:chgData name="Manuel Moreno" userId="02c6592dd1359e13" providerId="LiveId" clId="{E73F1E59-4930-4006-8B54-222B6184BFD7}" dt="2025-07-31T13:14:49.590" v="5969" actId="1076"/>
         <pc:sldMkLst>
           <pc:docMk/>
           <pc:sldMk cId="0" sldId="263"/>
@@ -698,14 +460,6 @@
             <pc:docMk/>
             <pc:sldMk cId="0" sldId="263"/>
             <ac:spMk id="7" creationId="{00000000-0000-0000-0000-000000000000}"/>
-          </ac:spMkLst>
-        </pc:spChg>
-        <pc:spChg chg="del">
-          <ac:chgData name="Manuel Moreno" userId="02c6592dd1359e13" providerId="LiveId" clId="{E73F1E59-4930-4006-8B54-222B6184BFD7}" dt="2025-07-29T17:19:36.528" v="1695" actId="478"/>
-          <ac:spMkLst>
-            <pc:docMk/>
-            <pc:sldMk cId="0" sldId="263"/>
-            <ac:spMk id="10" creationId="{EA75D8BA-0226-8474-6BEF-13D5A766F4E1}"/>
           </ac:spMkLst>
         </pc:spChg>
         <pc:spChg chg="add mod">
@@ -724,14 +478,6 @@
             <ac:spMk id="15" creationId="{D2EC4784-5D90-6243-26D0-2232EB7A1F58}"/>
           </ac:spMkLst>
         </pc:spChg>
-        <pc:spChg chg="add del mod">
-          <ac:chgData name="Manuel Moreno" userId="02c6592dd1359e13" providerId="LiveId" clId="{E73F1E59-4930-4006-8B54-222B6184BFD7}" dt="2025-07-29T19:36:22.465" v="4452"/>
-          <ac:spMkLst>
-            <pc:docMk/>
-            <pc:sldMk cId="0" sldId="263"/>
-            <ac:spMk id="18" creationId="{F39D4032-C3E2-E217-C201-66851DFB1B49}"/>
-          </ac:spMkLst>
-        </pc:spChg>
         <pc:spChg chg="add mod">
           <ac:chgData name="Manuel Moreno" userId="02c6592dd1359e13" providerId="LiveId" clId="{E73F1E59-4930-4006-8B54-222B6184BFD7}" dt="2025-07-29T19:38:03.071" v="4511" actId="20577"/>
           <ac:spMkLst>
@@ -740,56 +486,16 @@
             <ac:spMk id="19" creationId="{02F398AE-8167-8DDD-4DBB-1240304E98D9}"/>
           </ac:spMkLst>
         </pc:spChg>
-        <pc:spChg chg="del">
-          <ac:chgData name="Manuel Moreno" userId="02c6592dd1359e13" providerId="LiveId" clId="{E73F1E59-4930-4006-8B54-222B6184BFD7}" dt="2025-07-29T17:19:33.543" v="1693" actId="478"/>
-          <ac:spMkLst>
-            <pc:docMk/>
-            <pc:sldMk cId="0" sldId="263"/>
-            <ac:spMk id="23" creationId="{D229A07D-569D-D88B-668D-689D3CECFD27}"/>
-          </ac:spMkLst>
-        </pc:spChg>
-        <pc:spChg chg="del">
-          <ac:chgData name="Manuel Moreno" userId="02c6592dd1359e13" providerId="LiveId" clId="{E73F1E59-4930-4006-8B54-222B6184BFD7}" dt="2025-07-29T17:19:36.528" v="1695" actId="478"/>
-          <ac:spMkLst>
-            <pc:docMk/>
-            <pc:sldMk cId="0" sldId="263"/>
-            <ac:spMk id="24" creationId="{AD606630-20ED-D210-D7E3-C461AF66A959}"/>
-          </ac:spMkLst>
-        </pc:spChg>
-        <pc:spChg chg="del">
-          <ac:chgData name="Manuel Moreno" userId="02c6592dd1359e13" providerId="LiveId" clId="{E73F1E59-4930-4006-8B54-222B6184BFD7}" dt="2025-07-29T17:19:32.840" v="1692" actId="478"/>
-          <ac:spMkLst>
-            <pc:docMk/>
-            <pc:sldMk cId="0" sldId="263"/>
-            <ac:spMk id="25" creationId="{4B1E7A8E-1855-5AF6-76D9-682FB488CA8F}"/>
-          </ac:spMkLst>
-        </pc:spChg>
-        <pc:spChg chg="del">
-          <ac:chgData name="Manuel Moreno" userId="02c6592dd1359e13" providerId="LiveId" clId="{E73F1E59-4930-4006-8B54-222B6184BFD7}" dt="2025-07-29T17:19:36.528" v="1695" actId="478"/>
-          <ac:spMkLst>
-            <pc:docMk/>
-            <pc:sldMk cId="0" sldId="263"/>
-            <ac:spMk id="26" creationId="{748A2159-4CBF-BEB5-D6E6-50624A41285E}"/>
-          </ac:spMkLst>
-        </pc:spChg>
-        <pc:spChg chg="del mod">
-          <ac:chgData name="Manuel Moreno" userId="02c6592dd1359e13" providerId="LiveId" clId="{E73F1E59-4930-4006-8B54-222B6184BFD7}" dt="2025-07-29T17:19:34.371" v="1694" actId="478"/>
-          <ac:spMkLst>
-            <pc:docMk/>
-            <pc:sldMk cId="0" sldId="263"/>
-            <ac:spMk id="27" creationId="{859DAA05-F2EF-015F-9AE9-490E9BF95D68}"/>
-          </ac:spMkLst>
-        </pc:spChg>
-        <pc:picChg chg="del">
-          <ac:chgData name="Manuel Moreno" userId="02c6592dd1359e13" providerId="LiveId" clId="{E73F1E59-4930-4006-8B54-222B6184BFD7}" dt="2025-07-29T17:19:30.403" v="1690" actId="478"/>
+        <pc:picChg chg="add mod">
+          <ac:chgData name="Manuel Moreno" userId="02c6592dd1359e13" providerId="LiveId" clId="{E73F1E59-4930-4006-8B54-222B6184BFD7}" dt="2025-07-31T13:12:07.231" v="5956" actId="1076"/>
           <ac:picMkLst>
             <pc:docMk/>
             <pc:sldMk cId="0" sldId="263"/>
-            <ac:picMk id="9" creationId="{F34DB01F-74B1-C76A-A0C0-0BF70FE98CD3}"/>
+            <ac:picMk id="9" creationId="{48808685-8814-79B6-E896-0DFDE4684DF6}"/>
           </ac:picMkLst>
         </pc:picChg>
-        <pc:picChg chg="add mod">
-          <ac:chgData name="Manuel Moreno" userId="02c6592dd1359e13" providerId="LiveId" clId="{E73F1E59-4930-4006-8B54-222B6184BFD7}" dt="2025-07-29T19:19:39.313" v="3777" actId="208"/>
+        <pc:picChg chg="add del mod">
+          <ac:chgData name="Manuel Moreno" userId="02c6592dd1359e13" providerId="LiveId" clId="{E73F1E59-4930-4006-8B54-222B6184BFD7}" dt="2025-07-31T13:11:22.966" v="5949" actId="478"/>
           <ac:picMkLst>
             <pc:docMk/>
             <pc:sldMk cId="0" sldId="263"/>
@@ -797,61 +503,21 @@
           </ac:picMkLst>
         </pc:picChg>
         <pc:picChg chg="add mod">
-          <ac:chgData name="Manuel Moreno" userId="02c6592dd1359e13" providerId="LiveId" clId="{E73F1E59-4930-4006-8B54-222B6184BFD7}" dt="2025-07-29T19:34:56.640" v="4327" actId="1076"/>
+          <ac:chgData name="Manuel Moreno" userId="02c6592dd1359e13" providerId="LiveId" clId="{E73F1E59-4930-4006-8B54-222B6184BFD7}" dt="2025-07-31T13:14:49.590" v="5969" actId="1076"/>
+          <ac:picMkLst>
+            <pc:docMk/>
+            <pc:sldMk cId="0" sldId="263"/>
+            <ac:picMk id="12" creationId="{EEFC4E82-A508-4F82-8FEF-0893AC0F1252}"/>
+          </ac:picMkLst>
+        </pc:picChg>
+        <pc:picChg chg="add del mod">
+          <ac:chgData name="Manuel Moreno" userId="02c6592dd1359e13" providerId="LiveId" clId="{E73F1E59-4930-4006-8B54-222B6184BFD7}" dt="2025-07-31T13:14:10.411" v="5957" actId="478"/>
           <ac:picMkLst>
             <pc:docMk/>
             <pc:sldMk cId="0" sldId="263"/>
             <ac:picMk id="16" creationId="{A4AFA62D-3B26-8C38-F600-E8A4456720E9}"/>
           </ac:picMkLst>
         </pc:picChg>
-        <pc:cxnChg chg="del mod">
-          <ac:chgData name="Manuel Moreno" userId="02c6592dd1359e13" providerId="LiveId" clId="{E73F1E59-4930-4006-8B54-222B6184BFD7}" dt="2025-07-29T17:19:36.528" v="1695" actId="478"/>
-          <ac:cxnSpMkLst>
-            <pc:docMk/>
-            <pc:sldMk cId="0" sldId="263"/>
-            <ac:cxnSpMk id="12" creationId="{370DF6C0-D101-2CD3-F3E7-90E13D07D67F}"/>
-          </ac:cxnSpMkLst>
-        </pc:cxnChg>
-        <pc:cxnChg chg="del">
-          <ac:chgData name="Manuel Moreno" userId="02c6592dd1359e13" providerId="LiveId" clId="{E73F1E59-4930-4006-8B54-222B6184BFD7}" dt="2025-07-29T17:19:36.528" v="1695" actId="478"/>
-          <ac:cxnSpMkLst>
-            <pc:docMk/>
-            <pc:sldMk cId="0" sldId="263"/>
-            <ac:cxnSpMk id="14" creationId="{D3A1F657-B41E-5445-B75E-3D1831B89FAF}"/>
-          </ac:cxnSpMkLst>
-        </pc:cxnChg>
-        <pc:cxnChg chg="del">
-          <ac:chgData name="Manuel Moreno" userId="02c6592dd1359e13" providerId="LiveId" clId="{E73F1E59-4930-4006-8B54-222B6184BFD7}" dt="2025-07-29T17:19:36.528" v="1695" actId="478"/>
-          <ac:cxnSpMkLst>
-            <pc:docMk/>
-            <pc:sldMk cId="0" sldId="263"/>
-            <ac:cxnSpMk id="17" creationId="{381C3A7E-70FC-F29C-0350-DDA5F10D66A7}"/>
-          </ac:cxnSpMkLst>
-        </pc:cxnChg>
-        <pc:cxnChg chg="del mod">
-          <ac:chgData name="Manuel Moreno" userId="02c6592dd1359e13" providerId="LiveId" clId="{E73F1E59-4930-4006-8B54-222B6184BFD7}" dt="2025-07-29T17:19:36.528" v="1695" actId="478"/>
-          <ac:cxnSpMkLst>
-            <pc:docMk/>
-            <pc:sldMk cId="0" sldId="263"/>
-            <ac:cxnSpMk id="28" creationId="{041178E2-D2B0-0936-11EA-03282B5669A2}"/>
-          </ac:cxnSpMkLst>
-        </pc:cxnChg>
-        <pc:cxnChg chg="del mod">
-          <ac:chgData name="Manuel Moreno" userId="02c6592dd1359e13" providerId="LiveId" clId="{E73F1E59-4930-4006-8B54-222B6184BFD7}" dt="2025-07-29T17:19:36.528" v="1695" actId="478"/>
-          <ac:cxnSpMkLst>
-            <pc:docMk/>
-            <pc:sldMk cId="0" sldId="263"/>
-            <ac:cxnSpMk id="34" creationId="{C3AFC0E7-E7D3-B4B0-0A0D-C93CD39406C9}"/>
-          </ac:cxnSpMkLst>
-        </pc:cxnChg>
-        <pc:cxnChg chg="del mod">
-          <ac:chgData name="Manuel Moreno" userId="02c6592dd1359e13" providerId="LiveId" clId="{E73F1E59-4930-4006-8B54-222B6184BFD7}" dt="2025-07-29T17:19:36.528" v="1695" actId="478"/>
-          <ac:cxnSpMkLst>
-            <pc:docMk/>
-            <pc:sldMk cId="0" sldId="263"/>
-            <ac:cxnSpMk id="37" creationId="{9482BBCE-F099-E142-964A-329C4E0B7552}"/>
-          </ac:cxnSpMkLst>
-        </pc:cxnChg>
       </pc:sldChg>
       <pc:sldChg chg="addSp delSp modSp del mod">
         <pc:chgData name="Manuel Moreno" userId="02c6592dd1359e13" providerId="LiveId" clId="{E73F1E59-4930-4006-8B54-222B6184BFD7}" dt="2025-07-29T19:19:53.684" v="3779" actId="2696"/>
@@ -859,126 +525,6 @@
           <pc:docMk/>
           <pc:sldMk cId="0" sldId="264"/>
         </pc:sldMkLst>
-        <pc:spChg chg="mod">
-          <ac:chgData name="Manuel Moreno" userId="02c6592dd1359e13" providerId="LiveId" clId="{E73F1E59-4930-4006-8B54-222B6184BFD7}" dt="2025-07-29T17:53:47.339" v="1702" actId="1076"/>
-          <ac:spMkLst>
-            <pc:docMk/>
-            <pc:sldMk cId="0" sldId="264"/>
-            <ac:spMk id="9" creationId="{00000000-0000-0000-0000-000000000000}"/>
-          </ac:spMkLst>
-        </pc:spChg>
-        <pc:spChg chg="del">
-          <ac:chgData name="Manuel Moreno" userId="02c6592dd1359e13" providerId="LiveId" clId="{E73F1E59-4930-4006-8B54-222B6184BFD7}" dt="2025-07-29T17:53:55.827" v="1706" actId="478"/>
-          <ac:spMkLst>
-            <pc:docMk/>
-            <pc:sldMk cId="0" sldId="264"/>
-            <ac:spMk id="11" creationId="{00000000-0000-0000-0000-000000000000}"/>
-          </ac:spMkLst>
-        </pc:spChg>
-        <pc:spChg chg="del mod">
-          <ac:chgData name="Manuel Moreno" userId="02c6592dd1359e13" providerId="LiveId" clId="{E73F1E59-4930-4006-8B54-222B6184BFD7}" dt="2025-07-29T17:53:53.546" v="1705" actId="478"/>
-          <ac:spMkLst>
-            <pc:docMk/>
-            <pc:sldMk cId="0" sldId="264"/>
-            <ac:spMk id="39" creationId="{511A85A7-EBA7-65FC-3511-98DCBBCE486F}"/>
-          </ac:spMkLst>
-        </pc:spChg>
-        <pc:spChg chg="del">
-          <ac:chgData name="Manuel Moreno" userId="02c6592dd1359e13" providerId="LiveId" clId="{E73F1E59-4930-4006-8B54-222B6184BFD7}" dt="2025-07-29T17:53:35.321" v="1699" actId="478"/>
-          <ac:spMkLst>
-            <pc:docMk/>
-            <pc:sldMk cId="0" sldId="264"/>
-            <ac:spMk id="40" creationId="{FE29945B-46DC-8283-85A3-1C344A796D65}"/>
-          </ac:spMkLst>
-        </pc:spChg>
-        <pc:graphicFrameChg chg="del">
-          <ac:chgData name="Manuel Moreno" userId="02c6592dd1359e13" providerId="LiveId" clId="{E73F1E59-4930-4006-8B54-222B6184BFD7}" dt="2025-07-29T17:53:51.619" v="1703" actId="478"/>
-          <ac:graphicFrameMkLst>
-            <pc:docMk/>
-            <pc:sldMk cId="0" sldId="264"/>
-            <ac:graphicFrameMk id="17" creationId="{A1C3524F-63E2-6F89-9563-82FF9AB08951}"/>
-          </ac:graphicFrameMkLst>
-        </pc:graphicFrameChg>
-        <pc:graphicFrameChg chg="del">
-          <ac:chgData name="Manuel Moreno" userId="02c6592dd1359e13" providerId="LiveId" clId="{E73F1E59-4930-4006-8B54-222B6184BFD7}" dt="2025-07-29T17:53:51.619" v="1703" actId="478"/>
-          <ac:graphicFrameMkLst>
-            <pc:docMk/>
-            <pc:sldMk cId="0" sldId="264"/>
-            <ac:graphicFrameMk id="30" creationId="{6CD33DE1-7C97-6131-2596-88D96090DC9F}"/>
-          </ac:graphicFrameMkLst>
-        </pc:graphicFrameChg>
-        <pc:picChg chg="add del mod">
-          <ac:chgData name="Manuel Moreno" userId="02c6592dd1359e13" providerId="LiveId" clId="{E73F1E59-4930-4006-8B54-222B6184BFD7}" dt="2025-07-29T19:19:13.039" v="3772" actId="21"/>
-          <ac:picMkLst>
-            <pc:docMk/>
-            <pc:sldMk cId="0" sldId="264"/>
-            <ac:picMk id="3" creationId="{A4AFA62D-3B26-8C38-F600-E8A4456720E9}"/>
-          </ac:picMkLst>
-        </pc:picChg>
-        <pc:picChg chg="del">
-          <ac:chgData name="Manuel Moreno" userId="02c6592dd1359e13" providerId="LiveId" clId="{E73F1E59-4930-4006-8B54-222B6184BFD7}" dt="2025-07-29T17:53:51.619" v="1703" actId="478"/>
-          <ac:picMkLst>
-            <pc:docMk/>
-            <pc:sldMk cId="0" sldId="264"/>
-            <ac:picMk id="23" creationId="{20A8CE98-089E-BB4F-F926-E9634945DC7E}"/>
-          </ac:picMkLst>
-        </pc:picChg>
-        <pc:picChg chg="del">
-          <ac:chgData name="Manuel Moreno" userId="02c6592dd1359e13" providerId="LiveId" clId="{E73F1E59-4930-4006-8B54-222B6184BFD7}" dt="2025-07-29T17:53:51.619" v="1703" actId="478"/>
-          <ac:picMkLst>
-            <pc:docMk/>
-            <pc:sldMk cId="0" sldId="264"/>
-            <ac:picMk id="25" creationId="{5A1D88DA-66A6-8D64-8F66-31AC45330AA9}"/>
-          </ac:picMkLst>
-        </pc:picChg>
-        <pc:picChg chg="del">
-          <ac:chgData name="Manuel Moreno" userId="02c6592dd1359e13" providerId="LiveId" clId="{E73F1E59-4930-4006-8B54-222B6184BFD7}" dt="2025-07-29T17:53:51.619" v="1703" actId="478"/>
-          <ac:picMkLst>
-            <pc:docMk/>
-            <pc:sldMk cId="0" sldId="264"/>
-            <ac:picMk id="27" creationId="{A53B3357-2D7D-BAD5-5A8E-5F6918C9DDB6}"/>
-          </ac:picMkLst>
-        </pc:picChg>
-        <pc:picChg chg="del">
-          <ac:chgData name="Manuel Moreno" userId="02c6592dd1359e13" providerId="LiveId" clId="{E73F1E59-4930-4006-8B54-222B6184BFD7}" dt="2025-07-29T17:53:36.008" v="1700" actId="478"/>
-          <ac:picMkLst>
-            <pc:docMk/>
-            <pc:sldMk cId="0" sldId="264"/>
-            <ac:picMk id="29" creationId="{B5589739-AE96-C2D4-2DA7-6ED7DAA3F96B}"/>
-          </ac:picMkLst>
-        </pc:picChg>
-        <pc:picChg chg="del">
-          <ac:chgData name="Manuel Moreno" userId="02c6592dd1359e13" providerId="LiveId" clId="{E73F1E59-4930-4006-8B54-222B6184BFD7}" dt="2025-07-29T17:53:51.619" v="1703" actId="478"/>
-          <ac:picMkLst>
-            <pc:docMk/>
-            <pc:sldMk cId="0" sldId="264"/>
-            <ac:picMk id="32" creationId="{747B5958-98A3-152F-D90E-69F70DA12FDD}"/>
-          </ac:picMkLst>
-        </pc:picChg>
-        <pc:picChg chg="del">
-          <ac:chgData name="Manuel Moreno" userId="02c6592dd1359e13" providerId="LiveId" clId="{E73F1E59-4930-4006-8B54-222B6184BFD7}" dt="2025-07-29T17:53:51.619" v="1703" actId="478"/>
-          <ac:picMkLst>
-            <pc:docMk/>
-            <pc:sldMk cId="0" sldId="264"/>
-            <ac:picMk id="34" creationId="{9C908B52-9362-9431-E175-36225E47C851}"/>
-          </ac:picMkLst>
-        </pc:picChg>
-        <pc:picChg chg="del">
-          <ac:chgData name="Manuel Moreno" userId="02c6592dd1359e13" providerId="LiveId" clId="{E73F1E59-4930-4006-8B54-222B6184BFD7}" dt="2025-07-29T17:53:51.619" v="1703" actId="478"/>
-          <ac:picMkLst>
-            <pc:docMk/>
-            <pc:sldMk cId="0" sldId="264"/>
-            <ac:picMk id="36" creationId="{9378DAB8-26FC-93E1-70EF-AF1F40DEC094}"/>
-          </ac:picMkLst>
-        </pc:picChg>
-        <pc:picChg chg="del">
-          <ac:chgData name="Manuel Moreno" userId="02c6592dd1359e13" providerId="LiveId" clId="{E73F1E59-4930-4006-8B54-222B6184BFD7}" dt="2025-07-29T17:53:51.619" v="1703" actId="478"/>
-          <ac:picMkLst>
-            <pc:docMk/>
-            <pc:sldMk cId="0" sldId="264"/>
-            <ac:picMk id="38" creationId="{060DA6CA-0E14-9EDD-4E9A-AE4341C188AC}"/>
-          </ac:picMkLst>
-        </pc:picChg>
       </pc:sldChg>
       <pc:sldChg chg="addSp delSp modSp mod">
         <pc:chgData name="Manuel Moreno" userId="02c6592dd1359e13" providerId="LiveId" clId="{E73F1E59-4930-4006-8B54-222B6184BFD7}" dt="2025-07-29T20:06:14.562" v="5838" actId="1076"/>
@@ -986,22 +532,6 @@
           <pc:docMk/>
           <pc:sldMk cId="3879200758" sldId="265"/>
         </pc:sldMkLst>
-        <pc:spChg chg="del">
-          <ac:chgData name="Manuel Moreno" userId="02c6592dd1359e13" providerId="LiveId" clId="{E73F1E59-4930-4006-8B54-222B6184BFD7}" dt="2025-07-29T18:28:56.676" v="1779" actId="478"/>
-          <ac:spMkLst>
-            <pc:docMk/>
-            <pc:sldMk cId="3879200758" sldId="265"/>
-            <ac:spMk id="5" creationId="{F84E29FE-A47A-4474-95CD-C2ED7B607797}"/>
-          </ac:spMkLst>
-        </pc:spChg>
-        <pc:spChg chg="del mod">
-          <ac:chgData name="Manuel Moreno" userId="02c6592dd1359e13" providerId="LiveId" clId="{E73F1E59-4930-4006-8B54-222B6184BFD7}" dt="2025-07-29T18:28:58.394" v="1781" actId="478"/>
-          <ac:spMkLst>
-            <pc:docMk/>
-            <pc:sldMk cId="3879200758" sldId="265"/>
-            <ac:spMk id="11" creationId="{F549976D-8587-229C-0288-72FA689A1656}"/>
-          </ac:spMkLst>
-        </pc:spChg>
         <pc:spChg chg="mod">
           <ac:chgData name="Manuel Moreno" userId="02c6592dd1359e13" providerId="LiveId" clId="{E73F1E59-4930-4006-8B54-222B6184BFD7}" dt="2025-07-29T19:42:21.517" v="4594" actId="20577"/>
           <ac:spMkLst>
@@ -1018,36 +548,12 @@
             <ac:spMk id="13" creationId="{006230B4-6F1A-5485-F92A-F17A837D8B94}"/>
           </ac:spMkLst>
         </pc:spChg>
-        <pc:spChg chg="add del mod">
-          <ac:chgData name="Manuel Moreno" userId="02c6592dd1359e13" providerId="LiveId" clId="{E73F1E59-4930-4006-8B54-222B6184BFD7}" dt="2025-07-29T18:30:50.508" v="1793"/>
-          <ac:spMkLst>
-            <pc:docMk/>
-            <pc:sldMk cId="3879200758" sldId="265"/>
-            <ac:spMk id="15" creationId="{1192C9D1-526E-7DE2-A28D-CA93FCE83D2B}"/>
-          </ac:spMkLst>
-        </pc:spChg>
-        <pc:spChg chg="del">
-          <ac:chgData name="Manuel Moreno" userId="02c6592dd1359e13" providerId="LiveId" clId="{E73F1E59-4930-4006-8B54-222B6184BFD7}" dt="2025-07-29T18:29:02.114" v="1784" actId="478"/>
-          <ac:spMkLst>
-            <pc:docMk/>
-            <pc:sldMk cId="3879200758" sldId="265"/>
-            <ac:spMk id="19" creationId="{BBA57163-25FC-D047-6DC1-77F63DD1504F}"/>
-          </ac:spMkLst>
-        </pc:spChg>
         <pc:spChg chg="add mod">
           <ac:chgData name="Manuel Moreno" userId="02c6592dd1359e13" providerId="LiveId" clId="{E73F1E59-4930-4006-8B54-222B6184BFD7}" dt="2025-07-29T19:41:36.393" v="4569" actId="20577"/>
           <ac:spMkLst>
             <pc:docMk/>
             <pc:sldMk cId="3879200758" sldId="265"/>
             <ac:spMk id="26" creationId="{0ECB97D7-5AD4-AB6B-2BFA-798460EFD7B0}"/>
-          </ac:spMkLst>
-        </pc:spChg>
-        <pc:spChg chg="add del mod">
-          <ac:chgData name="Manuel Moreno" userId="02c6592dd1359e13" providerId="LiveId" clId="{E73F1E59-4930-4006-8B54-222B6184BFD7}" dt="2025-07-29T19:32:11.932" v="4298" actId="478"/>
-          <ac:spMkLst>
-            <pc:docMk/>
-            <pc:sldMk cId="3879200758" sldId="265"/>
-            <ac:spMk id="27" creationId="{0A3BA748-5B2C-CAEA-9429-56AC76197770}"/>
           </ac:spMkLst>
         </pc:spChg>
         <pc:spChg chg="add mod">
@@ -1066,22 +572,6 @@
             <ac:spMk id="33" creationId="{64AC7FFC-79A1-3FCE-4CBE-E9AAA8AB3406}"/>
           </ac:spMkLst>
         </pc:spChg>
-        <pc:spChg chg="add del mod">
-          <ac:chgData name="Manuel Moreno" userId="02c6592dd1359e13" providerId="LiveId" clId="{E73F1E59-4930-4006-8B54-222B6184BFD7}" dt="2025-07-29T19:25:59.327" v="3997" actId="478"/>
-          <ac:spMkLst>
-            <pc:docMk/>
-            <pc:sldMk cId="3879200758" sldId="265"/>
-            <ac:spMk id="38" creationId="{6305436A-23A0-5AD5-DB87-78DCE938D90B}"/>
-          </ac:spMkLst>
-        </pc:spChg>
-        <pc:spChg chg="add del">
-          <ac:chgData name="Manuel Moreno" userId="02c6592dd1359e13" providerId="LiveId" clId="{E73F1E59-4930-4006-8B54-222B6184BFD7}" dt="2025-07-29T19:30:30.838" v="4263" actId="478"/>
-          <ac:spMkLst>
-            <pc:docMk/>
-            <pc:sldMk cId="3879200758" sldId="265"/>
-            <ac:spMk id="39" creationId="{9B107F3B-3324-7553-DE08-2C434EF0F828}"/>
-          </ac:spMkLst>
-        </pc:spChg>
         <pc:spChg chg="add mod">
           <ac:chgData name="Manuel Moreno" userId="02c6592dd1359e13" providerId="LiveId" clId="{E73F1E59-4930-4006-8B54-222B6184BFD7}" dt="2025-07-29T19:30:54.093" v="4267" actId="208"/>
           <ac:spMkLst>
@@ -1098,30 +588,6 @@
             <ac:spMk id="41" creationId="{4130D01E-B3A6-5041-5A95-1F24062DB3D7}"/>
           </ac:spMkLst>
         </pc:spChg>
-        <pc:spChg chg="del">
-          <ac:chgData name="Manuel Moreno" userId="02c6592dd1359e13" providerId="LiveId" clId="{E73F1E59-4930-4006-8B54-222B6184BFD7}" dt="2025-07-29T18:29:00.160" v="1782" actId="478"/>
-          <ac:spMkLst>
-            <pc:docMk/>
-            <pc:sldMk cId="3879200758" sldId="265"/>
-            <ac:spMk id="52" creationId="{E7E3B882-8F75-DC0C-A108-E65F782FF89B}"/>
-          </ac:spMkLst>
-        </pc:spChg>
-        <pc:picChg chg="del">
-          <ac:chgData name="Manuel Moreno" userId="02c6592dd1359e13" providerId="LiveId" clId="{E73F1E59-4930-4006-8B54-222B6184BFD7}" dt="2025-07-29T18:28:55.473" v="1778" actId="478"/>
-          <ac:picMkLst>
-            <pc:docMk/>
-            <pc:sldMk cId="3879200758" sldId="265"/>
-            <ac:picMk id="3" creationId="{29C9384F-ECB9-9836-250F-D6FF50AADB99}"/>
-          </ac:picMkLst>
-        </pc:picChg>
-        <pc:picChg chg="del">
-          <ac:chgData name="Manuel Moreno" userId="02c6592dd1359e13" providerId="LiveId" clId="{E73F1E59-4930-4006-8B54-222B6184BFD7}" dt="2025-07-29T18:29:03.036" v="1785" actId="478"/>
-          <ac:picMkLst>
-            <pc:docMk/>
-            <pc:sldMk cId="3879200758" sldId="265"/>
-            <ac:picMk id="4" creationId="{DF6353B3-8538-CA80-2ED8-C238FE733CE9}"/>
-          </ac:picMkLst>
-        </pc:picChg>
         <pc:picChg chg="add mod">
           <ac:chgData name="Manuel Moreno" userId="02c6592dd1359e13" providerId="LiveId" clId="{E73F1E59-4930-4006-8B54-222B6184BFD7}" dt="2025-07-29T19:24:25.567" v="3959" actId="1076"/>
           <ac:picMkLst>
@@ -1138,54 +604,6 @@
             <ac:picMk id="17" creationId="{3FFBEFFF-82B1-8EB4-68C3-06221E130F19}"/>
           </ac:picMkLst>
         </pc:picChg>
-        <pc:picChg chg="add del mod">
-          <ac:chgData name="Manuel Moreno" userId="02c6592dd1359e13" providerId="LiveId" clId="{E73F1E59-4930-4006-8B54-222B6184BFD7}" dt="2025-07-29T19:31:03.330" v="4269" actId="478"/>
-          <ac:picMkLst>
-            <pc:docMk/>
-            <pc:sldMk cId="3879200758" sldId="265"/>
-            <ac:picMk id="21" creationId="{AA0791B7-1A1B-73E5-4B94-8F9FEE12F7D5}"/>
-          </ac:picMkLst>
-        </pc:picChg>
-        <pc:picChg chg="add del mod">
-          <ac:chgData name="Manuel Moreno" userId="02c6592dd1359e13" providerId="LiveId" clId="{E73F1E59-4930-4006-8B54-222B6184BFD7}" dt="2025-07-29T19:31:06.892" v="4270" actId="478"/>
-          <ac:picMkLst>
-            <pc:docMk/>
-            <pc:sldMk cId="3879200758" sldId="265"/>
-            <ac:picMk id="23" creationId="{BEA397CE-7E07-E8DE-CC24-F9E827C74B68}"/>
-          </ac:picMkLst>
-        </pc:picChg>
-        <pc:picChg chg="add del mod">
-          <ac:chgData name="Manuel Moreno" userId="02c6592dd1359e13" providerId="LiveId" clId="{E73F1E59-4930-4006-8B54-222B6184BFD7}" dt="2025-07-29T19:31:07.860" v="4271" actId="478"/>
-          <ac:picMkLst>
-            <pc:docMk/>
-            <pc:sldMk cId="3879200758" sldId="265"/>
-            <ac:picMk id="25" creationId="{C4923F75-8052-C896-3F38-43697D217400}"/>
-          </ac:picMkLst>
-        </pc:picChg>
-        <pc:cxnChg chg="del mod">
-          <ac:chgData name="Manuel Moreno" userId="02c6592dd1359e13" providerId="LiveId" clId="{E73F1E59-4930-4006-8B54-222B6184BFD7}" dt="2025-07-29T18:29:01.005" v="1783" actId="478"/>
-          <ac:cxnSpMkLst>
-            <pc:docMk/>
-            <pc:sldMk cId="3879200758" sldId="265"/>
-            <ac:cxnSpMk id="14" creationId="{C8303146-D321-2AB4-0859-2CA6ABABF90B}"/>
-          </ac:cxnSpMkLst>
-        </pc:cxnChg>
-        <pc:cxnChg chg="del mod">
-          <ac:chgData name="Manuel Moreno" userId="02c6592dd1359e13" providerId="LiveId" clId="{E73F1E59-4930-4006-8B54-222B6184BFD7}" dt="2025-07-29T18:29:03.832" v="1786" actId="478"/>
-          <ac:cxnSpMkLst>
-            <pc:docMk/>
-            <pc:sldMk cId="3879200758" sldId="265"/>
-            <ac:cxnSpMk id="20" creationId="{8AC42821-1919-05B3-CFAE-597009C0BCE6}"/>
-          </ac:cxnSpMkLst>
-        </pc:cxnChg>
-        <pc:cxnChg chg="add del mod">
-          <ac:chgData name="Manuel Moreno" userId="02c6592dd1359e13" providerId="LiveId" clId="{E73F1E59-4930-4006-8B54-222B6184BFD7}" dt="2025-07-29T19:30:51.781" v="4266" actId="478"/>
-          <ac:cxnSpMkLst>
-            <pc:docMk/>
-            <pc:sldMk cId="3879200758" sldId="265"/>
-            <ac:cxnSpMk id="30" creationId="{0D10A60C-213D-4507-4596-1FD8E70282CD}"/>
-          </ac:cxnSpMkLst>
-        </pc:cxnChg>
         <pc:cxnChg chg="add mod">
           <ac:chgData name="Manuel Moreno" userId="02c6592dd1359e13" providerId="LiveId" clId="{E73F1E59-4930-4006-8B54-222B6184BFD7}" dt="2025-07-29T19:25:27.897" v="3971" actId="1076"/>
           <ac:cxnSpMkLst>
@@ -1201,14 +619,6 @@
           <pc:docMk/>
           <pc:sldMk cId="2441115552" sldId="266"/>
         </pc:sldMkLst>
-        <pc:spChg chg="del">
-          <ac:chgData name="Manuel Moreno" userId="02c6592dd1359e13" providerId="LiveId" clId="{E73F1E59-4930-4006-8B54-222B6184BFD7}" dt="2025-07-29T18:36:30.541" v="1813" actId="478"/>
-          <ac:spMkLst>
-            <pc:docMk/>
-            <pc:sldMk cId="2441115552" sldId="266"/>
-            <ac:spMk id="5" creationId="{73789277-E79C-09D0-C8EE-1F5AB29AEE50}"/>
-          </ac:spMkLst>
-        </pc:spChg>
         <pc:spChg chg="mod">
           <ac:chgData name="Manuel Moreno" userId="02c6592dd1359e13" providerId="LiveId" clId="{E73F1E59-4930-4006-8B54-222B6184BFD7}" dt="2025-07-29T19:52:52.820" v="5499" actId="1076"/>
           <ac:spMkLst>
@@ -1257,86 +667,6 @@
             <ac:spMk id="23" creationId="{74DED7F2-582D-04B7-D6D7-63259338B790}"/>
           </ac:spMkLst>
         </pc:spChg>
-        <pc:spChg chg="del">
-          <ac:chgData name="Manuel Moreno" userId="02c6592dd1359e13" providerId="LiveId" clId="{E73F1E59-4930-4006-8B54-222B6184BFD7}" dt="2025-07-29T18:36:30.541" v="1813" actId="478"/>
-          <ac:spMkLst>
-            <pc:docMk/>
-            <pc:sldMk cId="2441115552" sldId="266"/>
-            <ac:spMk id="39" creationId="{9455DF53-D64C-7673-D243-46108F887F85}"/>
-          </ac:spMkLst>
-        </pc:spChg>
-        <pc:spChg chg="del">
-          <ac:chgData name="Manuel Moreno" userId="02c6592dd1359e13" providerId="LiveId" clId="{E73F1E59-4930-4006-8B54-222B6184BFD7}" dt="2025-07-29T18:36:30.541" v="1813" actId="478"/>
-          <ac:spMkLst>
-            <pc:docMk/>
-            <pc:sldMk cId="2441115552" sldId="266"/>
-            <ac:spMk id="41" creationId="{8F25E68E-B542-6181-64DA-ABBC495C7969}"/>
-          </ac:spMkLst>
-        </pc:spChg>
-        <pc:spChg chg="del">
-          <ac:chgData name="Manuel Moreno" userId="02c6592dd1359e13" providerId="LiveId" clId="{E73F1E59-4930-4006-8B54-222B6184BFD7}" dt="2025-07-29T18:36:30.541" v="1813" actId="478"/>
-          <ac:spMkLst>
-            <pc:docMk/>
-            <pc:sldMk cId="2441115552" sldId="266"/>
-            <ac:spMk id="44" creationId="{1D0F1E51-3D11-A40A-C3ED-1E5E02E71DFF}"/>
-          </ac:spMkLst>
-        </pc:spChg>
-        <pc:spChg chg="del">
-          <ac:chgData name="Manuel Moreno" userId="02c6592dd1359e13" providerId="LiveId" clId="{E73F1E59-4930-4006-8B54-222B6184BFD7}" dt="2025-07-29T18:36:30.541" v="1813" actId="478"/>
-          <ac:spMkLst>
-            <pc:docMk/>
-            <pc:sldMk cId="2441115552" sldId="266"/>
-            <ac:spMk id="68" creationId="{41BAA5C3-35B8-B27B-CF57-10A4959D582D}"/>
-          </ac:spMkLst>
-        </pc:spChg>
-        <pc:spChg chg="del">
-          <ac:chgData name="Manuel Moreno" userId="02c6592dd1359e13" providerId="LiveId" clId="{E73F1E59-4930-4006-8B54-222B6184BFD7}" dt="2025-07-29T18:36:30.541" v="1813" actId="478"/>
-          <ac:spMkLst>
-            <pc:docMk/>
-            <pc:sldMk cId="2441115552" sldId="266"/>
-            <ac:spMk id="74" creationId="{C98D1CC7-932F-D1F4-5CBF-827A26529CF2}"/>
-          </ac:spMkLst>
-        </pc:spChg>
-        <pc:spChg chg="del">
-          <ac:chgData name="Manuel Moreno" userId="02c6592dd1359e13" providerId="LiveId" clId="{E73F1E59-4930-4006-8B54-222B6184BFD7}" dt="2025-07-29T18:36:30.541" v="1813" actId="478"/>
-          <ac:spMkLst>
-            <pc:docMk/>
-            <pc:sldMk cId="2441115552" sldId="266"/>
-            <ac:spMk id="79" creationId="{5494C74B-091E-402C-887C-F9C81959D871}"/>
-          </ac:spMkLst>
-        </pc:spChg>
-        <pc:spChg chg="del">
-          <ac:chgData name="Manuel Moreno" userId="02c6592dd1359e13" providerId="LiveId" clId="{E73F1E59-4930-4006-8B54-222B6184BFD7}" dt="2025-07-29T18:36:30.541" v="1813" actId="478"/>
-          <ac:spMkLst>
-            <pc:docMk/>
-            <pc:sldMk cId="2441115552" sldId="266"/>
-            <ac:spMk id="80" creationId="{6AE9FE85-1ABC-FD30-067F-7167E358379E}"/>
-          </ac:spMkLst>
-        </pc:spChg>
-        <pc:spChg chg="del">
-          <ac:chgData name="Manuel Moreno" userId="02c6592dd1359e13" providerId="LiveId" clId="{E73F1E59-4930-4006-8B54-222B6184BFD7}" dt="2025-07-29T18:36:30.541" v="1813" actId="478"/>
-          <ac:spMkLst>
-            <pc:docMk/>
-            <pc:sldMk cId="2441115552" sldId="266"/>
-            <ac:spMk id="81" creationId="{10571E38-6AFE-94B2-6E8F-C93BD192F68A}"/>
-          </ac:spMkLst>
-        </pc:spChg>
-        <pc:spChg chg="del">
-          <ac:chgData name="Manuel Moreno" userId="02c6592dd1359e13" providerId="LiveId" clId="{E73F1E59-4930-4006-8B54-222B6184BFD7}" dt="2025-07-29T18:36:30.541" v="1813" actId="478"/>
-          <ac:spMkLst>
-            <pc:docMk/>
-            <pc:sldMk cId="2441115552" sldId="266"/>
-            <ac:spMk id="82" creationId="{DA21427E-1D16-1098-88C6-E3823984D38C}"/>
-          </ac:spMkLst>
-        </pc:spChg>
-        <pc:spChg chg="del">
-          <ac:chgData name="Manuel Moreno" userId="02c6592dd1359e13" providerId="LiveId" clId="{E73F1E59-4930-4006-8B54-222B6184BFD7}" dt="2025-07-29T18:36:38.218" v="1817" actId="478"/>
-          <ac:spMkLst>
-            <pc:docMk/>
-            <pc:sldMk cId="2441115552" sldId="266"/>
-            <ac:spMk id="83" creationId="{978DD2BA-1BA2-89A5-F8CE-9137FA4C3498}"/>
-          </ac:spMkLst>
-        </pc:spChg>
         <pc:picChg chg="add mod">
           <ac:chgData name="Manuel Moreno" userId="02c6592dd1359e13" providerId="LiveId" clId="{E73F1E59-4930-4006-8B54-222B6184BFD7}" dt="2025-07-29T19:52:26.217" v="5491" actId="1076"/>
           <ac:picMkLst>
@@ -1345,52 +675,12 @@
             <ac:picMk id="3" creationId="{F2BE4D75-0D1A-872B-F8FD-44CE9D301708}"/>
           </ac:picMkLst>
         </pc:picChg>
-        <pc:picChg chg="add del mod">
-          <ac:chgData name="Manuel Moreno" userId="02c6592dd1359e13" providerId="LiveId" clId="{E73F1E59-4930-4006-8B54-222B6184BFD7}" dt="2025-07-29T18:44:53.818" v="1886" actId="21"/>
-          <ac:picMkLst>
-            <pc:docMk/>
-            <pc:sldMk cId="2441115552" sldId="266"/>
-            <ac:picMk id="11" creationId="{60EB332F-11E8-C3DC-C3BA-7434F8083431}"/>
-          </ac:picMkLst>
-        </pc:picChg>
-        <pc:picChg chg="add del mod">
-          <ac:chgData name="Manuel Moreno" userId="02c6592dd1359e13" providerId="LiveId" clId="{E73F1E59-4930-4006-8B54-222B6184BFD7}" dt="2025-07-29T18:47:57.229" v="1933" actId="21"/>
-          <ac:picMkLst>
-            <pc:docMk/>
-            <pc:sldMk cId="2441115552" sldId="266"/>
-            <ac:picMk id="16" creationId="{916ED32E-5D28-72CC-969A-A816DB361F3E}"/>
-          </ac:picMkLst>
-        </pc:picChg>
-        <pc:picChg chg="add mod">
-          <ac:chgData name="Manuel Moreno" userId="02c6592dd1359e13" providerId="LiveId" clId="{E73F1E59-4930-4006-8B54-222B6184BFD7}" dt="2025-07-29T18:45:20.575" v="1894"/>
-          <ac:picMkLst>
-            <pc:docMk/>
-            <pc:sldMk cId="2441115552" sldId="266"/>
-            <ac:picMk id="17" creationId="{E882BF73-81CB-E8C1-BF54-2D656A6D3103}"/>
-          </ac:picMkLst>
-        </pc:picChg>
-        <pc:picChg chg="add mod">
-          <ac:chgData name="Manuel Moreno" userId="02c6592dd1359e13" providerId="LiveId" clId="{E73F1E59-4930-4006-8B54-222B6184BFD7}" dt="2025-07-29T18:45:14.061" v="1893"/>
-          <ac:picMkLst>
-            <pc:docMk/>
-            <pc:sldMk cId="2441115552" sldId="266"/>
-            <ac:picMk id="18" creationId="{9A1FAA6E-96F5-9A5F-DBFE-453141E37296}"/>
-          </ac:picMkLst>
-        </pc:picChg>
         <pc:picChg chg="add mod">
           <ac:chgData name="Manuel Moreno" userId="02c6592dd1359e13" providerId="LiveId" clId="{E73F1E59-4930-4006-8B54-222B6184BFD7}" dt="2025-07-29T19:52:29.607" v="5492" actId="1076"/>
           <ac:picMkLst>
             <pc:docMk/>
             <pc:sldMk cId="2441115552" sldId="266"/>
             <ac:picMk id="20" creationId="{9AAEC247-6603-78A8-4BBE-CD7FF89E18DC}"/>
-          </ac:picMkLst>
-        </pc:picChg>
-        <pc:picChg chg="add del mod">
-          <ac:chgData name="Manuel Moreno" userId="02c6592dd1359e13" providerId="LiveId" clId="{E73F1E59-4930-4006-8B54-222B6184BFD7}" dt="2025-07-29T18:47:40.196" v="1929" actId="21"/>
-          <ac:picMkLst>
-            <pc:docMk/>
-            <pc:sldMk cId="2441115552" sldId="266"/>
-            <ac:picMk id="21" creationId="{9A1FAA6E-96F5-9A5F-DBFE-453141E37296}"/>
           </ac:picMkLst>
         </pc:picChg>
         <pc:picChg chg="add mod">
@@ -1408,14 +698,6 @@
           <pc:docMk/>
           <pc:sldMk cId="1232585947" sldId="267"/>
         </pc:sldMkLst>
-        <pc:spChg chg="del">
-          <ac:chgData name="Manuel Moreno" userId="02c6592dd1359e13" providerId="LiveId" clId="{E73F1E59-4930-4006-8B54-222B6184BFD7}" dt="2025-07-29T18:40:11.305" v="1840" actId="478"/>
-          <ac:spMkLst>
-            <pc:docMk/>
-            <pc:sldMk cId="1232585947" sldId="267"/>
-            <ac:spMk id="5" creationId="{6132E0AF-5D27-07DC-FCAF-AD9F7E07EFC9}"/>
-          </ac:spMkLst>
-        </pc:spChg>
         <pc:spChg chg="mod">
           <ac:chgData name="Manuel Moreno" userId="02c6592dd1359e13" providerId="LiveId" clId="{E73F1E59-4930-4006-8B54-222B6184BFD7}" dt="2025-07-29T19:42:55.740" v="4622"/>
           <ac:spMkLst>
@@ -1432,22 +714,6 @@
             <ac:spMk id="13" creationId="{5CC9BA7A-157B-E18E-5F31-3FCC7794DAF5}"/>
           </ac:spMkLst>
         </pc:spChg>
-        <pc:spChg chg="del">
-          <ac:chgData name="Manuel Moreno" userId="02c6592dd1359e13" providerId="LiveId" clId="{E73F1E59-4930-4006-8B54-222B6184BFD7}" dt="2025-07-29T18:40:11.305" v="1840" actId="478"/>
-          <ac:spMkLst>
-            <pc:docMk/>
-            <pc:sldMk cId="1232585947" sldId="267"/>
-            <ac:spMk id="19" creationId="{3F0A73A9-A9E5-55E0-955B-2DC19D3FB613}"/>
-          </ac:spMkLst>
-        </pc:spChg>
-        <pc:spChg chg="add del mod">
-          <ac:chgData name="Manuel Moreno" userId="02c6592dd1359e13" providerId="LiveId" clId="{E73F1E59-4930-4006-8B54-222B6184BFD7}" dt="2025-07-29T19:48:05.412" v="5025"/>
-          <ac:spMkLst>
-            <pc:docMk/>
-            <pc:sldMk cId="1232585947" sldId="267"/>
-            <ac:spMk id="27" creationId="{8CFC276C-8040-C0B8-F0C8-EBB5B944F78E}"/>
-          </ac:spMkLst>
-        </pc:spChg>
         <pc:spChg chg="add mod">
           <ac:chgData name="Manuel Moreno" userId="02c6592dd1359e13" providerId="LiveId" clId="{E73F1E59-4930-4006-8B54-222B6184BFD7}" dt="2025-07-29T19:55:45.408" v="5593" actId="1076"/>
           <ac:spMkLst>
@@ -1456,148 +722,12 @@
             <ac:spMk id="30" creationId="{F4F20886-0F11-3EC0-E74D-C28A513A50B9}"/>
           </ac:spMkLst>
         </pc:spChg>
-        <pc:spChg chg="del">
-          <ac:chgData name="Manuel Moreno" userId="02c6592dd1359e13" providerId="LiveId" clId="{E73F1E59-4930-4006-8B54-222B6184BFD7}" dt="2025-07-29T18:40:11.305" v="1840" actId="478"/>
-          <ac:spMkLst>
-            <pc:docMk/>
-            <pc:sldMk cId="1232585947" sldId="267"/>
-            <ac:spMk id="41" creationId="{25B0320E-AF21-D61A-AFBA-F7AD5B4079ED}"/>
-          </ac:spMkLst>
-        </pc:spChg>
-        <pc:spChg chg="del">
-          <ac:chgData name="Manuel Moreno" userId="02c6592dd1359e13" providerId="LiveId" clId="{E73F1E59-4930-4006-8B54-222B6184BFD7}" dt="2025-07-29T18:40:11.305" v="1840" actId="478"/>
-          <ac:spMkLst>
-            <pc:docMk/>
-            <pc:sldMk cId="1232585947" sldId="267"/>
-            <ac:spMk id="44" creationId="{38233C7B-DD22-4B91-B933-39FC86D23521}"/>
-          </ac:spMkLst>
-        </pc:spChg>
-        <pc:spChg chg="del">
-          <ac:chgData name="Manuel Moreno" userId="02c6592dd1359e13" providerId="LiveId" clId="{E73F1E59-4930-4006-8B54-222B6184BFD7}" dt="2025-07-29T18:40:11.305" v="1840" actId="478"/>
-          <ac:spMkLst>
-            <pc:docMk/>
-            <pc:sldMk cId="1232585947" sldId="267"/>
-            <ac:spMk id="68" creationId="{F7053E96-CA55-0912-CEB3-3F2C8B7A5046}"/>
-          </ac:spMkLst>
-        </pc:spChg>
-        <pc:spChg chg="del">
-          <ac:chgData name="Manuel Moreno" userId="02c6592dd1359e13" providerId="LiveId" clId="{E73F1E59-4930-4006-8B54-222B6184BFD7}" dt="2025-07-29T18:40:11.305" v="1840" actId="478"/>
-          <ac:spMkLst>
-            <pc:docMk/>
-            <pc:sldMk cId="1232585947" sldId="267"/>
-            <ac:spMk id="70" creationId="{6994C17E-199A-5340-C3EA-7623DFC2AD25}"/>
-          </ac:spMkLst>
-        </pc:spChg>
-        <pc:spChg chg="del">
-          <ac:chgData name="Manuel Moreno" userId="02c6592dd1359e13" providerId="LiveId" clId="{E73F1E59-4930-4006-8B54-222B6184BFD7}" dt="2025-07-29T18:40:11.305" v="1840" actId="478"/>
-          <ac:spMkLst>
-            <pc:docMk/>
-            <pc:sldMk cId="1232585947" sldId="267"/>
-            <ac:spMk id="74" creationId="{2A7C3DE5-2347-9A5F-167A-CE64ACE5233E}"/>
-          </ac:spMkLst>
-        </pc:spChg>
-        <pc:spChg chg="del">
-          <ac:chgData name="Manuel Moreno" userId="02c6592dd1359e13" providerId="LiveId" clId="{E73F1E59-4930-4006-8B54-222B6184BFD7}" dt="2025-07-29T18:40:11.305" v="1840" actId="478"/>
-          <ac:spMkLst>
-            <pc:docMk/>
-            <pc:sldMk cId="1232585947" sldId="267"/>
-            <ac:spMk id="79" creationId="{50C7846D-5C7F-6444-28D9-AA8AC05A86C2}"/>
-          </ac:spMkLst>
-        </pc:spChg>
-        <pc:spChg chg="del">
-          <ac:chgData name="Manuel Moreno" userId="02c6592dd1359e13" providerId="LiveId" clId="{E73F1E59-4930-4006-8B54-222B6184BFD7}" dt="2025-07-29T18:40:11.305" v="1840" actId="478"/>
-          <ac:spMkLst>
-            <pc:docMk/>
-            <pc:sldMk cId="1232585947" sldId="267"/>
-            <ac:spMk id="80" creationId="{CEA5C531-8251-0C03-1861-3A08CD9CDCFE}"/>
-          </ac:spMkLst>
-        </pc:spChg>
-        <pc:spChg chg="del">
-          <ac:chgData name="Manuel Moreno" userId="02c6592dd1359e13" providerId="LiveId" clId="{E73F1E59-4930-4006-8B54-222B6184BFD7}" dt="2025-07-29T18:40:11.305" v="1840" actId="478"/>
-          <ac:spMkLst>
-            <pc:docMk/>
-            <pc:sldMk cId="1232585947" sldId="267"/>
-            <ac:spMk id="81" creationId="{0DDED3A5-E903-1540-13BE-0B4581B45D03}"/>
-          </ac:spMkLst>
-        </pc:spChg>
-        <pc:spChg chg="del">
-          <ac:chgData name="Manuel Moreno" userId="02c6592dd1359e13" providerId="LiveId" clId="{E73F1E59-4930-4006-8B54-222B6184BFD7}" dt="2025-07-29T18:40:15.463" v="1841" actId="478"/>
-          <ac:spMkLst>
-            <pc:docMk/>
-            <pc:sldMk cId="1232585947" sldId="267"/>
-            <ac:spMk id="83" creationId="{E69B0689-2098-7BDC-27A5-C67B4CFB4EFD}"/>
-          </ac:spMkLst>
-        </pc:spChg>
-        <pc:picChg chg="add del mod">
-          <ac:chgData name="Manuel Moreno" userId="02c6592dd1359e13" providerId="LiveId" clId="{E73F1E59-4930-4006-8B54-222B6184BFD7}" dt="2025-07-29T18:48:28.060" v="1944" actId="21"/>
-          <ac:picMkLst>
-            <pc:docMk/>
-            <pc:sldMk cId="1232585947" sldId="267"/>
-            <ac:picMk id="3" creationId="{1675B216-56B7-9377-94F9-A98BB7825E88}"/>
-          </ac:picMkLst>
-        </pc:picChg>
-        <pc:picChg chg="add del mod">
-          <ac:chgData name="Manuel Moreno" userId="02c6592dd1359e13" providerId="LiveId" clId="{E73F1E59-4930-4006-8B54-222B6184BFD7}" dt="2025-07-29T18:52:27.039" v="2009" actId="21"/>
-          <ac:picMkLst>
-            <pc:docMk/>
-            <pc:sldMk cId="1232585947" sldId="267"/>
-            <ac:picMk id="11" creationId="{887F2BBD-C5C0-7895-EF03-88980CA66FB1}"/>
-          </ac:picMkLst>
-        </pc:picChg>
-        <pc:picChg chg="add del mod">
-          <ac:chgData name="Manuel Moreno" userId="02c6592dd1359e13" providerId="LiveId" clId="{E73F1E59-4930-4006-8B54-222B6184BFD7}" dt="2025-07-29T18:46:16.666" v="1912" actId="21"/>
-          <ac:picMkLst>
-            <pc:docMk/>
-            <pc:sldMk cId="1232585947" sldId="267"/>
-            <ac:picMk id="16" creationId="{6F858ADF-5181-8672-3017-D5F123E558C7}"/>
-          </ac:picMkLst>
-        </pc:picChg>
-        <pc:picChg chg="add del">
-          <ac:chgData name="Manuel Moreno" userId="02c6592dd1359e13" providerId="LiveId" clId="{E73F1E59-4930-4006-8B54-222B6184BFD7}" dt="2025-07-29T18:47:16.598" v="1925" actId="21"/>
-          <ac:picMkLst>
-            <pc:docMk/>
-            <pc:sldMk cId="1232585947" sldId="267"/>
-            <ac:picMk id="18" creationId="{1C3818A1-3989-91AE-14C3-CD44C0FA2454}"/>
-          </ac:picMkLst>
-        </pc:picChg>
-        <pc:picChg chg="add del">
-          <ac:chgData name="Manuel Moreno" userId="02c6592dd1359e13" providerId="LiveId" clId="{E73F1E59-4930-4006-8B54-222B6184BFD7}" dt="2025-07-29T18:44:24.839" v="1879" actId="21"/>
-          <ac:picMkLst>
-            <pc:docMk/>
-            <pc:sldMk cId="1232585947" sldId="267"/>
-            <ac:picMk id="22" creationId="{3C834EC0-C454-6535-767E-CE8EF4BAD48B}"/>
-          </ac:picMkLst>
-        </pc:picChg>
         <pc:picChg chg="add mod">
           <ac:chgData name="Manuel Moreno" userId="02c6592dd1359e13" providerId="LiveId" clId="{E73F1E59-4930-4006-8B54-222B6184BFD7}" dt="2025-07-29T19:55:55.811" v="5596" actId="14100"/>
           <ac:picMkLst>
             <pc:docMk/>
             <pc:sldMk cId="1232585947" sldId="267"/>
             <ac:picMk id="23" creationId="{31D8CCB6-910D-B0A1-FDE3-0C8DC79F5544}"/>
-          </ac:picMkLst>
-        </pc:picChg>
-        <pc:picChg chg="add del mod">
-          <ac:chgData name="Manuel Moreno" userId="02c6592dd1359e13" providerId="LiveId" clId="{E73F1E59-4930-4006-8B54-222B6184BFD7}" dt="2025-07-29T18:48:55.585" v="1952" actId="21"/>
-          <ac:picMkLst>
-            <pc:docMk/>
-            <pc:sldMk cId="1232585947" sldId="267"/>
-            <ac:picMk id="24" creationId="{916ED32E-5D28-72CC-969A-A816DB361F3E}"/>
-          </ac:picMkLst>
-        </pc:picChg>
-        <pc:picChg chg="add del mod">
-          <ac:chgData name="Manuel Moreno" userId="02c6592dd1359e13" providerId="LiveId" clId="{E73F1E59-4930-4006-8B54-222B6184BFD7}" dt="2025-07-29T19:53:27.652" v="5524" actId="21"/>
-          <ac:picMkLst>
-            <pc:docMk/>
-            <pc:sldMk cId="1232585947" sldId="267"/>
-            <ac:picMk id="25" creationId="{1DB653DD-2F77-F357-EA93-6C79A95D1289}"/>
-          </ac:picMkLst>
-        </pc:picChg>
-        <pc:picChg chg="add del mod">
-          <ac:chgData name="Manuel Moreno" userId="02c6592dd1359e13" providerId="LiveId" clId="{E73F1E59-4930-4006-8B54-222B6184BFD7}" dt="2025-07-29T19:53:27.652" v="5524" actId="21"/>
-          <ac:picMkLst>
-            <pc:docMk/>
-            <pc:sldMk cId="1232585947" sldId="267"/>
-            <ac:picMk id="26" creationId="{EC89E270-072F-F9BF-2530-C0FC4F3A1BA5}"/>
           </ac:picMkLst>
         </pc:picChg>
         <pc:picChg chg="add mod">
@@ -1644,14 +774,6 @@
           <pc:docMk/>
           <pc:sldMk cId="1559086896" sldId="271"/>
         </pc:sldMkLst>
-        <pc:spChg chg="del">
-          <ac:chgData name="Manuel Moreno" userId="02c6592dd1359e13" providerId="LiveId" clId="{E73F1E59-4930-4006-8B54-222B6184BFD7}" dt="2025-07-29T18:37:53.409" v="1824" actId="478"/>
-          <ac:spMkLst>
-            <pc:docMk/>
-            <pc:sldMk cId="1559086896" sldId="271"/>
-            <ac:spMk id="2" creationId="{B7607C38-0E33-2E9E-7548-A3803527EED2}"/>
-          </ac:spMkLst>
-        </pc:spChg>
         <pc:spChg chg="mod">
           <ac:chgData name="Manuel Moreno" userId="02c6592dd1359e13" providerId="LiveId" clId="{E73F1E59-4930-4006-8B54-222B6184BFD7}" dt="2025-07-29T19:53:49.029" v="5532" actId="1076"/>
           <ac:spMkLst>
@@ -1684,100 +806,12 @@
             <ac:spMk id="22" creationId="{7062D6C6-9B95-848A-6542-6676BE9BC42F}"/>
           </ac:spMkLst>
         </pc:spChg>
-        <pc:spChg chg="del">
-          <ac:chgData name="Manuel Moreno" userId="02c6592dd1359e13" providerId="LiveId" clId="{E73F1E59-4930-4006-8B54-222B6184BFD7}" dt="2025-07-29T18:38:00.675" v="1828" actId="478"/>
-          <ac:spMkLst>
-            <pc:docMk/>
-            <pc:sldMk cId="1559086896" sldId="271"/>
-            <ac:spMk id="82" creationId="{9CE30924-314C-731D-29B3-BFFE96551107}"/>
-          </ac:spMkLst>
-        </pc:spChg>
-        <pc:spChg chg="del mod">
-          <ac:chgData name="Manuel Moreno" userId="02c6592dd1359e13" providerId="LiveId" clId="{E73F1E59-4930-4006-8B54-222B6184BFD7}" dt="2025-07-29T18:37:55.973" v="1826" actId="478"/>
-          <ac:spMkLst>
-            <pc:docMk/>
-            <pc:sldMk cId="1559086896" sldId="271"/>
-            <ac:spMk id="83" creationId="{A127953F-5CF5-6933-6C00-493A3C312DC9}"/>
-          </ac:spMkLst>
-        </pc:spChg>
-        <pc:graphicFrameChg chg="del">
-          <ac:chgData name="Manuel Moreno" userId="02c6592dd1359e13" providerId="LiveId" clId="{E73F1E59-4930-4006-8B54-222B6184BFD7}" dt="2025-07-29T18:37:58.066" v="1827" actId="478"/>
-          <ac:graphicFrameMkLst>
-            <pc:docMk/>
-            <pc:sldMk cId="1559086896" sldId="271"/>
-            <ac:graphicFrameMk id="3" creationId="{0EE05497-E2C0-B258-40FC-08E84E3CF39B}"/>
-          </ac:graphicFrameMkLst>
-        </pc:graphicFrameChg>
-        <pc:picChg chg="add del mod">
-          <ac:chgData name="Manuel Moreno" userId="02c6592dd1359e13" providerId="LiveId" clId="{E73F1E59-4930-4006-8B54-222B6184BFD7}" dt="2025-07-29T18:47:03.983" v="1922" actId="21"/>
-          <ac:picMkLst>
-            <pc:docMk/>
-            <pc:sldMk cId="1559086896" sldId="271"/>
-            <ac:picMk id="5" creationId="{2A3D414F-8493-7037-7765-743F48C02B52}"/>
-          </ac:picMkLst>
-        </pc:picChg>
-        <pc:picChg chg="add del mod">
-          <ac:chgData name="Manuel Moreno" userId="02c6592dd1359e13" providerId="LiveId" clId="{E73F1E59-4930-4006-8B54-222B6184BFD7}" dt="2025-07-29T18:49:11.831" v="1957" actId="21"/>
-          <ac:picMkLst>
-            <pc:docMk/>
-            <pc:sldMk cId="1559086896" sldId="271"/>
-            <ac:picMk id="11" creationId="{EC89E270-072F-F9BF-2530-C0FC4F3A1BA5}"/>
-          </ac:picMkLst>
-        </pc:picChg>
-        <pc:picChg chg="add del mod">
-          <ac:chgData name="Manuel Moreno" userId="02c6592dd1359e13" providerId="LiveId" clId="{E73F1E59-4930-4006-8B54-222B6184BFD7}" dt="2025-07-29T18:49:02.521" v="1955" actId="21"/>
-          <ac:picMkLst>
-            <pc:docMk/>
-            <pc:sldMk cId="1559086896" sldId="271"/>
-            <ac:picMk id="15" creationId="{1DB653DD-2F77-F357-EA93-6C79A95D1289}"/>
-          </ac:picMkLst>
-        </pc:picChg>
-        <pc:picChg chg="add del mod">
-          <ac:chgData name="Manuel Moreno" userId="02c6592dd1359e13" providerId="LiveId" clId="{E73F1E59-4930-4006-8B54-222B6184BFD7}" dt="2025-07-29T18:47:31.204" v="1927" actId="21"/>
-          <ac:picMkLst>
-            <pc:docMk/>
-            <pc:sldMk cId="1559086896" sldId="271"/>
-            <ac:picMk id="17" creationId="{31D8CCB6-910D-B0A1-FDE3-0C8DC79F5544}"/>
-          </ac:picMkLst>
-        </pc:picChg>
         <pc:picChg chg="add mod">
           <ac:chgData name="Manuel Moreno" userId="02c6592dd1359e13" providerId="LiveId" clId="{E73F1E59-4930-4006-8B54-222B6184BFD7}" dt="2025-07-29T19:54:00.668" v="5535" actId="1076"/>
           <ac:picMkLst>
             <pc:docMk/>
             <pc:sldMk cId="1559086896" sldId="271"/>
             <ac:picMk id="18" creationId="{1675B216-56B7-9377-94F9-A98BB7825E88}"/>
-          </ac:picMkLst>
-        </pc:picChg>
-        <pc:picChg chg="add mod">
-          <ac:chgData name="Manuel Moreno" userId="02c6592dd1359e13" providerId="LiveId" clId="{E73F1E59-4930-4006-8B54-222B6184BFD7}" dt="2025-07-29T19:54:04.339" v="5536"/>
-          <ac:picMkLst>
-            <pc:docMk/>
-            <pc:sldMk cId="1559086896" sldId="271"/>
-            <ac:picMk id="19" creationId="{EEFE029E-AEC0-F675-01A0-E241311AB69A}"/>
-          </ac:picMkLst>
-        </pc:picChg>
-        <pc:picChg chg="add mod">
-          <ac:chgData name="Manuel Moreno" userId="02c6592dd1359e13" providerId="LiveId" clId="{E73F1E59-4930-4006-8B54-222B6184BFD7}" dt="2025-07-29T19:54:04.339" v="5536"/>
-          <ac:picMkLst>
-            <pc:docMk/>
-            <pc:sldMk cId="1559086896" sldId="271"/>
-            <ac:picMk id="20" creationId="{45E716E7-3E3D-A76E-BADA-DD1CC6F61B2E}"/>
-          </ac:picMkLst>
-        </pc:picChg>
-        <pc:picChg chg="add del mod">
-          <ac:chgData name="Manuel Moreno" userId="02c6592dd1359e13" providerId="LiveId" clId="{E73F1E59-4930-4006-8B54-222B6184BFD7}" dt="2025-07-29T19:53:53.122" v="5533" actId="21"/>
-          <ac:picMkLst>
-            <pc:docMk/>
-            <pc:sldMk cId="1559086896" sldId="271"/>
-            <ac:picMk id="21" creationId="{9A1FAA6E-96F5-9A5F-DBFE-453141E37296}"/>
-          </ac:picMkLst>
-        </pc:picChg>
-        <pc:picChg chg="add del mod">
-          <ac:chgData name="Manuel Moreno" userId="02c6592dd1359e13" providerId="LiveId" clId="{E73F1E59-4930-4006-8B54-222B6184BFD7}" dt="2025-07-29T19:53:53.122" v="5533" actId="21"/>
-          <ac:picMkLst>
-            <pc:docMk/>
-            <pc:sldMk cId="1559086896" sldId="271"/>
-            <ac:picMk id="24" creationId="{916ED32E-5D28-72CC-969A-A816DB361F3E}"/>
           </ac:picMkLst>
         </pc:picChg>
         <pc:picChg chg="add mod">
@@ -1803,22 +837,6 @@
           <pc:docMk/>
           <pc:sldMk cId="267885236" sldId="272"/>
         </pc:sldMkLst>
-        <pc:spChg chg="del">
-          <ac:chgData name="Manuel Moreno" userId="02c6592dd1359e13" providerId="LiveId" clId="{E73F1E59-4930-4006-8B54-222B6184BFD7}" dt="2025-07-29T18:41:43.415" v="1850" actId="478"/>
-          <ac:spMkLst>
-            <pc:docMk/>
-            <pc:sldMk cId="267885236" sldId="272"/>
-            <ac:spMk id="2" creationId="{02675915-9CD5-7305-6143-0A1B0069908B}"/>
-          </ac:spMkLst>
-        </pc:spChg>
-        <pc:spChg chg="del">
-          <ac:chgData name="Manuel Moreno" userId="02c6592dd1359e13" providerId="LiveId" clId="{E73F1E59-4930-4006-8B54-222B6184BFD7}" dt="2025-07-29T18:41:43.415" v="1850" actId="478"/>
-          <ac:spMkLst>
-            <pc:docMk/>
-            <pc:sldMk cId="267885236" sldId="272"/>
-            <ac:spMk id="11" creationId="{C7FDEE64-9FE5-78BD-7617-58F75D126EF4}"/>
-          </ac:spMkLst>
-        </pc:spChg>
         <pc:spChg chg="mod">
           <ac:chgData name="Manuel Moreno" userId="02c6592dd1359e13" providerId="LiveId" clId="{E73F1E59-4930-4006-8B54-222B6184BFD7}" dt="2025-07-29T19:42:59.646" v="4623"/>
           <ac:spMkLst>
@@ -1835,108 +853,12 @@
             <ac:spMk id="13" creationId="{ABD9FB9E-27EB-2E18-8782-584459BB678C}"/>
           </ac:spMkLst>
         </pc:spChg>
-        <pc:spChg chg="del">
-          <ac:chgData name="Manuel Moreno" userId="02c6592dd1359e13" providerId="LiveId" clId="{E73F1E59-4930-4006-8B54-222B6184BFD7}" dt="2025-07-29T18:41:43.415" v="1850" actId="478"/>
-          <ac:spMkLst>
-            <pc:docMk/>
-            <pc:sldMk cId="267885236" sldId="272"/>
-            <ac:spMk id="15" creationId="{50E6E35D-3C17-699B-BCB3-CC37F5026264}"/>
-          </ac:spMkLst>
-        </pc:spChg>
-        <pc:spChg chg="del">
-          <ac:chgData name="Manuel Moreno" userId="02c6592dd1359e13" providerId="LiveId" clId="{E73F1E59-4930-4006-8B54-222B6184BFD7}" dt="2025-07-29T18:41:43.415" v="1850" actId="478"/>
-          <ac:spMkLst>
-            <pc:docMk/>
-            <pc:sldMk cId="267885236" sldId="272"/>
-            <ac:spMk id="29" creationId="{497B0A9A-DF7C-EBD8-FDCC-A947D25E0791}"/>
-          </ac:spMkLst>
-        </pc:spChg>
-        <pc:spChg chg="del">
-          <ac:chgData name="Manuel Moreno" userId="02c6592dd1359e13" providerId="LiveId" clId="{E73F1E59-4930-4006-8B54-222B6184BFD7}" dt="2025-07-29T18:41:43.415" v="1850" actId="478"/>
-          <ac:spMkLst>
-            <pc:docMk/>
-            <pc:sldMk cId="267885236" sldId="272"/>
-            <ac:spMk id="33" creationId="{349C6084-6149-46F6-F4EC-F47B98447F72}"/>
-          </ac:spMkLst>
-        </pc:spChg>
-        <pc:spChg chg="del">
-          <ac:chgData name="Manuel Moreno" userId="02c6592dd1359e13" providerId="LiveId" clId="{E73F1E59-4930-4006-8B54-222B6184BFD7}" dt="2025-07-29T18:41:43.415" v="1850" actId="478"/>
-          <ac:spMkLst>
-            <pc:docMk/>
-            <pc:sldMk cId="267885236" sldId="272"/>
-            <ac:spMk id="34" creationId="{2AE3CA29-98F0-FB21-AD06-C721BB5A5F3A}"/>
-          </ac:spMkLst>
-        </pc:spChg>
-        <pc:spChg chg="del">
-          <ac:chgData name="Manuel Moreno" userId="02c6592dd1359e13" providerId="LiveId" clId="{E73F1E59-4930-4006-8B54-222B6184BFD7}" dt="2025-07-29T18:41:44.266" v="1851" actId="478"/>
-          <ac:spMkLst>
-            <pc:docMk/>
-            <pc:sldMk cId="267885236" sldId="272"/>
-            <ac:spMk id="83" creationId="{2754989C-618F-BE47-34F0-3D3308876CD7}"/>
-          </ac:spMkLst>
-        </pc:spChg>
-        <pc:picChg chg="del">
-          <ac:chgData name="Manuel Moreno" userId="02c6592dd1359e13" providerId="LiveId" clId="{E73F1E59-4930-4006-8B54-222B6184BFD7}" dt="2025-07-29T18:41:43.415" v="1850" actId="478"/>
-          <ac:picMkLst>
-            <pc:docMk/>
-            <pc:sldMk cId="267885236" sldId="272"/>
-            <ac:picMk id="4" creationId="{6F0D1926-91C5-9907-A420-E7EA857D0934}"/>
-          </ac:picMkLst>
-        </pc:picChg>
-        <pc:picChg chg="add del mod">
-          <ac:chgData name="Manuel Moreno" userId="02c6592dd1359e13" providerId="LiveId" clId="{E73F1E59-4930-4006-8B54-222B6184BFD7}" dt="2025-07-29T18:45:48.338" v="1903" actId="21"/>
-          <ac:picMkLst>
-            <pc:docMk/>
-            <pc:sldMk cId="267885236" sldId="272"/>
-            <ac:picMk id="5" creationId="{9AAEC247-6603-78A8-4BBE-CD7FF89E18DC}"/>
-          </ac:picMkLst>
-        </pc:picChg>
         <pc:picChg chg="add mod">
           <ac:chgData name="Manuel Moreno" userId="02c6592dd1359e13" providerId="LiveId" clId="{E73F1E59-4930-4006-8B54-222B6184BFD7}" dt="2025-07-29T19:56:05.329" v="5598" actId="14100"/>
           <ac:picMkLst>
             <pc:docMk/>
             <pc:sldMk cId="267885236" sldId="272"/>
             <ac:picMk id="14" creationId="{7D1AC0A2-2E14-ED69-2E61-B6363623E097}"/>
-          </ac:picMkLst>
-        </pc:picChg>
-        <pc:picChg chg="del">
-          <ac:chgData name="Manuel Moreno" userId="02c6592dd1359e13" providerId="LiveId" clId="{E73F1E59-4930-4006-8B54-222B6184BFD7}" dt="2025-07-29T18:41:43.415" v="1850" actId="478"/>
-          <ac:picMkLst>
-            <pc:docMk/>
-            <pc:sldMk cId="267885236" sldId="272"/>
-            <ac:picMk id="17" creationId="{E274A687-62DD-DD35-E706-66570C1331C2}"/>
-          </ac:picMkLst>
-        </pc:picChg>
-        <pc:picChg chg="add del mod">
-          <ac:chgData name="Manuel Moreno" userId="02c6592dd1359e13" providerId="LiveId" clId="{E73F1E59-4930-4006-8B54-222B6184BFD7}" dt="2025-07-29T18:46:00.235" v="1906" actId="21"/>
-          <ac:picMkLst>
-            <pc:docMk/>
-            <pc:sldMk cId="267885236" sldId="272"/>
-            <ac:picMk id="18" creationId="{9A1FAA6E-96F5-9A5F-DBFE-453141E37296}"/>
-          </ac:picMkLst>
-        </pc:picChg>
-        <pc:picChg chg="add del mod">
-          <ac:chgData name="Manuel Moreno" userId="02c6592dd1359e13" providerId="LiveId" clId="{E73F1E59-4930-4006-8B54-222B6184BFD7}" dt="2025-07-29T18:53:29.812" v="2029" actId="478"/>
-          <ac:picMkLst>
-            <pc:docMk/>
-            <pc:sldMk cId="267885236" sldId="272"/>
-            <ac:picMk id="20" creationId="{1828DD1D-CB21-36A7-C5E8-75C960673162}"/>
-          </ac:picMkLst>
-        </pc:picChg>
-        <pc:picChg chg="add del mod">
-          <ac:chgData name="Manuel Moreno" userId="02c6592dd1359e13" providerId="LiveId" clId="{E73F1E59-4930-4006-8B54-222B6184BFD7}" dt="2025-07-29T18:44:18.236" v="1876" actId="478"/>
-          <ac:picMkLst>
-            <pc:docMk/>
-            <pc:sldMk cId="267885236" sldId="272"/>
-            <ac:picMk id="23" creationId="{90ECE32B-36A7-B0E1-1A0E-7670A40500EC}"/>
-          </ac:picMkLst>
-        </pc:picChg>
-        <pc:picChg chg="add del mod">
-          <ac:chgData name="Manuel Moreno" userId="02c6592dd1359e13" providerId="LiveId" clId="{E73F1E59-4930-4006-8B54-222B6184BFD7}" dt="2025-07-29T18:44:19.268" v="1877" actId="478"/>
-          <ac:picMkLst>
-            <pc:docMk/>
-            <pc:sldMk cId="267885236" sldId="272"/>
-            <ac:picMk id="25" creationId="{7F798D5D-4DE9-064E-2A5B-795E393AD957}"/>
           </ac:picMkLst>
         </pc:picChg>
         <pc:picChg chg="add mod">
@@ -1947,22 +869,6 @@
             <ac:picMk id="26" creationId="{60EB332F-11E8-C3DC-C3BA-7434F8083431}"/>
           </ac:picMkLst>
         </pc:picChg>
-        <pc:picChg chg="del">
-          <ac:chgData name="Manuel Moreno" userId="02c6592dd1359e13" providerId="LiveId" clId="{E73F1E59-4930-4006-8B54-222B6184BFD7}" dt="2025-07-29T18:41:43.415" v="1850" actId="478"/>
-          <ac:picMkLst>
-            <pc:docMk/>
-            <pc:sldMk cId="267885236" sldId="272"/>
-            <ac:picMk id="27" creationId="{DC15F1C2-0A10-CEC5-5910-98CB67644BD6}"/>
-          </ac:picMkLst>
-        </pc:picChg>
-        <pc:picChg chg="add del mod">
-          <ac:chgData name="Manuel Moreno" userId="02c6592dd1359e13" providerId="LiveId" clId="{E73F1E59-4930-4006-8B54-222B6184BFD7}" dt="2025-07-29T18:53:30.609" v="2030" actId="478"/>
-          <ac:picMkLst>
-            <pc:docMk/>
-            <pc:sldMk cId="267885236" sldId="272"/>
-            <ac:picMk id="28" creationId="{2A3D414F-8493-7037-7765-743F48C02B52}"/>
-          </ac:picMkLst>
-        </pc:picChg>
         <pc:picChg chg="add mod">
           <ac:chgData name="Manuel Moreno" userId="02c6592dd1359e13" providerId="LiveId" clId="{E73F1E59-4930-4006-8B54-222B6184BFD7}" dt="2025-07-29T19:34:17.993" v="4317" actId="208"/>
           <ac:picMkLst>
@@ -1971,25 +877,9 @@
             <ac:picMk id="30" creationId="{1C3818A1-3989-91AE-14C3-CD44C0FA2454}"/>
           </ac:picMkLst>
         </pc:picChg>
-        <pc:picChg chg="add del mod">
-          <ac:chgData name="Manuel Moreno" userId="02c6592dd1359e13" providerId="LiveId" clId="{E73F1E59-4930-4006-8B54-222B6184BFD7}" dt="2025-07-29T18:53:29.113" v="2028" actId="478"/>
-          <ac:picMkLst>
-            <pc:docMk/>
-            <pc:sldMk cId="267885236" sldId="272"/>
-            <ac:picMk id="32" creationId="{887F2BBD-C5C0-7895-EF03-88980CA66FB1}"/>
-          </ac:picMkLst>
-        </pc:picChg>
-        <pc:cxnChg chg="del mod">
-          <ac:chgData name="Manuel Moreno" userId="02c6592dd1359e13" providerId="LiveId" clId="{E73F1E59-4930-4006-8B54-222B6184BFD7}" dt="2025-07-29T18:41:43.415" v="1850" actId="478"/>
-          <ac:cxnSpMkLst>
-            <pc:docMk/>
-            <pc:sldMk cId="267885236" sldId="272"/>
-            <ac:cxnSpMk id="21" creationId="{2B865EDD-2228-304A-377D-D6F53938306A}"/>
-          </ac:cxnSpMkLst>
-        </pc:cxnChg>
       </pc:sldChg>
       <pc:sldChg chg="addSp delSp modSp add mod">
-        <pc:chgData name="Manuel Moreno" userId="02c6592dd1359e13" providerId="LiveId" clId="{E73F1E59-4930-4006-8B54-222B6184BFD7}" dt="2025-07-29T20:02:14.604" v="5724" actId="20577"/>
+        <pc:chgData name="Manuel Moreno" userId="02c6592dd1359e13" providerId="LiveId" clId="{E73F1E59-4930-4006-8B54-222B6184BFD7}" dt="2025-07-31T13:18:14.483" v="6035" actId="208"/>
         <pc:sldMkLst>
           <pc:docMk/>
           <pc:sldMk cId="326669435" sldId="273"/>
@@ -2008,6 +898,14 @@
             <pc:docMk/>
             <pc:sldMk cId="326669435" sldId="273"/>
             <ac:spMk id="5" creationId="{938A36F5-9F42-BE36-73E0-679B9EC4332D}"/>
+          </ac:spMkLst>
+        </pc:spChg>
+        <pc:spChg chg="add mod">
+          <ac:chgData name="Manuel Moreno" userId="02c6592dd1359e13" providerId="LiveId" clId="{E73F1E59-4930-4006-8B54-222B6184BFD7}" dt="2025-07-31T13:18:00.374" v="6032" actId="1076"/>
+          <ac:spMkLst>
+            <pc:docMk/>
+            <pc:sldMk cId="326669435" sldId="273"/>
+            <ac:spMk id="6" creationId="{475A2D48-1639-69E0-FAF4-15A64A504D47}"/>
           </ac:spMkLst>
         </pc:spChg>
         <pc:spChg chg="mod">
@@ -2042,30 +940,6 @@
             <ac:picMk id="3" creationId="{88CF2905-7A39-C34B-810D-067193546010}"/>
           </ac:picMkLst>
         </pc:picChg>
-        <pc:picChg chg="del">
-          <ac:chgData name="Manuel Moreno" userId="02c6592dd1359e13" providerId="LiveId" clId="{E73F1E59-4930-4006-8B54-222B6184BFD7}" dt="2025-07-29T18:43:48.774" v="1870" actId="478"/>
-          <ac:picMkLst>
-            <pc:docMk/>
-            <pc:sldMk cId="326669435" sldId="273"/>
-            <ac:picMk id="6" creationId="{211B389A-78B1-8F86-259B-DD6F283A61D1}"/>
-          </ac:picMkLst>
-        </pc:picChg>
-        <pc:picChg chg="del">
-          <ac:chgData name="Manuel Moreno" userId="02c6592dd1359e13" providerId="LiveId" clId="{E73F1E59-4930-4006-8B54-222B6184BFD7}" dt="2025-07-29T18:43:48.181" v="1869" actId="478"/>
-          <ac:picMkLst>
-            <pc:docMk/>
-            <pc:sldMk cId="326669435" sldId="273"/>
-            <ac:picMk id="17" creationId="{FEB03C0D-07D2-4B70-A686-6441F636CC04}"/>
-          </ac:picMkLst>
-        </pc:picChg>
-        <pc:picChg chg="del">
-          <ac:chgData name="Manuel Moreno" userId="02c6592dd1359e13" providerId="LiveId" clId="{E73F1E59-4930-4006-8B54-222B6184BFD7}" dt="2025-07-29T18:43:49.805" v="1872" actId="478"/>
-          <ac:picMkLst>
-            <pc:docMk/>
-            <pc:sldMk cId="326669435" sldId="273"/>
-            <ac:picMk id="21" creationId="{6E6C4AB6-68A1-7E45-3B65-41B7EA90A92B}"/>
-          </ac:picMkLst>
-        </pc:picChg>
         <pc:picChg chg="add mod">
           <ac:chgData name="Manuel Moreno" userId="02c6592dd1359e13" providerId="LiveId" clId="{E73F1E59-4930-4006-8B54-222B6184BFD7}" dt="2025-07-29T19:47:34.716" v="5019" actId="1076"/>
           <ac:picMkLst>
@@ -2074,22 +948,14 @@
             <ac:picMk id="22" creationId="{3C834EC0-C454-6535-767E-CE8EF4BAD48B}"/>
           </ac:picMkLst>
         </pc:picChg>
-        <pc:picChg chg="del">
-          <ac:chgData name="Manuel Moreno" userId="02c6592dd1359e13" providerId="LiveId" clId="{E73F1E59-4930-4006-8B54-222B6184BFD7}" dt="2025-07-29T18:43:49.368" v="1871" actId="478"/>
-          <ac:picMkLst>
+        <pc:cxnChg chg="add mod">
+          <ac:chgData name="Manuel Moreno" userId="02c6592dd1359e13" providerId="LiveId" clId="{E73F1E59-4930-4006-8B54-222B6184BFD7}" dt="2025-07-31T13:18:14.483" v="6035" actId="208"/>
+          <ac:cxnSpMkLst>
             <pc:docMk/>
             <pc:sldMk cId="326669435" sldId="273"/>
-            <ac:picMk id="23" creationId="{C95C00AA-7252-FF77-223B-B022E667C287}"/>
-          </ac:picMkLst>
-        </pc:picChg>
-        <pc:picChg chg="del">
-          <ac:chgData name="Manuel Moreno" userId="02c6592dd1359e13" providerId="LiveId" clId="{E73F1E59-4930-4006-8B54-222B6184BFD7}" dt="2025-07-29T18:43:52.945" v="1873" actId="478"/>
-          <ac:picMkLst>
-            <pc:docMk/>
-            <pc:sldMk cId="326669435" sldId="273"/>
-            <ac:picMk id="25" creationId="{C8322345-1177-664D-3230-CEE221F622AF}"/>
-          </ac:picMkLst>
-        </pc:picChg>
+            <ac:cxnSpMk id="14" creationId="{EAD773A6-ABB9-5FA4-FFB0-B53D7304D127}"/>
+          </ac:cxnSpMkLst>
+        </pc:cxnChg>
       </pc:sldChg>
       <pc:sldChg chg="del">
         <pc:chgData name="Manuel Moreno" userId="02c6592dd1359e13" providerId="LiveId" clId="{E73F1E59-4930-4006-8B54-222B6184BFD7}" dt="2025-07-29T18:43:23.112" v="1862" actId="2696"/>
@@ -2127,14 +993,6 @@
             <ac:spMk id="13" creationId="{1CC9607F-4801-0CAF-163A-43D216C2721C}"/>
           </ac:spMkLst>
         </pc:spChg>
-        <pc:picChg chg="del">
-          <ac:chgData name="Manuel Moreno" userId="02c6592dd1359e13" providerId="LiveId" clId="{E73F1E59-4930-4006-8B54-222B6184BFD7}" dt="2025-07-29T18:53:33.256" v="2032" actId="478"/>
-          <ac:picMkLst>
-            <pc:docMk/>
-            <pc:sldMk cId="575538981" sldId="274"/>
-            <ac:picMk id="14" creationId="{E1AED08B-7AF9-BE6A-AEC9-1E58E7761563}"/>
-          </ac:picMkLst>
-        </pc:picChg>
         <pc:picChg chg="mod">
           <ac:chgData name="Manuel Moreno" userId="02c6592dd1359e13" providerId="LiveId" clId="{E73F1E59-4930-4006-8B54-222B6184BFD7}" dt="2025-07-29T19:34:27.444" v="4321" actId="208"/>
           <ac:picMkLst>
@@ -2143,28 +1001,12 @@
             <ac:picMk id="20" creationId="{38160E32-D3A6-163F-1677-FE57F34DA4AB}"/>
           </ac:picMkLst>
         </pc:picChg>
-        <pc:picChg chg="del">
-          <ac:chgData name="Manuel Moreno" userId="02c6592dd1359e13" providerId="LiveId" clId="{E73F1E59-4930-4006-8B54-222B6184BFD7}" dt="2025-07-29T18:53:33.771" v="2033" actId="478"/>
-          <ac:picMkLst>
-            <pc:docMk/>
-            <pc:sldMk cId="575538981" sldId="274"/>
-            <ac:picMk id="26" creationId="{5B97D524-4B23-88E1-2C9F-07EB014831AC}"/>
-          </ac:picMkLst>
-        </pc:picChg>
         <pc:picChg chg="mod">
           <ac:chgData name="Manuel Moreno" userId="02c6592dd1359e13" providerId="LiveId" clId="{E73F1E59-4930-4006-8B54-222B6184BFD7}" dt="2025-07-29T19:34:29.131" v="4322" actId="208"/>
           <ac:picMkLst>
             <pc:docMk/>
             <pc:sldMk cId="575538981" sldId="274"/>
             <ac:picMk id="28" creationId="{F130FEE1-E425-BD3D-63E5-6E4F9AEE4DCA}"/>
-          </ac:picMkLst>
-        </pc:picChg>
-        <pc:picChg chg="del">
-          <ac:chgData name="Manuel Moreno" userId="02c6592dd1359e13" providerId="LiveId" clId="{E73F1E59-4930-4006-8B54-222B6184BFD7}" dt="2025-07-29T18:53:32.764" v="2031" actId="478"/>
-          <ac:picMkLst>
-            <pc:docMk/>
-            <pc:sldMk cId="575538981" sldId="274"/>
-            <ac:picMk id="30" creationId="{6FB02731-7D22-315D-F2E7-B24611D41C6E}"/>
           </ac:picMkLst>
         </pc:picChg>
         <pc:picChg chg="mod">
@@ -2189,38 +1031,6 @@
           <pc:docMk/>
           <pc:sldMk cId="1850100355" sldId="275"/>
         </pc:sldMkLst>
-        <pc:spChg chg="mod">
-          <ac:chgData name="Manuel Moreno" userId="02c6592dd1359e13" providerId="LiveId" clId="{E73F1E59-4930-4006-8B54-222B6184BFD7}" dt="2025-07-29T19:43:06.087" v="4625"/>
-          <ac:spMkLst>
-            <pc:docMk/>
-            <pc:sldMk cId="1850100355" sldId="275"/>
-            <ac:spMk id="12" creationId="{9BDA5562-F928-1DC3-DD35-37A1C3FFF301}"/>
-          </ac:spMkLst>
-        </pc:spChg>
-        <pc:picChg chg="mod">
-          <ac:chgData name="Manuel Moreno" userId="02c6592dd1359e13" providerId="LiveId" clId="{E73F1E59-4930-4006-8B54-222B6184BFD7}" dt="2025-07-29T19:34:34.770" v="4324" actId="208"/>
-          <ac:picMkLst>
-            <pc:docMk/>
-            <pc:sldMk cId="1850100355" sldId="275"/>
-            <ac:picMk id="20" creationId="{6C75CF21-50F4-8F5E-42F1-FEF46BFC2747}"/>
-          </ac:picMkLst>
-        </pc:picChg>
-        <pc:picChg chg="mod">
-          <ac:chgData name="Manuel Moreno" userId="02c6592dd1359e13" providerId="LiveId" clId="{E73F1E59-4930-4006-8B54-222B6184BFD7}" dt="2025-07-29T19:34:36.770" v="4325" actId="208"/>
-          <ac:picMkLst>
-            <pc:docMk/>
-            <pc:sldMk cId="1850100355" sldId="275"/>
-            <ac:picMk id="28" creationId="{24CD7584-461D-21FD-1280-78E9BACA52FF}"/>
-          </ac:picMkLst>
-        </pc:picChg>
-        <pc:picChg chg="mod">
-          <ac:chgData name="Manuel Moreno" userId="02c6592dd1359e13" providerId="LiveId" clId="{E73F1E59-4930-4006-8B54-222B6184BFD7}" dt="2025-07-29T19:34:32.599" v="4323" actId="208"/>
-          <ac:picMkLst>
-            <pc:docMk/>
-            <pc:sldMk cId="1850100355" sldId="275"/>
-            <ac:picMk id="32" creationId="{C2884415-BA3C-D61D-4A3A-1F256CAA0E86}"/>
-          </ac:picMkLst>
-        </pc:picChg>
       </pc:sldChg>
       <pc:sldChg chg="del">
         <pc:chgData name="Manuel Moreno" userId="02c6592dd1359e13" providerId="LiveId" clId="{E73F1E59-4930-4006-8B54-222B6184BFD7}" dt="2025-07-29T18:43:37.793" v="1867" actId="2696"/>
@@ -2230,65 +1040,17 @@
         </pc:sldMkLst>
       </pc:sldChg>
       <pc:sldChg chg="addSp delSp modSp add mod">
-        <pc:chgData name="Manuel Moreno" userId="02c6592dd1359e13" providerId="LiveId" clId="{E73F1E59-4930-4006-8B54-222B6184BFD7}" dt="2025-07-29T20:06:49.225" v="5844" actId="1076"/>
+        <pc:chgData name="Manuel Moreno" userId="02c6592dd1359e13" providerId="LiveId" clId="{E73F1E59-4930-4006-8B54-222B6184BFD7}" dt="2025-07-31T13:16:55.274" v="6003" actId="478"/>
         <pc:sldMkLst>
           <pc:docMk/>
           <pc:sldMk cId="2687974064" sldId="276"/>
         </pc:sldMkLst>
         <pc:spChg chg="add del mod">
-          <ac:chgData name="Manuel Moreno" userId="02c6592dd1359e13" providerId="LiveId" clId="{E73F1E59-4930-4006-8B54-222B6184BFD7}" dt="2025-07-29T20:06:40.321" v="5841" actId="21"/>
+          <ac:chgData name="Manuel Moreno" userId="02c6592dd1359e13" providerId="LiveId" clId="{E73F1E59-4930-4006-8B54-222B6184BFD7}" dt="2025-07-31T13:16:55.274" v="6003" actId="478"/>
           <ac:spMkLst>
             <pc:docMk/>
             <pc:sldMk cId="2687974064" sldId="276"/>
-            <ac:spMk id="2" creationId="{976D925C-EE86-69F8-A96E-344EE083749A}"/>
-          </ac:spMkLst>
-        </pc:spChg>
-        <pc:spChg chg="add del mod">
-          <ac:chgData name="Manuel Moreno" userId="02c6592dd1359e13" providerId="LiveId" clId="{E73F1E59-4930-4006-8B54-222B6184BFD7}" dt="2025-07-29T20:06:40.321" v="5841" actId="21"/>
-          <ac:spMkLst>
-            <pc:docMk/>
-            <pc:sldMk cId="2687974064" sldId="276"/>
-            <ac:spMk id="19" creationId="{F12A876E-FDF3-E2DC-29A2-C7F38316268D}"/>
-          </ac:spMkLst>
-        </pc:spChg>
-        <pc:spChg chg="del mod">
-          <ac:chgData name="Manuel Moreno" userId="02c6592dd1359e13" providerId="LiveId" clId="{E73F1E59-4930-4006-8B54-222B6184BFD7}" dt="2025-07-29T20:06:00.920" v="5835" actId="478"/>
-          <ac:spMkLst>
-            <pc:docMk/>
-            <pc:sldMk cId="2687974064" sldId="276"/>
-            <ac:spMk id="26" creationId="{B6773444-DE8C-3D14-E1C0-B4D8A3B50D3A}"/>
-          </ac:spMkLst>
-        </pc:spChg>
-        <pc:spChg chg="del">
-          <ac:chgData name="Manuel Moreno" userId="02c6592dd1359e13" providerId="LiveId" clId="{E73F1E59-4930-4006-8B54-222B6184BFD7}" dt="2025-07-29T20:06:09.231" v="5836" actId="21"/>
-          <ac:spMkLst>
-            <pc:docMk/>
-            <pc:sldMk cId="2687974064" sldId="276"/>
-            <ac:spMk id="27" creationId="{4130D01E-B3A6-5041-5A95-1F24062DB3D7}"/>
-          </ac:spMkLst>
-        </pc:spChg>
-        <pc:spChg chg="add del mod">
-          <ac:chgData name="Manuel Moreno" userId="02c6592dd1359e13" providerId="LiveId" clId="{E73F1E59-4930-4006-8B54-222B6184BFD7}" dt="2025-07-29T20:06:40.321" v="5841" actId="21"/>
-          <ac:spMkLst>
-            <pc:docMk/>
-            <pc:sldMk cId="2687974064" sldId="276"/>
-            <ac:spMk id="28" creationId="{00B760DB-355C-2F10-09CC-F871B2E193CF}"/>
-          </ac:spMkLst>
-        </pc:spChg>
-        <pc:spChg chg="add del mod">
-          <ac:chgData name="Manuel Moreno" userId="02c6592dd1359e13" providerId="LiveId" clId="{E73F1E59-4930-4006-8B54-222B6184BFD7}" dt="2025-07-29T20:06:40.321" v="5841" actId="21"/>
-          <ac:spMkLst>
-            <pc:docMk/>
-            <pc:sldMk cId="2687974064" sldId="276"/>
-            <ac:spMk id="29" creationId="{B63FB215-4301-7660-D9FB-2E70142E9625}"/>
-          </ac:spMkLst>
-        </pc:spChg>
-        <pc:spChg chg="del">
-          <ac:chgData name="Manuel Moreno" userId="02c6592dd1359e13" providerId="LiveId" clId="{E73F1E59-4930-4006-8B54-222B6184BFD7}" dt="2025-07-29T19:26:12.911" v="4000" actId="478"/>
-          <ac:spMkLst>
-            <pc:docMk/>
-            <pc:sldMk cId="2687974064" sldId="276"/>
-            <ac:spMk id="33" creationId="{9D2685CE-3B1E-2C75-F4C2-CB852FC68742}"/>
+            <ac:spMk id="3" creationId="{0819850D-B14F-CE9A-E327-E0EF9F496290}"/>
           </ac:spMkLst>
         </pc:spChg>
         <pc:spChg chg="add mod">
@@ -2300,7 +1062,7 @@
           </ac:spMkLst>
         </pc:spChg>
         <pc:spChg chg="add mod">
-          <ac:chgData name="Manuel Moreno" userId="02c6592dd1359e13" providerId="LiveId" clId="{E73F1E59-4930-4006-8B54-222B6184BFD7}" dt="2025-07-29T20:06:49.225" v="5844" actId="1076"/>
+          <ac:chgData name="Manuel Moreno" userId="02c6592dd1359e13" providerId="LiveId" clId="{E73F1E59-4930-4006-8B54-222B6184BFD7}" dt="2025-07-31T13:15:43.609" v="5984" actId="20577"/>
           <ac:spMkLst>
             <pc:docMk/>
             <pc:sldMk cId="2687974064" sldId="276"/>
@@ -2323,46 +1085,6 @@
             <ac:spMk id="46" creationId="{B63FB215-4301-7660-D9FB-2E70142E9625}"/>
           </ac:spMkLst>
         </pc:spChg>
-        <pc:picChg chg="del">
-          <ac:chgData name="Manuel Moreno" userId="02c6592dd1359e13" providerId="LiveId" clId="{E73F1E59-4930-4006-8B54-222B6184BFD7}" dt="2025-07-29T19:26:12.208" v="3999" actId="478"/>
-          <ac:picMkLst>
-            <pc:docMk/>
-            <pc:sldMk cId="2687974064" sldId="276"/>
-            <ac:picMk id="6" creationId="{D2908136-C543-67A0-D9D6-79B07A63E0EC}"/>
-          </ac:picMkLst>
-        </pc:picChg>
-        <pc:picChg chg="del">
-          <ac:chgData name="Manuel Moreno" userId="02c6592dd1359e13" providerId="LiveId" clId="{E73F1E59-4930-4006-8B54-222B6184BFD7}" dt="2025-07-29T19:26:14.364" v="4002" actId="478"/>
-          <ac:picMkLst>
-            <pc:docMk/>
-            <pc:sldMk cId="2687974064" sldId="276"/>
-            <ac:picMk id="17" creationId="{AED56613-DC35-EFBB-BBA3-05008A75097C}"/>
-          </ac:picMkLst>
-        </pc:picChg>
-        <pc:picChg chg="add del mod">
-          <ac:chgData name="Manuel Moreno" userId="02c6592dd1359e13" providerId="LiveId" clId="{E73F1E59-4930-4006-8B54-222B6184BFD7}" dt="2025-07-29T20:06:40.321" v="5841" actId="21"/>
-          <ac:picMkLst>
-            <pc:docMk/>
-            <pc:sldMk cId="2687974064" sldId="276"/>
-            <ac:picMk id="21" creationId="{48CF5827-7040-0200-8389-633FD6272277}"/>
-          </ac:picMkLst>
-        </pc:picChg>
-        <pc:picChg chg="add del mod">
-          <ac:chgData name="Manuel Moreno" userId="02c6592dd1359e13" providerId="LiveId" clId="{E73F1E59-4930-4006-8B54-222B6184BFD7}" dt="2025-07-29T20:06:40.321" v="5841" actId="21"/>
-          <ac:picMkLst>
-            <pc:docMk/>
-            <pc:sldMk cId="2687974064" sldId="276"/>
-            <ac:picMk id="23" creationId="{E0CA64BB-29E6-2040-9151-455120AD0598}"/>
-          </ac:picMkLst>
-        </pc:picChg>
-        <pc:picChg chg="add del mod">
-          <ac:chgData name="Manuel Moreno" userId="02c6592dd1359e13" providerId="LiveId" clId="{E73F1E59-4930-4006-8B54-222B6184BFD7}" dt="2025-07-29T20:06:40.321" v="5841" actId="21"/>
-          <ac:picMkLst>
-            <pc:docMk/>
-            <pc:sldMk cId="2687974064" sldId="276"/>
-            <ac:picMk id="25" creationId="{34F0F586-7052-553A-A07D-CDF69E6F9C79}"/>
-          </ac:picMkLst>
-        </pc:picChg>
         <pc:picChg chg="add mod">
           <ac:chgData name="Manuel Moreno" userId="02c6592dd1359e13" providerId="LiveId" clId="{E73F1E59-4930-4006-8B54-222B6184BFD7}" dt="2025-07-29T20:06:49.225" v="5844" actId="1076"/>
           <ac:picMkLst>
@@ -2387,46 +1109,6 @@
             <ac:picMk id="39" creationId="{34F0F586-7052-553A-A07D-CDF69E6F9C79}"/>
           </ac:picMkLst>
         </pc:picChg>
-        <pc:cxnChg chg="add del mod">
-          <ac:chgData name="Manuel Moreno" userId="02c6592dd1359e13" providerId="LiveId" clId="{E73F1E59-4930-4006-8B54-222B6184BFD7}" dt="2025-07-29T20:06:40.321" v="5841" actId="21"/>
-          <ac:cxnSpMkLst>
-            <pc:docMk/>
-            <pc:sldMk cId="2687974064" sldId="276"/>
-            <ac:cxnSpMk id="15" creationId="{8B220260-99C7-6834-D173-A8224AE7D1C3}"/>
-          </ac:cxnSpMkLst>
-        </pc:cxnChg>
-        <pc:cxnChg chg="add del mod">
-          <ac:chgData name="Manuel Moreno" userId="02c6592dd1359e13" providerId="LiveId" clId="{E73F1E59-4930-4006-8B54-222B6184BFD7}" dt="2025-07-29T20:06:32.745" v="5840" actId="21"/>
-          <ac:cxnSpMkLst>
-            <pc:docMk/>
-            <pc:sldMk cId="2687974064" sldId="276"/>
-            <ac:cxnSpMk id="20" creationId="{810EA632-B72B-DD8C-0140-7DFC1B9C32D4}"/>
-          </ac:cxnSpMkLst>
-        </pc:cxnChg>
-        <pc:cxnChg chg="add del mod">
-          <ac:chgData name="Manuel Moreno" userId="02c6592dd1359e13" providerId="LiveId" clId="{E73F1E59-4930-4006-8B54-222B6184BFD7}" dt="2025-07-29T20:06:40.321" v="5841" actId="21"/>
-          <ac:cxnSpMkLst>
-            <pc:docMk/>
-            <pc:sldMk cId="2687974064" sldId="276"/>
-            <ac:cxnSpMk id="30" creationId="{94506C3C-686D-B1D2-20DC-4D149B1DB10D}"/>
-          </ac:cxnSpMkLst>
-        </pc:cxnChg>
-        <pc:cxnChg chg="add del mod">
-          <ac:chgData name="Manuel Moreno" userId="02c6592dd1359e13" providerId="LiveId" clId="{E73F1E59-4930-4006-8B54-222B6184BFD7}" dt="2025-07-29T20:06:40.321" v="5841" actId="21"/>
-          <ac:cxnSpMkLst>
-            <pc:docMk/>
-            <pc:sldMk cId="2687974064" sldId="276"/>
-            <ac:cxnSpMk id="31" creationId="{0745383A-ADD7-B6E6-C456-A4EED14A759A}"/>
-          </ac:cxnSpMkLst>
-        </pc:cxnChg>
-        <pc:cxnChg chg="del mod">
-          <ac:chgData name="Manuel Moreno" userId="02c6592dd1359e13" providerId="LiveId" clId="{E73F1E59-4930-4006-8B54-222B6184BFD7}" dt="2025-07-29T19:26:13.536" v="4001" actId="478"/>
-          <ac:cxnSpMkLst>
-            <pc:docMk/>
-            <pc:sldMk cId="2687974064" sldId="276"/>
-            <ac:cxnSpMk id="35" creationId="{20A417C7-E6DD-F46B-4BE4-FB789CF0E916}"/>
-          </ac:cxnSpMkLst>
-        </pc:cxnChg>
         <pc:cxnChg chg="add mod">
           <ac:chgData name="Manuel Moreno" userId="02c6592dd1359e13" providerId="LiveId" clId="{E73F1E59-4930-4006-8B54-222B6184BFD7}" dt="2025-07-29T20:06:49.225" v="5844" actId="1076"/>
           <ac:cxnSpMkLst>
@@ -2436,7 +1118,7 @@
           </ac:cxnSpMkLst>
         </pc:cxnChg>
         <pc:cxnChg chg="add mod">
-          <ac:chgData name="Manuel Moreno" userId="02c6592dd1359e13" providerId="LiveId" clId="{E73F1E59-4930-4006-8B54-222B6184BFD7}" dt="2025-07-29T20:06:49.225" v="5844" actId="1076"/>
+          <ac:chgData name="Manuel Moreno" userId="02c6592dd1359e13" providerId="LiveId" clId="{E73F1E59-4930-4006-8B54-222B6184BFD7}" dt="2025-07-31T13:16:03.682" v="5985" actId="14100"/>
           <ac:cxnSpMkLst>
             <pc:docMk/>
             <pc:sldMk cId="2687974064" sldId="276"/>
@@ -2453,7 +1135,7 @@
         </pc:cxnChg>
       </pc:sldChg>
       <pc:sldChg chg="addSp delSp modSp add mod">
-        <pc:chgData name="Manuel Moreno" userId="02c6592dd1359e13" providerId="LiveId" clId="{E73F1E59-4930-4006-8B54-222B6184BFD7}" dt="2025-07-29T20:02:52.033" v="5736" actId="20577"/>
+        <pc:chgData name="Manuel Moreno" userId="02c6592dd1359e13" providerId="LiveId" clId="{E73F1E59-4930-4006-8B54-222B6184BFD7}" dt="2025-07-31T14:17:01.407" v="7335" actId="20577"/>
         <pc:sldMkLst>
           <pc:docMk/>
           <pc:sldMk cId="3004270168" sldId="277"/>
@@ -2464,6 +1146,38 @@
             <pc:docMk/>
             <pc:sldMk cId="3004270168" sldId="277"/>
             <ac:spMk id="2" creationId="{F6E07EFA-8798-C4FD-84CE-31C6A4C1A732}"/>
+          </ac:spMkLst>
+        </pc:spChg>
+        <pc:spChg chg="add mod">
+          <ac:chgData name="Manuel Moreno" userId="02c6592dd1359e13" providerId="LiveId" clId="{E73F1E59-4930-4006-8B54-222B6184BFD7}" dt="2025-07-31T14:06:21.848" v="6580" actId="20577"/>
+          <ac:spMkLst>
+            <pc:docMk/>
+            <pc:sldMk cId="3004270168" sldId="277"/>
+            <ac:spMk id="3" creationId="{9DD900F0-F1C4-12B9-776F-5A8916557F81}"/>
+          </ac:spMkLst>
+        </pc:spChg>
+        <pc:spChg chg="add mod">
+          <ac:chgData name="Manuel Moreno" userId="02c6592dd1359e13" providerId="LiveId" clId="{E73F1E59-4930-4006-8B54-222B6184BFD7}" dt="2025-07-31T14:04:32.691" v="6549" actId="1076"/>
+          <ac:spMkLst>
+            <pc:docMk/>
+            <pc:sldMk cId="3004270168" sldId="277"/>
+            <ac:spMk id="4" creationId="{679C6DC1-3D14-7CAD-99C2-C123248EE9C4}"/>
+          </ac:spMkLst>
+        </pc:spChg>
+        <pc:spChg chg="add mod">
+          <ac:chgData name="Manuel Moreno" userId="02c6592dd1359e13" providerId="LiveId" clId="{E73F1E59-4930-4006-8B54-222B6184BFD7}" dt="2025-07-31T14:08:52.123" v="6854" actId="1076"/>
+          <ac:spMkLst>
+            <pc:docMk/>
+            <pc:sldMk cId="3004270168" sldId="277"/>
+            <ac:spMk id="5" creationId="{BCA869FC-9666-714A-4A11-20E0CADBF734}"/>
+          </ac:spMkLst>
+        </pc:spChg>
+        <pc:spChg chg="add mod">
+          <ac:chgData name="Manuel Moreno" userId="02c6592dd1359e13" providerId="LiveId" clId="{E73F1E59-4930-4006-8B54-222B6184BFD7}" dt="2025-07-31T14:17:01.407" v="7335" actId="20577"/>
+          <ac:spMkLst>
+            <pc:docMk/>
+            <pc:sldMk cId="3004270168" sldId="277"/>
+            <ac:spMk id="6" creationId="{CFA41DC9-2D83-D234-65D1-F76FBC701E65}"/>
           </ac:spMkLst>
         </pc:spChg>
         <pc:spChg chg="mod">
@@ -2482,30 +1196,147 @@
             <ac:spMk id="13" creationId="{EBBB5176-75D4-5249-327B-A1709BF07DD7}"/>
           </ac:spMkLst>
         </pc:spChg>
+      </pc:sldChg>
+      <pc:sldChg chg="addSp delSp modSp add mod">
+        <pc:chgData name="Manuel Moreno" userId="02c6592dd1359e13" providerId="LiveId" clId="{E73F1E59-4930-4006-8B54-222B6184BFD7}" dt="2025-07-31T13:55:16.244" v="6120" actId="1076"/>
+        <pc:sldMkLst>
+          <pc:docMk/>
+          <pc:sldMk cId="3391324785" sldId="278"/>
+        </pc:sldMkLst>
+        <pc:spChg chg="add mod">
+          <ac:chgData name="Manuel Moreno" userId="02c6592dd1359e13" providerId="LiveId" clId="{E73F1E59-4930-4006-8B54-222B6184BFD7}" dt="2025-07-31T13:55:16.244" v="6120" actId="1076"/>
+          <ac:spMkLst>
+            <pc:docMk/>
+            <pc:sldMk cId="3391324785" sldId="278"/>
+            <ac:spMk id="6" creationId="{16700836-8256-AA10-DFF9-B7DE5EC135CE}"/>
+          </ac:spMkLst>
+        </pc:spChg>
         <pc:picChg chg="del">
-          <ac:chgData name="Manuel Moreno" userId="02c6592dd1359e13" providerId="LiveId" clId="{E73F1E59-4930-4006-8B54-222B6184BFD7}" dt="2025-07-29T19:57:26.718" v="5629" actId="478"/>
+          <ac:chgData name="Manuel Moreno" userId="02c6592dd1359e13" providerId="LiveId" clId="{E73F1E59-4930-4006-8B54-222B6184BFD7}" dt="2025-07-31T13:51:52.886" v="6048" actId="478"/>
           <ac:picMkLst>
             <pc:docMk/>
-            <pc:sldMk cId="3004270168" sldId="277"/>
-            <ac:picMk id="20" creationId="{1A4C8F19-ACB3-7700-FB4F-C2AD066DEA46}"/>
+            <pc:sldMk cId="3391324785" sldId="278"/>
+            <ac:picMk id="9" creationId="{749DEB38-A533-16D2-D3B0-5F43B10B371E}"/>
+          </ac:picMkLst>
+        </pc:picChg>
+        <pc:picChg chg="mod">
+          <ac:chgData name="Manuel Moreno" userId="02c6592dd1359e13" providerId="LiveId" clId="{E73F1E59-4930-4006-8B54-222B6184BFD7}" dt="2025-07-31T13:52:02.292" v="6050" actId="14100"/>
+          <ac:picMkLst>
+            <pc:docMk/>
+            <pc:sldMk cId="3391324785" sldId="278"/>
+            <ac:picMk id="14" creationId="{3975BB89-C84E-37EB-2E87-8638444E8EF1}"/>
+          </ac:picMkLst>
+        </pc:picChg>
+      </pc:sldChg>
+      <pc:sldChg chg="addSp delSp modSp add mod">
+        <pc:chgData name="Manuel Moreno" userId="02c6592dd1359e13" providerId="LiveId" clId="{E73F1E59-4930-4006-8B54-222B6184BFD7}" dt="2025-07-31T13:55:30.599" v="6134" actId="20577"/>
+        <pc:sldMkLst>
+          <pc:docMk/>
+          <pc:sldMk cId="3953760574" sldId="279"/>
+        </pc:sldMkLst>
+        <pc:spChg chg="mod">
+          <ac:chgData name="Manuel Moreno" userId="02c6592dd1359e13" providerId="LiveId" clId="{E73F1E59-4930-4006-8B54-222B6184BFD7}" dt="2025-07-31T13:55:08.476" v="6118" actId="1076"/>
+          <ac:spMkLst>
+            <pc:docMk/>
+            <pc:sldMk cId="3953760574" sldId="279"/>
+            <ac:spMk id="6" creationId="{D12194EB-A553-42F2-E640-36B754AA05C5}"/>
+          </ac:spMkLst>
+        </pc:spChg>
+        <pc:spChg chg="del">
+          <ac:chgData name="Manuel Moreno" userId="02c6592dd1359e13" providerId="LiveId" clId="{E73F1E59-4930-4006-8B54-222B6184BFD7}" dt="2025-07-31T13:53:16.127" v="6093" actId="478"/>
+          <ac:spMkLst>
+            <pc:docMk/>
+            <pc:sldMk cId="3953760574" sldId="279"/>
+            <ac:spMk id="11" creationId="{993B0390-F827-7ABE-D867-626897D2F3A1}"/>
+          </ac:spMkLst>
+        </pc:spChg>
+        <pc:spChg chg="del">
+          <ac:chgData name="Manuel Moreno" userId="02c6592dd1359e13" providerId="LiveId" clId="{E73F1E59-4930-4006-8B54-222B6184BFD7}" dt="2025-07-31T13:53:17.568" v="6094" actId="478"/>
+          <ac:spMkLst>
+            <pc:docMk/>
+            <pc:sldMk cId="3953760574" sldId="279"/>
+            <ac:spMk id="13" creationId="{D345CBD6-2C48-9E5E-F542-F2452719C7D7}"/>
+          </ac:spMkLst>
+        </pc:spChg>
+        <pc:spChg chg="add mod">
+          <ac:chgData name="Manuel Moreno" userId="02c6592dd1359e13" providerId="LiveId" clId="{E73F1E59-4930-4006-8B54-222B6184BFD7}" dt="2025-07-31T13:55:30.599" v="6134" actId="20577"/>
+          <ac:spMkLst>
+            <pc:docMk/>
+            <pc:sldMk cId="3953760574" sldId="279"/>
+            <ac:spMk id="15" creationId="{67C033EC-9BD8-E958-0860-61B71D473819}"/>
+          </ac:spMkLst>
+        </pc:spChg>
+        <pc:picChg chg="add mod">
+          <ac:chgData name="Manuel Moreno" userId="02c6592dd1359e13" providerId="LiveId" clId="{E73F1E59-4930-4006-8B54-222B6184BFD7}" dt="2025-07-31T13:54:39.348" v="6107" actId="14100"/>
+          <ac:picMkLst>
+            <pc:docMk/>
+            <pc:sldMk cId="3953760574" sldId="279"/>
+            <ac:picMk id="9" creationId="{A02053BA-FDB0-6EB2-365A-8B8A2D8083FA}"/>
+          </ac:picMkLst>
+        </pc:picChg>
+        <pc:picChg chg="add mod">
+          <ac:chgData name="Manuel Moreno" userId="02c6592dd1359e13" providerId="LiveId" clId="{E73F1E59-4930-4006-8B54-222B6184BFD7}" dt="2025-07-31T13:54:51.228" v="6110" actId="1076"/>
+          <ac:picMkLst>
+            <pc:docMk/>
+            <pc:sldMk cId="3953760574" sldId="279"/>
+            <ac:picMk id="12" creationId="{1D0F755A-125A-6222-94DD-79C098D8E846}"/>
           </ac:picMkLst>
         </pc:picChg>
         <pc:picChg chg="del">
-          <ac:chgData name="Manuel Moreno" userId="02c6592dd1359e13" providerId="LiveId" clId="{E73F1E59-4930-4006-8B54-222B6184BFD7}" dt="2025-07-29T19:57:25.937" v="5628" actId="478"/>
+          <ac:chgData name="Manuel Moreno" userId="02c6592dd1359e13" providerId="LiveId" clId="{E73F1E59-4930-4006-8B54-222B6184BFD7}" dt="2025-07-31T13:53:12.930" v="6092" actId="478"/>
           <ac:picMkLst>
             <pc:docMk/>
-            <pc:sldMk cId="3004270168" sldId="277"/>
-            <ac:picMk id="28" creationId="{F47EACA7-A779-F720-D85C-30BBB8E25BFB}"/>
+            <pc:sldMk cId="3953760574" sldId="279"/>
+            <ac:picMk id="14" creationId="{AC685198-0DB7-EC2D-171D-951C3A6B36E9}"/>
           </ac:picMkLst>
         </pc:picChg>
-        <pc:picChg chg="del">
-          <ac:chgData name="Manuel Moreno" userId="02c6592dd1359e13" providerId="LiveId" clId="{E73F1E59-4930-4006-8B54-222B6184BFD7}" dt="2025-07-29T19:57:27.530" v="5630" actId="478"/>
-          <ac:picMkLst>
+      </pc:sldChg>
+      <pc:sldChg chg="delSp modSp add mod">
+        <pc:chgData name="Manuel Moreno" userId="02c6592dd1359e13" providerId="LiveId" clId="{E73F1E59-4930-4006-8B54-222B6184BFD7}" dt="2025-07-31T14:19:34.482" v="7549" actId="1076"/>
+        <pc:sldMkLst>
+          <pc:docMk/>
+          <pc:sldMk cId="3630713883" sldId="280"/>
+        </pc:sldMkLst>
+        <pc:spChg chg="del">
+          <ac:chgData name="Manuel Moreno" userId="02c6592dd1359e13" providerId="LiveId" clId="{E73F1E59-4930-4006-8B54-222B6184BFD7}" dt="2025-07-31T14:17:45.542" v="7337" actId="478"/>
+          <ac:spMkLst>
             <pc:docMk/>
-            <pc:sldMk cId="3004270168" sldId="277"/>
-            <ac:picMk id="32" creationId="{ECC52358-43DB-724D-3E9E-7FCEC3EF23C7}"/>
-          </ac:picMkLst>
-        </pc:picChg>
+            <pc:sldMk cId="3630713883" sldId="280"/>
+            <ac:spMk id="2" creationId="{F4EA77AF-9A1F-EC5C-04E0-549FE60AABC0}"/>
+          </ac:spMkLst>
+        </pc:spChg>
+        <pc:spChg chg="mod">
+          <ac:chgData name="Manuel Moreno" userId="02c6592dd1359e13" providerId="LiveId" clId="{E73F1E59-4930-4006-8B54-222B6184BFD7}" dt="2025-07-31T14:18:04.230" v="7382" actId="313"/>
+          <ac:spMkLst>
+            <pc:docMk/>
+            <pc:sldMk cId="3630713883" sldId="280"/>
+            <ac:spMk id="3" creationId="{3B523DC7-7E5F-C1B7-0F7E-90ED57D4987F}"/>
+          </ac:spMkLst>
+        </pc:spChg>
+        <pc:spChg chg="mod">
+          <ac:chgData name="Manuel Moreno" userId="02c6592dd1359e13" providerId="LiveId" clId="{E73F1E59-4930-4006-8B54-222B6184BFD7}" dt="2025-07-31T14:19:34.482" v="7549" actId="1076"/>
+          <ac:spMkLst>
+            <pc:docMk/>
+            <pc:sldMk cId="3630713883" sldId="280"/>
+            <ac:spMk id="4" creationId="{D47A0F8C-C562-AC70-480E-33F36AE6EEA3}"/>
+          </ac:spMkLst>
+        </pc:spChg>
+        <pc:spChg chg="del">
+          <ac:chgData name="Manuel Moreno" userId="02c6592dd1359e13" providerId="LiveId" clId="{E73F1E59-4930-4006-8B54-222B6184BFD7}" dt="2025-07-31T14:18:23.797" v="7389" actId="478"/>
+          <ac:spMkLst>
+            <pc:docMk/>
+            <pc:sldMk cId="3630713883" sldId="280"/>
+            <ac:spMk id="5" creationId="{7512030E-04F3-DAFE-E58F-56BA4DE092CA}"/>
+          </ac:spMkLst>
+        </pc:spChg>
+        <pc:spChg chg="del">
+          <ac:chgData name="Manuel Moreno" userId="02c6592dd1359e13" providerId="LiveId" clId="{E73F1E59-4930-4006-8B54-222B6184BFD7}" dt="2025-07-31T14:18:25.150" v="7390" actId="478"/>
+          <ac:spMkLst>
+            <pc:docMk/>
+            <pc:sldMk cId="3630713883" sldId="280"/>
+            <ac:spMk id="6" creationId="{6A6F30B4-9595-BFE0-B539-32893FA6EA61}"/>
+          </ac:spMkLst>
+        </pc:spChg>
       </pc:sldChg>
     </pc:docChg>
   </pc:docChgLst>
@@ -2594,7 +1425,7 @@
           <a:p>
             <a:fld id="{69F8C96D-F554-499D-ABFC-492D82BF14D4}" type="datetimeFigureOut">
               <a:rPr lang="es-VE" smtClean="0"/>
-              <a:t>29/7/2025</a:t>
+              <a:t>31/7/2025</a:t>
             </a:fld>
             <a:endParaRPr lang="es-VE"/>
           </a:p>
@@ -2867,6 +1698,306 @@
   <p:cSld>
     <p:spTree>
       <p:nvGrpSpPr>
+        <p:cNvPr id="1" name=""/>
+        <p:cNvGrpSpPr/>
+        <p:nvPr/>
+      </p:nvGrpSpPr>
+      <p:grpSpPr>
+        <a:xfrm>
+          <a:off x="0" y="0"/>
+          <a:ext cx="0" cy="0"/>
+          <a:chOff x="0" y="0"/>
+          <a:chExt cx="0" cy="0"/>
+        </a:xfrm>
+      </p:grpSpPr>
+      <p:sp>
+        <p:nvSpPr>
+          <p:cNvPr id="2" name="Marcador de imagen de diapositiva 1"/>
+          <p:cNvSpPr>
+            <a:spLocks noGrp="1" noRot="1" noChangeAspect="1"/>
+          </p:cNvSpPr>
+          <p:nvPr>
+            <p:ph type="sldImg"/>
+          </p:nvPr>
+        </p:nvSpPr>
+        <p:spPr/>
+      </p:sp>
+      <p:sp>
+        <p:nvSpPr>
+          <p:cNvPr id="3" name="Marcador de notas 2"/>
+          <p:cNvSpPr>
+            <a:spLocks noGrp="1"/>
+          </p:cNvSpPr>
+          <p:nvPr>
+            <p:ph type="body" idx="1"/>
+          </p:nvPr>
+        </p:nvSpPr>
+        <p:spPr/>
+        <p:txBody>
+          <a:bodyPr/>
+          <a:lstStyle/>
+          <a:p>
+            <a:endParaRPr lang="es-VE" dirty="0"/>
+          </a:p>
+        </p:txBody>
+      </p:sp>
+      <p:sp>
+        <p:nvSpPr>
+          <p:cNvPr id="4" name="Marcador de número de diapositiva 3"/>
+          <p:cNvSpPr>
+            <a:spLocks noGrp="1"/>
+          </p:cNvSpPr>
+          <p:nvPr>
+            <p:ph type="sldNum" sz="quarter" idx="5"/>
+          </p:nvPr>
+        </p:nvSpPr>
+        <p:spPr/>
+        <p:txBody>
+          <a:bodyPr/>
+          <a:lstStyle/>
+          <a:p>
+            <a:fld id="{A0051FEE-5973-4BB2-90A9-241C6D512812}" type="slidenum">
+              <a:rPr lang="es-VE" smtClean="0"/>
+              <a:t>6</a:t>
+            </a:fld>
+            <a:endParaRPr lang="es-VE"/>
+          </a:p>
+        </p:txBody>
+      </p:sp>
+    </p:spTree>
+    <p:extLst>
+      <p:ext uri="{BB962C8B-B14F-4D97-AF65-F5344CB8AC3E}">
+        <p14:creationId xmlns:p14="http://schemas.microsoft.com/office/powerpoint/2010/main" val="3259831070"/>
+      </p:ext>
+    </p:extLst>
+  </p:cSld>
+  <p:clrMapOvr>
+    <a:masterClrMapping/>
+  </p:clrMapOvr>
+</p:notes>
+</file>
+
+<file path=ppt/notesSlides/notesSlide10.xml><?xml version="1.0" encoding="utf-8"?>
+<p:notes xmlns:a="http://schemas.openxmlformats.org/drawingml/2006/main" xmlns:r="http://schemas.openxmlformats.org/officeDocument/2006/relationships" xmlns:p="http://schemas.openxmlformats.org/presentationml/2006/main">
+  <p:cSld>
+    <p:spTree>
+      <p:nvGrpSpPr>
+        <p:cNvPr id="1" name="">
+          <a:extLst>
+            <a:ext uri="{FF2B5EF4-FFF2-40B4-BE49-F238E27FC236}">
+              <a16:creationId xmlns:a16="http://schemas.microsoft.com/office/drawing/2014/main" id="{696FAD43-47DB-23CA-4AE1-8A7A22E4A017}"/>
+            </a:ext>
+          </a:extLst>
+        </p:cNvPr>
+        <p:cNvGrpSpPr/>
+        <p:nvPr/>
+      </p:nvGrpSpPr>
+      <p:grpSpPr>
+        <a:xfrm>
+          <a:off x="0" y="0"/>
+          <a:ext cx="0" cy="0"/>
+          <a:chOff x="0" y="0"/>
+          <a:chExt cx="0" cy="0"/>
+        </a:xfrm>
+      </p:grpSpPr>
+      <p:sp>
+        <p:nvSpPr>
+          <p:cNvPr id="2" name="Marcador de imagen de diapositiva 1">
+            <a:extLst>
+              <a:ext uri="{FF2B5EF4-FFF2-40B4-BE49-F238E27FC236}">
+                <a16:creationId xmlns:a16="http://schemas.microsoft.com/office/drawing/2014/main" id="{6CD9C939-E52F-C772-8BFB-3B68D04CB134}"/>
+              </a:ext>
+            </a:extLst>
+          </p:cNvPr>
+          <p:cNvSpPr>
+            <a:spLocks noGrp="1" noRot="1" noChangeAspect="1"/>
+          </p:cNvSpPr>
+          <p:nvPr>
+            <p:ph type="sldImg"/>
+          </p:nvPr>
+        </p:nvSpPr>
+        <p:spPr/>
+      </p:sp>
+      <p:sp>
+        <p:nvSpPr>
+          <p:cNvPr id="3" name="Marcador de notas 2">
+            <a:extLst>
+              <a:ext uri="{FF2B5EF4-FFF2-40B4-BE49-F238E27FC236}">
+                <a16:creationId xmlns:a16="http://schemas.microsoft.com/office/drawing/2014/main" id="{DCBBE307-7F03-96E0-16C2-2155DBFBD14F}"/>
+              </a:ext>
+            </a:extLst>
+          </p:cNvPr>
+          <p:cNvSpPr>
+            <a:spLocks noGrp="1"/>
+          </p:cNvSpPr>
+          <p:nvPr>
+            <p:ph type="body" idx="1"/>
+          </p:nvPr>
+        </p:nvSpPr>
+        <p:spPr/>
+        <p:txBody>
+          <a:bodyPr/>
+          <a:lstStyle/>
+          <a:p>
+            <a:endParaRPr lang="es-VE" dirty="0"/>
+          </a:p>
+        </p:txBody>
+      </p:sp>
+      <p:sp>
+        <p:nvSpPr>
+          <p:cNvPr id="4" name="Marcador de número de diapositiva 3">
+            <a:extLst>
+              <a:ext uri="{FF2B5EF4-FFF2-40B4-BE49-F238E27FC236}">
+                <a16:creationId xmlns:a16="http://schemas.microsoft.com/office/drawing/2014/main" id="{AD1C153F-9468-1AAE-5C44-1412F844065E}"/>
+              </a:ext>
+            </a:extLst>
+          </p:cNvPr>
+          <p:cNvSpPr>
+            <a:spLocks noGrp="1"/>
+          </p:cNvSpPr>
+          <p:nvPr>
+            <p:ph type="sldNum" sz="quarter" idx="5"/>
+          </p:nvPr>
+        </p:nvSpPr>
+        <p:spPr/>
+        <p:txBody>
+          <a:bodyPr/>
+          <a:lstStyle/>
+          <a:p>
+            <a:fld id="{A0051FEE-5973-4BB2-90A9-241C6D512812}" type="slidenum">
+              <a:rPr lang="es-VE" smtClean="0"/>
+              <a:t>17</a:t>
+            </a:fld>
+            <a:endParaRPr lang="es-VE"/>
+          </a:p>
+        </p:txBody>
+      </p:sp>
+    </p:spTree>
+    <p:extLst>
+      <p:ext uri="{BB962C8B-B14F-4D97-AF65-F5344CB8AC3E}">
+        <p14:creationId xmlns:p14="http://schemas.microsoft.com/office/powerpoint/2010/main" val="1195327941"/>
+      </p:ext>
+    </p:extLst>
+  </p:cSld>
+  <p:clrMapOvr>
+    <a:masterClrMapping/>
+  </p:clrMapOvr>
+</p:notes>
+</file>
+
+<file path=ppt/notesSlides/notesSlide11.xml><?xml version="1.0" encoding="utf-8"?>
+<p:notes xmlns:a="http://schemas.openxmlformats.org/drawingml/2006/main" xmlns:r="http://schemas.openxmlformats.org/officeDocument/2006/relationships" xmlns:p="http://schemas.openxmlformats.org/presentationml/2006/main">
+  <p:cSld>
+    <p:spTree>
+      <p:nvGrpSpPr>
+        <p:cNvPr id="1" name="">
+          <a:extLst>
+            <a:ext uri="{FF2B5EF4-FFF2-40B4-BE49-F238E27FC236}">
+              <a16:creationId xmlns:a16="http://schemas.microsoft.com/office/drawing/2014/main" id="{3F730D79-0449-9A51-18B7-B8C33029AC0A}"/>
+            </a:ext>
+          </a:extLst>
+        </p:cNvPr>
+        <p:cNvGrpSpPr/>
+        <p:nvPr/>
+      </p:nvGrpSpPr>
+      <p:grpSpPr>
+        <a:xfrm>
+          <a:off x="0" y="0"/>
+          <a:ext cx="0" cy="0"/>
+          <a:chOff x="0" y="0"/>
+          <a:chExt cx="0" cy="0"/>
+        </a:xfrm>
+      </p:grpSpPr>
+      <p:sp>
+        <p:nvSpPr>
+          <p:cNvPr id="2" name="Marcador de imagen de diapositiva 1">
+            <a:extLst>
+              <a:ext uri="{FF2B5EF4-FFF2-40B4-BE49-F238E27FC236}">
+                <a16:creationId xmlns:a16="http://schemas.microsoft.com/office/drawing/2014/main" id="{98CDBA4A-02A9-FC75-CCB4-8D7546493E72}"/>
+              </a:ext>
+            </a:extLst>
+          </p:cNvPr>
+          <p:cNvSpPr>
+            <a:spLocks noGrp="1" noRot="1" noChangeAspect="1"/>
+          </p:cNvSpPr>
+          <p:nvPr>
+            <p:ph type="sldImg"/>
+          </p:nvPr>
+        </p:nvSpPr>
+        <p:spPr/>
+      </p:sp>
+      <p:sp>
+        <p:nvSpPr>
+          <p:cNvPr id="3" name="Marcador de notas 2">
+            <a:extLst>
+              <a:ext uri="{FF2B5EF4-FFF2-40B4-BE49-F238E27FC236}">
+                <a16:creationId xmlns:a16="http://schemas.microsoft.com/office/drawing/2014/main" id="{C99E2096-6C2A-D017-212A-2DA4CFB6C46F}"/>
+              </a:ext>
+            </a:extLst>
+          </p:cNvPr>
+          <p:cNvSpPr>
+            <a:spLocks noGrp="1"/>
+          </p:cNvSpPr>
+          <p:nvPr>
+            <p:ph type="body" idx="1"/>
+          </p:nvPr>
+        </p:nvSpPr>
+        <p:spPr/>
+        <p:txBody>
+          <a:bodyPr/>
+          <a:lstStyle/>
+          <a:p>
+            <a:endParaRPr lang="es-VE" dirty="0"/>
+          </a:p>
+        </p:txBody>
+      </p:sp>
+      <p:sp>
+        <p:nvSpPr>
+          <p:cNvPr id="4" name="Marcador de número de diapositiva 3">
+            <a:extLst>
+              <a:ext uri="{FF2B5EF4-FFF2-40B4-BE49-F238E27FC236}">
+                <a16:creationId xmlns:a16="http://schemas.microsoft.com/office/drawing/2014/main" id="{94993B82-F743-CDB8-2B8A-DFC9625B1334}"/>
+              </a:ext>
+            </a:extLst>
+          </p:cNvPr>
+          <p:cNvSpPr>
+            <a:spLocks noGrp="1"/>
+          </p:cNvSpPr>
+          <p:nvPr>
+            <p:ph type="sldNum" sz="quarter" idx="5"/>
+          </p:nvPr>
+        </p:nvSpPr>
+        <p:spPr/>
+        <p:txBody>
+          <a:bodyPr/>
+          <a:lstStyle/>
+          <a:p>
+            <a:fld id="{A0051FEE-5973-4BB2-90A9-241C6D512812}" type="slidenum">
+              <a:rPr lang="es-VE" smtClean="0"/>
+              <a:t>18</a:t>
+            </a:fld>
+            <a:endParaRPr lang="es-VE"/>
+          </a:p>
+        </p:txBody>
+      </p:sp>
+    </p:spTree>
+    <p:extLst>
+      <p:ext uri="{BB962C8B-B14F-4D97-AF65-F5344CB8AC3E}">
+        <p14:creationId xmlns:p14="http://schemas.microsoft.com/office/powerpoint/2010/main" val="824784246"/>
+      </p:ext>
+    </p:extLst>
+  </p:cSld>
+  <p:clrMapOvr>
+    <a:masterClrMapping/>
+  </p:clrMapOvr>
+</p:notes>
+</file>
+
+<file path=ppt/notesSlides/notesSlide2.xml><?xml version="1.0" encoding="utf-8"?>
+<p:notes xmlns:a="http://schemas.openxmlformats.org/drawingml/2006/main" xmlns:r="http://schemas.openxmlformats.org/officeDocument/2006/relationships" xmlns:p="http://schemas.openxmlformats.org/presentationml/2006/main">
+  <p:cSld>
+    <p:spTree>
+      <p:nvGrpSpPr>
         <p:cNvPr id="1" name="">
           <a:extLst>
             <a:ext uri="{FF2B5EF4-FFF2-40B4-BE49-F238E27FC236}">
@@ -2951,7 +2082,7 @@
           <a:p>
             <a:fld id="{A0051FEE-5973-4BB2-90A9-241C6D512812}" type="slidenum">
               <a:rPr lang="es-VE" smtClean="0"/>
-              <a:t>8</a:t>
+              <a:t>9</a:t>
             </a:fld>
             <a:endParaRPr lang="es-VE"/>
           </a:p>
@@ -2970,7 +2101,7 @@
 </p:notes>
 </file>
 
-<file path=ppt/notesSlides/notesSlide2.xml><?xml version="1.0" encoding="utf-8"?>
+<file path=ppt/notesSlides/notesSlide3.xml><?xml version="1.0" encoding="utf-8"?>
 <p:notes xmlns:a="http://schemas.openxmlformats.org/drawingml/2006/main" xmlns:r="http://schemas.openxmlformats.org/officeDocument/2006/relationships" xmlns:p="http://schemas.openxmlformats.org/presentationml/2006/main">
   <p:cSld>
     <p:spTree>
@@ -3059,7 +2190,7 @@
           <a:p>
             <a:fld id="{A0051FEE-5973-4BB2-90A9-241C6D512812}" type="slidenum">
               <a:rPr lang="es-VE" smtClean="0"/>
-              <a:t>9</a:t>
+              <a:t>10</a:t>
             </a:fld>
             <a:endParaRPr lang="es-VE"/>
           </a:p>
@@ -3078,7 +2209,7 @@
 </p:notes>
 </file>
 
-<file path=ppt/notesSlides/notesSlide3.xml><?xml version="1.0" encoding="utf-8"?>
+<file path=ppt/notesSlides/notesSlide4.xml><?xml version="1.0" encoding="utf-8"?>
 <p:notes xmlns:a="http://schemas.openxmlformats.org/drawingml/2006/main" xmlns:r="http://schemas.openxmlformats.org/officeDocument/2006/relationships" xmlns:p="http://schemas.openxmlformats.org/presentationml/2006/main">
   <p:cSld>
     <p:spTree>
@@ -3167,7 +2298,7 @@
           <a:p>
             <a:fld id="{A0051FEE-5973-4BB2-90A9-241C6D512812}" type="slidenum">
               <a:rPr lang="es-VE" smtClean="0"/>
-              <a:t>10</a:t>
+              <a:t>11</a:t>
             </a:fld>
             <a:endParaRPr lang="es-VE"/>
           </a:p>
@@ -3186,7 +2317,7 @@
 </p:notes>
 </file>
 
-<file path=ppt/notesSlides/notesSlide4.xml><?xml version="1.0" encoding="utf-8"?>
+<file path=ppt/notesSlides/notesSlide5.xml><?xml version="1.0" encoding="utf-8"?>
 <p:notes xmlns:a="http://schemas.openxmlformats.org/drawingml/2006/main" xmlns:r="http://schemas.openxmlformats.org/officeDocument/2006/relationships" xmlns:p="http://schemas.openxmlformats.org/presentationml/2006/main">
   <p:cSld>
     <p:spTree>
@@ -3275,7 +2406,7 @@
           <a:p>
             <a:fld id="{A0051FEE-5973-4BB2-90A9-241C6D512812}" type="slidenum">
               <a:rPr lang="es-VE" smtClean="0"/>
-              <a:t>11</a:t>
+              <a:t>12</a:t>
             </a:fld>
             <a:endParaRPr lang="es-VE"/>
           </a:p>
@@ -3294,7 +2425,7 @@
 </p:notes>
 </file>
 
-<file path=ppt/notesSlides/notesSlide5.xml><?xml version="1.0" encoding="utf-8"?>
+<file path=ppt/notesSlides/notesSlide6.xml><?xml version="1.0" encoding="utf-8"?>
 <p:notes xmlns:a="http://schemas.openxmlformats.org/drawingml/2006/main" xmlns:r="http://schemas.openxmlformats.org/officeDocument/2006/relationships" xmlns:p="http://schemas.openxmlformats.org/presentationml/2006/main">
   <p:cSld>
     <p:spTree>
@@ -3383,7 +2514,7 @@
           <a:p>
             <a:fld id="{A0051FEE-5973-4BB2-90A9-241C6D512812}" type="slidenum">
               <a:rPr lang="es-VE" smtClean="0"/>
-              <a:t>12</a:t>
+              <a:t>13</a:t>
             </a:fld>
             <a:endParaRPr lang="es-VE"/>
           </a:p>
@@ -3402,7 +2533,7 @@
 </p:notes>
 </file>
 
-<file path=ppt/notesSlides/notesSlide6.xml><?xml version="1.0" encoding="utf-8"?>
+<file path=ppt/notesSlides/notesSlide7.xml><?xml version="1.0" encoding="utf-8"?>
 <p:notes xmlns:a="http://schemas.openxmlformats.org/drawingml/2006/main" xmlns:r="http://schemas.openxmlformats.org/officeDocument/2006/relationships" xmlns:p="http://schemas.openxmlformats.org/presentationml/2006/main">
   <p:cSld>
     <p:spTree>
@@ -3491,7 +2622,7 @@
           <a:p>
             <a:fld id="{A0051FEE-5973-4BB2-90A9-241C6D512812}" type="slidenum">
               <a:rPr lang="es-VE" smtClean="0"/>
-              <a:t>13</a:t>
+              <a:t>14</a:t>
             </a:fld>
             <a:endParaRPr lang="es-VE"/>
           </a:p>
@@ -3510,7 +2641,7 @@
 </p:notes>
 </file>
 
-<file path=ppt/notesSlides/notesSlide7.xml><?xml version="1.0" encoding="utf-8"?>
+<file path=ppt/notesSlides/notesSlide8.xml><?xml version="1.0" encoding="utf-8"?>
 <p:notes xmlns:a="http://schemas.openxmlformats.org/drawingml/2006/main" xmlns:r="http://schemas.openxmlformats.org/officeDocument/2006/relationships" xmlns:p="http://schemas.openxmlformats.org/presentationml/2006/main">
   <p:cSld>
     <p:spTree>
@@ -3599,7 +2730,7 @@
           <a:p>
             <a:fld id="{A0051FEE-5973-4BB2-90A9-241C6D512812}" type="slidenum">
               <a:rPr lang="es-VE" smtClean="0"/>
-              <a:t>14</a:t>
+              <a:t>15</a:t>
             </a:fld>
             <a:endParaRPr lang="es-VE"/>
           </a:p>
@@ -3618,7 +2749,7 @@
 </p:notes>
 </file>
 
-<file path=ppt/notesSlides/notesSlide8.xml><?xml version="1.0" encoding="utf-8"?>
+<file path=ppt/notesSlides/notesSlide9.xml><?xml version="1.0" encoding="utf-8"?>
 <p:notes xmlns:a="http://schemas.openxmlformats.org/drawingml/2006/main" xmlns:r="http://schemas.openxmlformats.org/officeDocument/2006/relationships" xmlns:p="http://schemas.openxmlformats.org/presentationml/2006/main">
   <p:cSld>
     <p:spTree>
@@ -3707,7 +2838,7 @@
           <a:p>
             <a:fld id="{A0051FEE-5973-4BB2-90A9-241C6D512812}" type="slidenum">
               <a:rPr lang="es-VE" smtClean="0"/>
-              <a:t>15</a:t>
+              <a:t>16</a:t>
             </a:fld>
             <a:endParaRPr lang="es-VE"/>
           </a:p>
@@ -3717,114 +2848,6 @@
     <p:extLst>
       <p:ext uri="{BB962C8B-B14F-4D97-AF65-F5344CB8AC3E}">
         <p14:creationId xmlns:p14="http://schemas.microsoft.com/office/powerpoint/2010/main" val="1330016327"/>
-      </p:ext>
-    </p:extLst>
-  </p:cSld>
-  <p:clrMapOvr>
-    <a:masterClrMapping/>
-  </p:clrMapOvr>
-</p:notes>
-</file>
-
-<file path=ppt/notesSlides/notesSlide9.xml><?xml version="1.0" encoding="utf-8"?>
-<p:notes xmlns:a="http://schemas.openxmlformats.org/drawingml/2006/main" xmlns:r="http://schemas.openxmlformats.org/officeDocument/2006/relationships" xmlns:p="http://schemas.openxmlformats.org/presentationml/2006/main">
-  <p:cSld>
-    <p:spTree>
-      <p:nvGrpSpPr>
-        <p:cNvPr id="1" name="">
-          <a:extLst>
-            <a:ext uri="{FF2B5EF4-FFF2-40B4-BE49-F238E27FC236}">
-              <a16:creationId xmlns:a16="http://schemas.microsoft.com/office/drawing/2014/main" id="{696FAD43-47DB-23CA-4AE1-8A7A22E4A017}"/>
-            </a:ext>
-          </a:extLst>
-        </p:cNvPr>
-        <p:cNvGrpSpPr/>
-        <p:nvPr/>
-      </p:nvGrpSpPr>
-      <p:grpSpPr>
-        <a:xfrm>
-          <a:off x="0" y="0"/>
-          <a:ext cx="0" cy="0"/>
-          <a:chOff x="0" y="0"/>
-          <a:chExt cx="0" cy="0"/>
-        </a:xfrm>
-      </p:grpSpPr>
-      <p:sp>
-        <p:nvSpPr>
-          <p:cNvPr id="2" name="Marcador de imagen de diapositiva 1">
-            <a:extLst>
-              <a:ext uri="{FF2B5EF4-FFF2-40B4-BE49-F238E27FC236}">
-                <a16:creationId xmlns:a16="http://schemas.microsoft.com/office/drawing/2014/main" id="{6CD9C939-E52F-C772-8BFB-3B68D04CB134}"/>
-              </a:ext>
-            </a:extLst>
-          </p:cNvPr>
-          <p:cNvSpPr>
-            <a:spLocks noGrp="1" noRot="1" noChangeAspect="1"/>
-          </p:cNvSpPr>
-          <p:nvPr>
-            <p:ph type="sldImg"/>
-          </p:nvPr>
-        </p:nvSpPr>
-        <p:spPr/>
-      </p:sp>
-      <p:sp>
-        <p:nvSpPr>
-          <p:cNvPr id="3" name="Marcador de notas 2">
-            <a:extLst>
-              <a:ext uri="{FF2B5EF4-FFF2-40B4-BE49-F238E27FC236}">
-                <a16:creationId xmlns:a16="http://schemas.microsoft.com/office/drawing/2014/main" id="{DCBBE307-7F03-96E0-16C2-2155DBFBD14F}"/>
-              </a:ext>
-            </a:extLst>
-          </p:cNvPr>
-          <p:cNvSpPr>
-            <a:spLocks noGrp="1"/>
-          </p:cNvSpPr>
-          <p:nvPr>
-            <p:ph type="body" idx="1"/>
-          </p:nvPr>
-        </p:nvSpPr>
-        <p:spPr/>
-        <p:txBody>
-          <a:bodyPr/>
-          <a:lstStyle/>
-          <a:p>
-            <a:endParaRPr lang="es-VE" dirty="0"/>
-          </a:p>
-        </p:txBody>
-      </p:sp>
-      <p:sp>
-        <p:nvSpPr>
-          <p:cNvPr id="4" name="Marcador de número de diapositiva 3">
-            <a:extLst>
-              <a:ext uri="{FF2B5EF4-FFF2-40B4-BE49-F238E27FC236}">
-                <a16:creationId xmlns:a16="http://schemas.microsoft.com/office/drawing/2014/main" id="{AD1C153F-9468-1AAE-5C44-1412F844065E}"/>
-              </a:ext>
-            </a:extLst>
-          </p:cNvPr>
-          <p:cNvSpPr>
-            <a:spLocks noGrp="1"/>
-          </p:cNvSpPr>
-          <p:nvPr>
-            <p:ph type="sldNum" sz="quarter" idx="5"/>
-          </p:nvPr>
-        </p:nvSpPr>
-        <p:spPr/>
-        <p:txBody>
-          <a:bodyPr/>
-          <a:lstStyle/>
-          <a:p>
-            <a:fld id="{A0051FEE-5973-4BB2-90A9-241C6D512812}" type="slidenum">
-              <a:rPr lang="es-VE" smtClean="0"/>
-              <a:t>16</a:t>
-            </a:fld>
-            <a:endParaRPr lang="es-VE"/>
-          </a:p>
-        </p:txBody>
-      </p:sp>
-    </p:spTree>
-    <p:extLst>
-      <p:ext uri="{BB962C8B-B14F-4D97-AF65-F5344CB8AC3E}">
-        <p14:creationId xmlns:p14="http://schemas.microsoft.com/office/powerpoint/2010/main" val="1195327941"/>
       </p:ext>
     </p:extLst>
   </p:cSld>
@@ -4014,7 +3037,7 @@
             <a:fld id="{1D8BD707-D9CF-40AE-B4C6-C98DA3205C09}" type="datetimeFigureOut">
               <a:rPr lang="en-US" smtClean="0"/>
               <a:pPr/>
-              <a:t>7/29/2025</a:t>
+              <a:t>7/31/2025</a:t>
             </a:fld>
             <a:endParaRPr lang="en-US"/>
           </a:p>
@@ -4179,7 +3202,7 @@
             <a:fld id="{1D8BD707-D9CF-40AE-B4C6-C98DA3205C09}" type="datetimeFigureOut">
               <a:rPr lang="en-US" smtClean="0"/>
               <a:pPr/>
-              <a:t>7/29/2025</a:t>
+              <a:t>7/31/2025</a:t>
             </a:fld>
             <a:endParaRPr lang="en-US"/>
           </a:p>
@@ -4354,7 +3377,7 @@
             <a:fld id="{1D8BD707-D9CF-40AE-B4C6-C98DA3205C09}" type="datetimeFigureOut">
               <a:rPr lang="en-US" smtClean="0"/>
               <a:pPr/>
-              <a:t>7/29/2025</a:t>
+              <a:t>7/31/2025</a:t>
             </a:fld>
             <a:endParaRPr lang="en-US"/>
           </a:p>
@@ -4519,7 +3542,7 @@
             <a:fld id="{1D8BD707-D9CF-40AE-B4C6-C98DA3205C09}" type="datetimeFigureOut">
               <a:rPr lang="en-US" smtClean="0"/>
               <a:pPr/>
-              <a:t>7/29/2025</a:t>
+              <a:t>7/31/2025</a:t>
             </a:fld>
             <a:endParaRPr lang="en-US"/>
           </a:p>
@@ -4761,7 +3784,7 @@
             <a:fld id="{1D8BD707-D9CF-40AE-B4C6-C98DA3205C09}" type="datetimeFigureOut">
               <a:rPr lang="en-US" smtClean="0"/>
               <a:pPr/>
-              <a:t>7/29/2025</a:t>
+              <a:t>7/31/2025</a:t>
             </a:fld>
             <a:endParaRPr lang="en-US"/>
           </a:p>
@@ -5043,7 +4066,7 @@
             <a:fld id="{1D8BD707-D9CF-40AE-B4C6-C98DA3205C09}" type="datetimeFigureOut">
               <a:rPr lang="en-US" smtClean="0"/>
               <a:pPr/>
-              <a:t>7/29/2025</a:t>
+              <a:t>7/31/2025</a:t>
             </a:fld>
             <a:endParaRPr lang="en-US"/>
           </a:p>
@@ -5459,7 +4482,7 @@
             <a:fld id="{1D8BD707-D9CF-40AE-B4C6-C98DA3205C09}" type="datetimeFigureOut">
               <a:rPr lang="en-US" smtClean="0"/>
               <a:pPr/>
-              <a:t>7/29/2025</a:t>
+              <a:t>7/31/2025</a:t>
             </a:fld>
             <a:endParaRPr lang="en-US"/>
           </a:p>
@@ -5573,7 +4596,7 @@
             <a:fld id="{1D8BD707-D9CF-40AE-B4C6-C98DA3205C09}" type="datetimeFigureOut">
               <a:rPr lang="en-US" smtClean="0"/>
               <a:pPr/>
-              <a:t>7/29/2025</a:t>
+              <a:t>7/31/2025</a:t>
             </a:fld>
             <a:endParaRPr lang="en-US"/>
           </a:p>
@@ -5665,7 +4688,7 @@
             <a:fld id="{1D8BD707-D9CF-40AE-B4C6-C98DA3205C09}" type="datetimeFigureOut">
               <a:rPr lang="en-US" smtClean="0"/>
               <a:pPr/>
-              <a:t>7/29/2025</a:t>
+              <a:t>7/31/2025</a:t>
             </a:fld>
             <a:endParaRPr lang="en-US"/>
           </a:p>
@@ -5937,7 +4960,7 @@
             <a:fld id="{1D8BD707-D9CF-40AE-B4C6-C98DA3205C09}" type="datetimeFigureOut">
               <a:rPr lang="en-US" smtClean="0"/>
               <a:pPr/>
-              <a:t>7/29/2025</a:t>
+              <a:t>7/31/2025</a:t>
             </a:fld>
             <a:endParaRPr lang="en-US"/>
           </a:p>
@@ -6186,7 +5209,7 @@
             <a:fld id="{1D8BD707-D9CF-40AE-B4C6-C98DA3205C09}" type="datetimeFigureOut">
               <a:rPr lang="en-US" smtClean="0"/>
               <a:pPr/>
-              <a:t>7/29/2025</a:t>
+              <a:t>7/31/2025</a:t>
             </a:fld>
             <a:endParaRPr lang="en-US"/>
           </a:p>
@@ -6394,7 +5417,7 @@
             <a:fld id="{1D8BD707-D9CF-40AE-B4C6-C98DA3205C09}" type="datetimeFigureOut">
               <a:rPr lang="en-US" smtClean="0"/>
               <a:pPr/>
-              <a:t>7/29/2025</a:t>
+              <a:t>7/31/2025</a:t>
             </a:fld>
             <a:endParaRPr lang="en-US"/>
           </a:p>
@@ -7285,6 +6308,793 @@
         <p:cNvPr id="1" name="">
           <a:extLst>
             <a:ext uri="{FF2B5EF4-FFF2-40B4-BE49-F238E27FC236}">
+              <a16:creationId xmlns:a16="http://schemas.microsoft.com/office/drawing/2014/main" id="{F9E123FD-334D-E2E9-B30C-594A1C725D29}"/>
+            </a:ext>
+          </a:extLst>
+        </p:cNvPr>
+        <p:cNvGrpSpPr/>
+        <p:nvPr/>
+      </p:nvGrpSpPr>
+      <p:grpSpPr>
+        <a:xfrm>
+          <a:off x="0" y="0"/>
+          <a:ext cx="0" cy="0"/>
+          <a:chOff x="0" y="0"/>
+          <a:chExt cx="0" cy="0"/>
+        </a:xfrm>
+      </p:grpSpPr>
+      <p:sp>
+        <p:nvSpPr>
+          <p:cNvPr id="7" name="Freeform 7">
+            <a:extLst>
+              <a:ext uri="{FF2B5EF4-FFF2-40B4-BE49-F238E27FC236}">
+                <a16:creationId xmlns:a16="http://schemas.microsoft.com/office/drawing/2014/main" id="{DC155237-6EC5-C18A-530F-2393234F4543}"/>
+              </a:ext>
+            </a:extLst>
+          </p:cNvPr>
+          <p:cNvSpPr/>
+          <p:nvPr/>
+        </p:nvSpPr>
+        <p:spPr>
+          <a:xfrm rot="5400000">
+            <a:off x="5789382" y="-1598340"/>
+            <a:ext cx="2362194" cy="3049781"/>
+          </a:xfrm>
+          <a:custGeom>
+            <a:avLst/>
+            <a:gdLst/>
+            <a:ahLst/>
+            <a:cxnLst/>
+            <a:rect l="l" t="t" r="r" b="b"/>
+            <a:pathLst>
+              <a:path w="2362194" h="3049781">
+                <a:moveTo>
+                  <a:pt x="0" y="0"/>
+                </a:moveTo>
+                <a:lnTo>
+                  <a:pt x="2362194" y="0"/>
+                </a:lnTo>
+                <a:lnTo>
+                  <a:pt x="2362194" y="3049782"/>
+                </a:lnTo>
+                <a:lnTo>
+                  <a:pt x="0" y="3049782"/>
+                </a:lnTo>
+                <a:lnTo>
+                  <a:pt x="0" y="0"/>
+                </a:lnTo>
+                <a:close/>
+              </a:path>
+            </a:pathLst>
+          </a:custGeom>
+          <a:blipFill>
+            <a:blip r:embed="rId3">
+              <a:extLst>
+                <a:ext uri="{96DAC541-7B7A-43D3-8B79-37D633B846F1}">
+                  <asvg:svgBlip xmlns:asvg="http://schemas.microsoft.com/office/drawing/2016/SVG/main" r:embed="rId4"/>
+                </a:ext>
+              </a:extLst>
+            </a:blip>
+            <a:stretch>
+              <a:fillRect/>
+            </a:stretch>
+          </a:blipFill>
+        </p:spPr>
+      </p:sp>
+      <p:sp>
+        <p:nvSpPr>
+          <p:cNvPr id="8" name="Freeform 8">
+            <a:extLst>
+              <a:ext uri="{FF2B5EF4-FFF2-40B4-BE49-F238E27FC236}">
+                <a16:creationId xmlns:a16="http://schemas.microsoft.com/office/drawing/2014/main" id="{22A65C9A-D880-403B-17EE-7B71DAB00DD4}"/>
+              </a:ext>
+            </a:extLst>
+          </p:cNvPr>
+          <p:cNvSpPr/>
+          <p:nvPr/>
+        </p:nvSpPr>
+        <p:spPr>
+          <a:xfrm rot="5400000">
+            <a:off x="2595895" y="-1598340"/>
+            <a:ext cx="2362194" cy="3049781"/>
+          </a:xfrm>
+          <a:custGeom>
+            <a:avLst/>
+            <a:gdLst/>
+            <a:ahLst/>
+            <a:cxnLst/>
+            <a:rect l="l" t="t" r="r" b="b"/>
+            <a:pathLst>
+              <a:path w="2362194" h="3049781">
+                <a:moveTo>
+                  <a:pt x="0" y="0"/>
+                </a:moveTo>
+                <a:lnTo>
+                  <a:pt x="2362194" y="0"/>
+                </a:lnTo>
+                <a:lnTo>
+                  <a:pt x="2362194" y="3049782"/>
+                </a:lnTo>
+                <a:lnTo>
+                  <a:pt x="0" y="3049782"/>
+                </a:lnTo>
+                <a:lnTo>
+                  <a:pt x="0" y="0"/>
+                </a:lnTo>
+                <a:close/>
+              </a:path>
+            </a:pathLst>
+          </a:custGeom>
+          <a:blipFill>
+            <a:blip r:embed="rId3">
+              <a:extLst>
+                <a:ext uri="{96DAC541-7B7A-43D3-8B79-37D633B846F1}">
+                  <asvg:svgBlip xmlns:asvg="http://schemas.microsoft.com/office/drawing/2016/SVG/main" r:embed="rId4"/>
+                </a:ext>
+              </a:extLst>
+            </a:blip>
+            <a:stretch>
+              <a:fillRect/>
+            </a:stretch>
+          </a:blipFill>
+        </p:spPr>
+      </p:sp>
+      <p:sp>
+        <p:nvSpPr>
+          <p:cNvPr id="9" name="Freeform 9">
+            <a:extLst>
+              <a:ext uri="{FF2B5EF4-FFF2-40B4-BE49-F238E27FC236}">
+                <a16:creationId xmlns:a16="http://schemas.microsoft.com/office/drawing/2014/main" id="{461FAF4A-9488-2983-2E80-C1F6825DBDD4}"/>
+              </a:ext>
+            </a:extLst>
+          </p:cNvPr>
+          <p:cNvSpPr/>
+          <p:nvPr/>
+        </p:nvSpPr>
+        <p:spPr>
+          <a:xfrm rot="5400000">
+            <a:off x="-591576" y="-1598340"/>
+            <a:ext cx="2362194" cy="3049781"/>
+          </a:xfrm>
+          <a:custGeom>
+            <a:avLst/>
+            <a:gdLst/>
+            <a:ahLst/>
+            <a:cxnLst/>
+            <a:rect l="l" t="t" r="r" b="b"/>
+            <a:pathLst>
+              <a:path w="2362194" h="3049781">
+                <a:moveTo>
+                  <a:pt x="0" y="0"/>
+                </a:moveTo>
+                <a:lnTo>
+                  <a:pt x="2362194" y="0"/>
+                </a:lnTo>
+                <a:lnTo>
+                  <a:pt x="2362194" y="3049782"/>
+                </a:lnTo>
+                <a:lnTo>
+                  <a:pt x="0" y="3049782"/>
+                </a:lnTo>
+                <a:lnTo>
+                  <a:pt x="0" y="0"/>
+                </a:lnTo>
+                <a:close/>
+              </a:path>
+            </a:pathLst>
+          </a:custGeom>
+          <a:blipFill>
+            <a:blip r:embed="rId3">
+              <a:extLst>
+                <a:ext uri="{96DAC541-7B7A-43D3-8B79-37D633B846F1}">
+                  <asvg:svgBlip xmlns:asvg="http://schemas.microsoft.com/office/drawing/2016/SVG/main" r:embed="rId4"/>
+                </a:ext>
+              </a:extLst>
+            </a:blip>
+            <a:stretch>
+              <a:fillRect/>
+            </a:stretch>
+          </a:blipFill>
+        </p:spPr>
+      </p:sp>
+      <p:sp>
+        <p:nvSpPr>
+          <p:cNvPr id="10" name="AutoShape 10">
+            <a:extLst>
+              <a:ext uri="{FF2B5EF4-FFF2-40B4-BE49-F238E27FC236}">
+                <a16:creationId xmlns:a16="http://schemas.microsoft.com/office/drawing/2014/main" id="{989964A6-C934-030F-39F5-E88F42AC7699}"/>
+              </a:ext>
+            </a:extLst>
+          </p:cNvPr>
+          <p:cNvSpPr/>
+          <p:nvPr/>
+        </p:nvSpPr>
+        <p:spPr>
+          <a:xfrm>
+            <a:off x="756000" y="9931238"/>
+            <a:ext cx="6048000" cy="0"/>
+          </a:xfrm>
+          <a:prstGeom prst="line">
+            <a:avLst/>
+          </a:prstGeom>
+          <a:ln w="9525" cap="flat">
+            <a:solidFill>
+              <a:srgbClr val="000000"/>
+            </a:solidFill>
+            <a:prstDash val="solid"/>
+            <a:headEnd type="none" w="sm" len="sm"/>
+            <a:tailEnd type="none" w="sm" len="sm"/>
+          </a:ln>
+        </p:spPr>
+      </p:sp>
+      <p:sp>
+        <p:nvSpPr>
+          <p:cNvPr id="12" name="TextBox 12">
+            <a:extLst>
+              <a:ext uri="{FF2B5EF4-FFF2-40B4-BE49-F238E27FC236}">
+                <a16:creationId xmlns:a16="http://schemas.microsoft.com/office/drawing/2014/main" id="{96BA9351-F205-7042-7039-6DDC455D10BE}"/>
+              </a:ext>
+            </a:extLst>
+          </p:cNvPr>
+          <p:cNvSpPr txBox="1"/>
+          <p:nvPr/>
+        </p:nvSpPr>
+        <p:spPr>
+          <a:xfrm>
+            <a:off x="756000" y="10084923"/>
+            <a:ext cx="1742330" cy="187325"/>
+          </a:xfrm>
+          <a:prstGeom prst="rect">
+            <a:avLst/>
+          </a:prstGeom>
+        </p:spPr>
+        <p:txBody>
+          <a:bodyPr lIns="0" tIns="0" rIns="0" bIns="0" rtlCol="0" anchor="t">
+            <a:spAutoFit/>
+          </a:bodyPr>
+          <a:lstStyle/>
+          <a:p>
+            <a:pPr algn="l">
+              <a:lnSpc>
+                <a:spcPts val="1599"/>
+              </a:lnSpc>
+            </a:pPr>
+            <a:r>
+              <a:rPr lang="en-US" sz="999" dirty="0" err="1">
+                <a:solidFill>
+                  <a:srgbClr val="222525"/>
+                </a:solidFill>
+                <a:latin typeface="Montserrat"/>
+                <a:ea typeface="Montserrat"/>
+                <a:cs typeface="Montserrat"/>
+                <a:sym typeface="Montserrat"/>
+              </a:rPr>
+              <a:t>Descripción</a:t>
+            </a:r>
+            <a:r>
+              <a:rPr lang="en-US" sz="999" dirty="0">
+                <a:solidFill>
+                  <a:srgbClr val="222525"/>
+                </a:solidFill>
+                <a:latin typeface="Montserrat"/>
+                <a:ea typeface="Montserrat"/>
+                <a:cs typeface="Montserrat"/>
+                <a:sym typeface="Montserrat"/>
+              </a:rPr>
+              <a:t> del Sistema</a:t>
+            </a:r>
+          </a:p>
+        </p:txBody>
+      </p:sp>
+      <p:sp>
+        <p:nvSpPr>
+          <p:cNvPr id="13" name="TextBox 13">
+            <a:extLst>
+              <a:ext uri="{FF2B5EF4-FFF2-40B4-BE49-F238E27FC236}">
+                <a16:creationId xmlns:a16="http://schemas.microsoft.com/office/drawing/2014/main" id="{2D9E9991-6F69-CD9D-F838-2EA69B37EB33}"/>
+              </a:ext>
+            </a:extLst>
+          </p:cNvPr>
+          <p:cNvSpPr txBox="1"/>
+          <p:nvPr/>
+        </p:nvSpPr>
+        <p:spPr>
+          <a:xfrm>
+            <a:off x="5061670" y="10084923"/>
+            <a:ext cx="1742330" cy="187325"/>
+          </a:xfrm>
+          <a:prstGeom prst="rect">
+            <a:avLst/>
+          </a:prstGeom>
+        </p:spPr>
+        <p:txBody>
+          <a:bodyPr lIns="0" tIns="0" rIns="0" bIns="0" rtlCol="0" anchor="t">
+            <a:spAutoFit/>
+          </a:bodyPr>
+          <a:lstStyle/>
+          <a:p>
+            <a:pPr algn="r">
+              <a:lnSpc>
+                <a:spcPts val="1599"/>
+              </a:lnSpc>
+            </a:pPr>
+            <a:r>
+              <a:rPr lang="en-US" sz="999" dirty="0">
+                <a:solidFill>
+                  <a:srgbClr val="222525"/>
+                </a:solidFill>
+                <a:latin typeface="Montserrat"/>
+                <a:ea typeface="Montserrat"/>
+                <a:cs typeface="Montserrat"/>
+                <a:sym typeface="Montserrat"/>
+              </a:rPr>
+              <a:t>9</a:t>
+            </a:r>
+          </a:p>
+        </p:txBody>
+      </p:sp>
+      <p:pic>
+        <p:nvPicPr>
+          <p:cNvPr id="37" name="Imagen 36">
+            <a:extLst>
+              <a:ext uri="{FF2B5EF4-FFF2-40B4-BE49-F238E27FC236}">
+                <a16:creationId xmlns:a16="http://schemas.microsoft.com/office/drawing/2014/main" id="{48CF5827-7040-0200-8389-633FD6272277}"/>
+              </a:ext>
+            </a:extLst>
+          </p:cNvPr>
+          <p:cNvPicPr>
+            <a:picLocks noChangeAspect="1"/>
+          </p:cNvPicPr>
+          <p:nvPr/>
+        </p:nvPicPr>
+        <p:blipFill>
+          <a:blip r:embed="rId5"/>
+          <a:stretch>
+            <a:fillRect/>
+          </a:stretch>
+        </p:blipFill>
+        <p:spPr>
+          <a:xfrm>
+            <a:off x="2252101" y="2344575"/>
+            <a:ext cx="2695951" cy="828791"/>
+          </a:xfrm>
+          <a:prstGeom prst="rect">
+            <a:avLst/>
+          </a:prstGeom>
+        </p:spPr>
+      </p:pic>
+      <p:pic>
+        <p:nvPicPr>
+          <p:cNvPr id="38" name="Imagen 37">
+            <a:extLst>
+              <a:ext uri="{FF2B5EF4-FFF2-40B4-BE49-F238E27FC236}">
+                <a16:creationId xmlns:a16="http://schemas.microsoft.com/office/drawing/2014/main" id="{E0CA64BB-29E6-2040-9151-455120AD0598}"/>
+              </a:ext>
+            </a:extLst>
+          </p:cNvPr>
+          <p:cNvPicPr>
+            <a:picLocks noChangeAspect="1"/>
+          </p:cNvPicPr>
+          <p:nvPr/>
+        </p:nvPicPr>
+        <p:blipFill>
+          <a:blip r:embed="rId6"/>
+          <a:stretch>
+            <a:fillRect/>
+          </a:stretch>
+        </p:blipFill>
+        <p:spPr>
+          <a:xfrm>
+            <a:off x="3503621" y="5207105"/>
+            <a:ext cx="2429214" cy="1066949"/>
+          </a:xfrm>
+          <a:prstGeom prst="rect">
+            <a:avLst/>
+          </a:prstGeom>
+        </p:spPr>
+      </p:pic>
+      <p:pic>
+        <p:nvPicPr>
+          <p:cNvPr id="39" name="Imagen 38">
+            <a:extLst>
+              <a:ext uri="{FF2B5EF4-FFF2-40B4-BE49-F238E27FC236}">
+                <a16:creationId xmlns:a16="http://schemas.microsoft.com/office/drawing/2014/main" id="{34F0F586-7052-553A-A07D-CDF69E6F9C79}"/>
+              </a:ext>
+            </a:extLst>
+          </p:cNvPr>
+          <p:cNvPicPr>
+            <a:picLocks noChangeAspect="1"/>
+          </p:cNvPicPr>
+          <p:nvPr/>
+        </p:nvPicPr>
+        <p:blipFill>
+          <a:blip r:embed="rId7"/>
+          <a:stretch>
+            <a:fillRect/>
+          </a:stretch>
+        </p:blipFill>
+        <p:spPr>
+          <a:xfrm>
+            <a:off x="1229419" y="7409519"/>
+            <a:ext cx="2305372" cy="609685"/>
+          </a:xfrm>
+          <a:prstGeom prst="rect">
+            <a:avLst/>
+          </a:prstGeom>
+        </p:spPr>
+      </p:pic>
+      <p:sp>
+        <p:nvSpPr>
+          <p:cNvPr id="40" name="CuadroTexto 39">
+            <a:extLst>
+              <a:ext uri="{FF2B5EF4-FFF2-40B4-BE49-F238E27FC236}">
+                <a16:creationId xmlns:a16="http://schemas.microsoft.com/office/drawing/2014/main" id="{00B760DB-355C-2F10-09CC-F871B2E193CF}"/>
+              </a:ext>
+            </a:extLst>
+          </p:cNvPr>
+          <p:cNvSpPr txBox="1"/>
+          <p:nvPr/>
+        </p:nvSpPr>
+        <p:spPr>
+          <a:xfrm>
+            <a:off x="5407717" y="2398504"/>
+            <a:ext cx="1861600" cy="307777"/>
+          </a:xfrm>
+          <a:prstGeom prst="rect">
+            <a:avLst/>
+          </a:prstGeom>
+          <a:noFill/>
+          <a:ln>
+            <a:solidFill>
+              <a:srgbClr val="FF0000"/>
+            </a:solidFill>
+          </a:ln>
+        </p:spPr>
+        <p:txBody>
+          <a:bodyPr wrap="none" rtlCol="0">
+            <a:spAutoFit/>
+          </a:bodyPr>
+          <a:lstStyle/>
+          <a:p>
+            <a:r>
+              <a:rPr lang="es-VE" sz="1400" dirty="0"/>
+              <a:t>Tabla de Base de Datos</a:t>
+            </a:r>
+          </a:p>
+        </p:txBody>
+      </p:sp>
+      <p:cxnSp>
+        <p:nvCxnSpPr>
+          <p:cNvPr id="41" name="Conector recto de flecha 40">
+            <a:extLst>
+              <a:ext uri="{FF2B5EF4-FFF2-40B4-BE49-F238E27FC236}">
+                <a16:creationId xmlns:a16="http://schemas.microsoft.com/office/drawing/2014/main" id="{94506C3C-686D-B1D2-20DC-4D149B1DB10D}"/>
+              </a:ext>
+            </a:extLst>
+          </p:cNvPr>
+          <p:cNvCxnSpPr>
+            <a:cxnSpLocks/>
+            <a:stCxn id="40" idx="1"/>
+          </p:cNvCxnSpPr>
+          <p:nvPr/>
+        </p:nvCxnSpPr>
+        <p:spPr>
+          <a:xfrm flipH="1">
+            <a:off x="3503621" y="2552393"/>
+            <a:ext cx="1904096" cy="307571"/>
+          </a:xfrm>
+          <a:prstGeom prst="straightConnector1">
+            <a:avLst/>
+          </a:prstGeom>
+          <a:ln>
+            <a:solidFill>
+              <a:srgbClr val="FF0000"/>
+            </a:solidFill>
+            <a:tailEnd type="triangle"/>
+          </a:ln>
+        </p:spPr>
+        <p:style>
+          <a:lnRef idx="2">
+            <a:schemeClr val="accent2"/>
+          </a:lnRef>
+          <a:fillRef idx="0">
+            <a:schemeClr val="accent2"/>
+          </a:fillRef>
+          <a:effectRef idx="1">
+            <a:schemeClr val="accent2"/>
+          </a:effectRef>
+          <a:fontRef idx="minor">
+            <a:schemeClr val="tx1"/>
+          </a:fontRef>
+        </p:style>
+      </p:cxnSp>
+      <p:sp>
+        <p:nvSpPr>
+          <p:cNvPr id="42" name="CuadroTexto 41">
+            <a:extLst>
+              <a:ext uri="{FF2B5EF4-FFF2-40B4-BE49-F238E27FC236}">
+                <a16:creationId xmlns:a16="http://schemas.microsoft.com/office/drawing/2014/main" id="{976D925C-EE86-69F8-A96E-344EE083749A}"/>
+              </a:ext>
+            </a:extLst>
+          </p:cNvPr>
+          <p:cNvSpPr txBox="1"/>
+          <p:nvPr/>
+        </p:nvSpPr>
+        <p:spPr>
+          <a:xfrm>
+            <a:off x="297196" y="3325459"/>
+            <a:ext cx="1851746" cy="954107"/>
+          </a:xfrm>
+          <a:prstGeom prst="rect">
+            <a:avLst/>
+          </a:prstGeom>
+          <a:noFill/>
+          <a:ln>
+            <a:solidFill>
+              <a:srgbClr val="FF0000"/>
+            </a:solidFill>
+          </a:ln>
+        </p:spPr>
+        <p:txBody>
+          <a:bodyPr wrap="square" rtlCol="0">
+            <a:spAutoFit/>
+          </a:bodyPr>
+          <a:lstStyle/>
+          <a:p>
+            <a:pPr algn="just"/>
+            <a:r>
+              <a:rPr lang="es-VE" sz="1400" dirty="0"/>
+              <a:t>Contiene el archivo para crear el usuario Administrador por defecto </a:t>
+            </a:r>
+          </a:p>
+        </p:txBody>
+      </p:sp>
+      <p:cxnSp>
+        <p:nvCxnSpPr>
+          <p:cNvPr id="43" name="Conector recto de flecha 42">
+            <a:extLst>
+              <a:ext uri="{FF2B5EF4-FFF2-40B4-BE49-F238E27FC236}">
+                <a16:creationId xmlns:a16="http://schemas.microsoft.com/office/drawing/2014/main" id="{8B220260-99C7-6834-D173-A8224AE7D1C3}"/>
+              </a:ext>
+            </a:extLst>
+          </p:cNvPr>
+          <p:cNvCxnSpPr>
+            <a:cxnSpLocks/>
+            <a:stCxn id="42" idx="3"/>
+          </p:cNvCxnSpPr>
+          <p:nvPr/>
+        </p:nvCxnSpPr>
+        <p:spPr>
+          <a:xfrm flipV="1">
+            <a:off x="2148942" y="3106873"/>
+            <a:ext cx="638708" cy="695640"/>
+          </a:xfrm>
+          <a:prstGeom prst="straightConnector1">
+            <a:avLst/>
+          </a:prstGeom>
+          <a:ln>
+            <a:solidFill>
+              <a:srgbClr val="FF0000"/>
+            </a:solidFill>
+            <a:tailEnd type="triangle"/>
+          </a:ln>
+        </p:spPr>
+        <p:style>
+          <a:lnRef idx="2">
+            <a:schemeClr val="accent2"/>
+          </a:lnRef>
+          <a:fillRef idx="0">
+            <a:schemeClr val="accent2"/>
+          </a:fillRef>
+          <a:effectRef idx="1">
+            <a:schemeClr val="accent2"/>
+          </a:effectRef>
+          <a:fontRef idx="minor">
+            <a:schemeClr val="tx1"/>
+          </a:fontRef>
+        </p:style>
+      </p:cxnSp>
+      <p:sp>
+        <p:nvSpPr>
+          <p:cNvPr id="44" name="CuadroTexto 43">
+            <a:extLst>
+              <a:ext uri="{FF2B5EF4-FFF2-40B4-BE49-F238E27FC236}">
+                <a16:creationId xmlns:a16="http://schemas.microsoft.com/office/drawing/2014/main" id="{F12A876E-FDF3-E2DC-29A2-C7F38316268D}"/>
+              </a:ext>
+            </a:extLst>
+          </p:cNvPr>
+          <p:cNvSpPr txBox="1"/>
+          <p:nvPr/>
+        </p:nvSpPr>
+        <p:spPr>
+          <a:xfrm>
+            <a:off x="787750" y="5279561"/>
+            <a:ext cx="1851746" cy="738664"/>
+          </a:xfrm>
+          <a:prstGeom prst="rect">
+            <a:avLst/>
+          </a:prstGeom>
+          <a:noFill/>
+          <a:ln>
+            <a:solidFill>
+              <a:srgbClr val="FF0000"/>
+            </a:solidFill>
+          </a:ln>
+        </p:spPr>
+        <p:txBody>
+          <a:bodyPr wrap="square" rtlCol="0">
+            <a:spAutoFit/>
+          </a:bodyPr>
+          <a:lstStyle/>
+          <a:p>
+            <a:pPr algn="just"/>
+            <a:r>
+              <a:rPr lang="es-VE" sz="1400" dirty="0"/>
+              <a:t>Contiene todas las carpetas con los archivos para las vistas </a:t>
+            </a:r>
+          </a:p>
+        </p:txBody>
+      </p:sp>
+      <p:cxnSp>
+        <p:nvCxnSpPr>
+          <p:cNvPr id="45" name="Conector recto de flecha 44">
+            <a:extLst>
+              <a:ext uri="{FF2B5EF4-FFF2-40B4-BE49-F238E27FC236}">
+                <a16:creationId xmlns:a16="http://schemas.microsoft.com/office/drawing/2014/main" id="{810EA632-B72B-DD8C-0140-7DFC1B9C32D4}"/>
+              </a:ext>
+            </a:extLst>
+          </p:cNvPr>
+          <p:cNvCxnSpPr>
+            <a:cxnSpLocks/>
+            <a:stCxn id="44" idx="3"/>
+          </p:cNvCxnSpPr>
+          <p:nvPr/>
+        </p:nvCxnSpPr>
+        <p:spPr>
+          <a:xfrm flipV="1">
+            <a:off x="2639496" y="5279561"/>
+            <a:ext cx="895295" cy="369332"/>
+          </a:xfrm>
+          <a:prstGeom prst="straightConnector1">
+            <a:avLst/>
+          </a:prstGeom>
+          <a:ln>
+            <a:solidFill>
+              <a:srgbClr val="FF0000"/>
+            </a:solidFill>
+            <a:tailEnd type="triangle"/>
+          </a:ln>
+        </p:spPr>
+        <p:style>
+          <a:lnRef idx="2">
+            <a:schemeClr val="accent2"/>
+          </a:lnRef>
+          <a:fillRef idx="0">
+            <a:schemeClr val="accent2"/>
+          </a:fillRef>
+          <a:effectRef idx="1">
+            <a:schemeClr val="accent2"/>
+          </a:effectRef>
+          <a:fontRef idx="minor">
+            <a:schemeClr val="tx1"/>
+          </a:fontRef>
+        </p:style>
+      </p:cxnSp>
+      <p:sp>
+        <p:nvSpPr>
+          <p:cNvPr id="46" name="CuadroTexto 45">
+            <a:extLst>
+              <a:ext uri="{FF2B5EF4-FFF2-40B4-BE49-F238E27FC236}">
+                <a16:creationId xmlns:a16="http://schemas.microsoft.com/office/drawing/2014/main" id="{B63FB215-4301-7660-D9FB-2E70142E9625}"/>
+              </a:ext>
+            </a:extLst>
+          </p:cNvPr>
+          <p:cNvSpPr txBox="1"/>
+          <p:nvPr/>
+        </p:nvSpPr>
+        <p:spPr>
+          <a:xfrm>
+            <a:off x="4169923" y="7409519"/>
+            <a:ext cx="1269315" cy="523220"/>
+          </a:xfrm>
+          <a:prstGeom prst="rect">
+            <a:avLst/>
+          </a:prstGeom>
+          <a:noFill/>
+          <a:ln>
+            <a:solidFill>
+              <a:srgbClr val="FF0000"/>
+            </a:solidFill>
+          </a:ln>
+        </p:spPr>
+        <p:txBody>
+          <a:bodyPr wrap="square" rtlCol="0">
+            <a:spAutoFit/>
+          </a:bodyPr>
+          <a:lstStyle/>
+          <a:p>
+            <a:pPr algn="just"/>
+            <a:r>
+              <a:rPr lang="es-VE" sz="1400" dirty="0"/>
+              <a:t>Configura toda las rutas </a:t>
+            </a:r>
+          </a:p>
+        </p:txBody>
+      </p:sp>
+      <p:cxnSp>
+        <p:nvCxnSpPr>
+          <p:cNvPr id="47" name="Conector recto de flecha 46">
+            <a:extLst>
+              <a:ext uri="{FF2B5EF4-FFF2-40B4-BE49-F238E27FC236}">
+                <a16:creationId xmlns:a16="http://schemas.microsoft.com/office/drawing/2014/main" id="{0745383A-ADD7-B6E6-C456-A4EED14A759A}"/>
+              </a:ext>
+            </a:extLst>
+          </p:cNvPr>
+          <p:cNvCxnSpPr>
+            <a:cxnSpLocks/>
+            <a:stCxn id="46" idx="1"/>
+          </p:cNvCxnSpPr>
+          <p:nvPr/>
+        </p:nvCxnSpPr>
+        <p:spPr>
+          <a:xfrm flipH="1">
+            <a:off x="3249095" y="7671129"/>
+            <a:ext cx="920828" cy="261610"/>
+          </a:xfrm>
+          <a:prstGeom prst="straightConnector1">
+            <a:avLst/>
+          </a:prstGeom>
+          <a:ln>
+            <a:solidFill>
+              <a:srgbClr val="FF0000"/>
+            </a:solidFill>
+            <a:tailEnd type="triangle"/>
+          </a:ln>
+        </p:spPr>
+        <p:style>
+          <a:lnRef idx="2">
+            <a:schemeClr val="accent2"/>
+          </a:lnRef>
+          <a:fillRef idx="0">
+            <a:schemeClr val="accent2"/>
+          </a:fillRef>
+          <a:effectRef idx="1">
+            <a:schemeClr val="accent2"/>
+          </a:effectRef>
+          <a:fontRef idx="minor">
+            <a:schemeClr val="tx1"/>
+          </a:fontRef>
+        </p:style>
+      </p:cxnSp>
+    </p:spTree>
+    <p:extLst>
+      <p:ext uri="{BB962C8B-B14F-4D97-AF65-F5344CB8AC3E}">
+        <p14:creationId xmlns:p14="http://schemas.microsoft.com/office/powerpoint/2010/main" val="2687974064"/>
+      </p:ext>
+    </p:extLst>
+  </p:cSld>
+  <p:clrMapOvr>
+    <a:masterClrMapping/>
+  </p:clrMapOvr>
+</p:sld>
+</file>
+
+<file path=ppt/slides/slide11.xml><?xml version="1.0" encoding="utf-8"?>
+<p:sld xmlns:a="http://schemas.openxmlformats.org/drawingml/2006/main" xmlns:r="http://schemas.openxmlformats.org/officeDocument/2006/relationships" xmlns:p="http://schemas.openxmlformats.org/presentationml/2006/main">
+  <p:cSld>
+    <p:bg>
+      <p:bgPr>
+        <a:solidFill>
+          <a:srgbClr val="F7F5F2"/>
+        </a:solidFill>
+        <a:effectLst/>
+      </p:bgPr>
+    </p:bg>
+    <p:spTree>
+      <p:nvGrpSpPr>
+        <p:cNvPr id="1" name="">
+          <a:extLst>
+            <a:ext uri="{FF2B5EF4-FFF2-40B4-BE49-F238E27FC236}">
               <a16:creationId xmlns:a16="http://schemas.microsoft.com/office/drawing/2014/main" id="{6B35F2BB-8616-BA24-9640-2D62D62AD26E}"/>
             </a:ext>
           </a:extLst>
@@ -7803,6 +7613,95 @@
           </a:p>
         </p:txBody>
       </p:sp>
+      <p:sp>
+        <p:nvSpPr>
+          <p:cNvPr id="6" name="CuadroTexto 5">
+            <a:extLst>
+              <a:ext uri="{FF2B5EF4-FFF2-40B4-BE49-F238E27FC236}">
+                <a16:creationId xmlns:a16="http://schemas.microsoft.com/office/drawing/2014/main" id="{475A2D48-1639-69E0-FAF4-15A64A504D47}"/>
+              </a:ext>
+            </a:extLst>
+          </p:cNvPr>
+          <p:cNvSpPr txBox="1"/>
+          <p:nvPr/>
+        </p:nvSpPr>
+        <p:spPr>
+          <a:xfrm>
+            <a:off x="4572593" y="2729240"/>
+            <a:ext cx="978153" cy="307777"/>
+          </a:xfrm>
+          <a:prstGeom prst="rect">
+            <a:avLst/>
+          </a:prstGeom>
+          <a:noFill/>
+          <a:ln>
+            <a:solidFill>
+              <a:srgbClr val="C00000"/>
+            </a:solidFill>
+          </a:ln>
+        </p:spPr>
+        <p:txBody>
+          <a:bodyPr wrap="none" rtlCol="0">
+            <a:spAutoFit/>
+          </a:bodyPr>
+          <a:lstStyle/>
+          <a:p>
+            <a:r>
+              <a:rPr lang="es-VE" sz="1400" dirty="0" err="1"/>
+              <a:t>N°</a:t>
+            </a:r>
+            <a:r>
+              <a:rPr lang="es-VE" sz="1400" dirty="0"/>
+              <a:t> de ficha</a:t>
+            </a:r>
+          </a:p>
+        </p:txBody>
+      </p:sp>
+      <p:cxnSp>
+        <p:nvCxnSpPr>
+          <p:cNvPr id="14" name="Conector recto de flecha 13">
+            <a:extLst>
+              <a:ext uri="{FF2B5EF4-FFF2-40B4-BE49-F238E27FC236}">
+                <a16:creationId xmlns:a16="http://schemas.microsoft.com/office/drawing/2014/main" id="{EAD773A6-ABB9-5FA4-FFB0-B53D7304D127}"/>
+              </a:ext>
+            </a:extLst>
+          </p:cNvPr>
+          <p:cNvCxnSpPr>
+            <a:cxnSpLocks/>
+            <a:stCxn id="6" idx="1"/>
+          </p:cNvCxnSpPr>
+          <p:nvPr/>
+        </p:nvCxnSpPr>
+        <p:spPr>
+          <a:xfrm flipH="1" flipV="1">
+            <a:off x="3799607" y="2883128"/>
+            <a:ext cx="772986" cy="1"/>
+          </a:xfrm>
+          <a:prstGeom prst="straightConnector1">
+            <a:avLst/>
+          </a:prstGeom>
+          <a:ln>
+            <a:solidFill>
+              <a:srgbClr val="FF0000"/>
+            </a:solidFill>
+            <a:tailEnd type="triangle"/>
+          </a:ln>
+        </p:spPr>
+        <p:style>
+          <a:lnRef idx="2">
+            <a:schemeClr val="accent2"/>
+          </a:lnRef>
+          <a:fillRef idx="0">
+            <a:schemeClr val="accent2"/>
+          </a:fillRef>
+          <a:effectRef idx="1">
+            <a:schemeClr val="accent2"/>
+          </a:effectRef>
+          <a:fontRef idx="minor">
+            <a:schemeClr val="tx1"/>
+          </a:fontRef>
+        </p:style>
+      </p:cxnSp>
     </p:spTree>
     <p:extLst>
       <p:ext uri="{BB962C8B-B14F-4D97-AF65-F5344CB8AC3E}">
@@ -7816,7 +7715,7 @@
 </p:sld>
 </file>
 
-<file path=ppt/slides/slide11.xml><?xml version="1.0" encoding="utf-8"?>
+<file path=ppt/slides/slide12.xml><?xml version="1.0" encoding="utf-8"?>
 <p:sld xmlns:a="http://schemas.openxmlformats.org/drawingml/2006/main" xmlns:r="http://schemas.openxmlformats.org/officeDocument/2006/relationships" xmlns:p="http://schemas.openxmlformats.org/presentationml/2006/main">
   <p:cSld>
     <p:bg>
@@ -8332,7 +8231,7 @@
 </p:sld>
 </file>
 
-<file path=ppt/slides/slide12.xml><?xml version="1.0" encoding="utf-8"?>
+<file path=ppt/slides/slide13.xml><?xml version="1.0" encoding="utf-8"?>
 <p:sld xmlns:a="http://schemas.openxmlformats.org/drawingml/2006/main" xmlns:r="http://schemas.openxmlformats.org/officeDocument/2006/relationships" xmlns:p="http://schemas.openxmlformats.org/presentationml/2006/main">
   <p:cSld>
     <p:bg>
@@ -8840,7 +8739,7 @@
 </p:sld>
 </file>
 
-<file path=ppt/slides/slide13.xml><?xml version="1.0" encoding="utf-8"?>
+<file path=ppt/slides/slide14.xml><?xml version="1.0" encoding="utf-8"?>
 <p:sld xmlns:a="http://schemas.openxmlformats.org/drawingml/2006/main" xmlns:r="http://schemas.openxmlformats.org/officeDocument/2006/relationships" xmlns:p="http://schemas.openxmlformats.org/presentationml/2006/main">
   <p:cSld>
     <p:bg>
@@ -9356,7 +9255,7 @@
 </p:sld>
 </file>
 
-<file path=ppt/slides/slide14.xml><?xml version="1.0" encoding="utf-8"?>
+<file path=ppt/slides/slide15.xml><?xml version="1.0" encoding="utf-8"?>
 <p:sld xmlns:a="http://schemas.openxmlformats.org/drawingml/2006/main" xmlns:r="http://schemas.openxmlformats.org/officeDocument/2006/relationships" xmlns:p="http://schemas.openxmlformats.org/presentationml/2006/main">
   <p:cSld>
     <p:bg>
@@ -9824,7 +9723,7 @@
 </p:sld>
 </file>
 
-<file path=ppt/slides/slide15.xml><?xml version="1.0" encoding="utf-8"?>
+<file path=ppt/slides/slide16.xml><?xml version="1.0" encoding="utf-8"?>
 <p:sld xmlns:a="http://schemas.openxmlformats.org/drawingml/2006/main" xmlns:r="http://schemas.openxmlformats.org/officeDocument/2006/relationships" xmlns:p="http://schemas.openxmlformats.org/presentationml/2006/main">
   <p:cSld>
     <p:bg>
@@ -10292,7 +10191,7 @@
 </p:sld>
 </file>
 
-<file path=ppt/slides/slide16.xml><?xml version="1.0" encoding="utf-8"?>
+<file path=ppt/slides/slide17.xml><?xml version="1.0" encoding="utf-8"?>
 <p:sld xmlns:a="http://schemas.openxmlformats.org/drawingml/2006/main" xmlns:r="http://schemas.openxmlformats.org/officeDocument/2006/relationships" xmlns:p="http://schemas.openxmlformats.org/presentationml/2006/main">
   <p:cSld>
     <p:bg>
@@ -10749,10 +10648,710 @@
           </a:p>
         </p:txBody>
       </p:sp>
+      <p:sp>
+        <p:nvSpPr>
+          <p:cNvPr id="3" name="CuadroTexto 2">
+            <a:extLst>
+              <a:ext uri="{FF2B5EF4-FFF2-40B4-BE49-F238E27FC236}">
+                <a16:creationId xmlns:a16="http://schemas.microsoft.com/office/drawing/2014/main" id="{9DD900F0-F1C4-12B9-776F-5A8916557F81}"/>
+              </a:ext>
+            </a:extLst>
+          </p:cNvPr>
+          <p:cNvSpPr txBox="1"/>
+          <p:nvPr/>
+        </p:nvSpPr>
+        <p:spPr>
+          <a:xfrm>
+            <a:off x="496553" y="2984500"/>
+            <a:ext cx="3934731" cy="369332"/>
+          </a:xfrm>
+          <a:prstGeom prst="rect">
+            <a:avLst/>
+          </a:prstGeom>
+          <a:noFill/>
+        </p:spPr>
+        <p:txBody>
+          <a:bodyPr wrap="none" rtlCol="0">
+            <a:spAutoFit/>
+          </a:bodyPr>
+          <a:lstStyle/>
+          <a:p>
+            <a:pPr marL="342900" indent="-342900">
+              <a:buFont typeface="+mj-lt"/>
+              <a:buAutoNum type="arabicPeriod"/>
+            </a:pPr>
+            <a:r>
+              <a:rPr lang="es-VE" dirty="0"/>
+              <a:t>Configuración de Servicios y Tareas </a:t>
+            </a:r>
+          </a:p>
+        </p:txBody>
+      </p:sp>
+      <p:sp>
+        <p:nvSpPr>
+          <p:cNvPr id="4" name="CuadroTexto 3">
+            <a:extLst>
+              <a:ext uri="{FF2B5EF4-FFF2-40B4-BE49-F238E27FC236}">
+                <a16:creationId xmlns:a16="http://schemas.microsoft.com/office/drawing/2014/main" id="{679C6DC1-3D14-7CAD-99C2-C123248EE9C4}"/>
+              </a:ext>
+            </a:extLst>
+          </p:cNvPr>
+          <p:cNvSpPr txBox="1"/>
+          <p:nvPr/>
+        </p:nvSpPr>
+        <p:spPr>
+          <a:xfrm>
+            <a:off x="771154" y="3538788"/>
+            <a:ext cx="5550929" cy="1169551"/>
+          </a:xfrm>
+          <a:prstGeom prst="rect">
+            <a:avLst/>
+          </a:prstGeom>
+          <a:solidFill>
+            <a:schemeClr val="accent2"/>
+          </a:solidFill>
+          <a:ln>
+            <a:solidFill>
+              <a:srgbClr val="C00000"/>
+            </a:solidFill>
+          </a:ln>
+        </p:spPr>
+        <p:txBody>
+          <a:bodyPr wrap="square" rtlCol="0">
+            <a:spAutoFit/>
+          </a:bodyPr>
+          <a:lstStyle/>
+          <a:p>
+            <a:pPr algn="just"/>
+            <a:r>
+              <a:rPr lang="es-VE" sz="1400" dirty="0">
+                <a:solidFill>
+                  <a:schemeClr val="bg1"/>
+                </a:solidFill>
+              </a:rPr>
+              <a:t>En la carpeta de los archivos y ejecutables del sistema se encuentra la carpeta </a:t>
+            </a:r>
+            <a:r>
+              <a:rPr lang="es-VE" sz="1400" b="1" dirty="0" err="1">
+                <a:solidFill>
+                  <a:schemeClr val="bg1"/>
+                </a:solidFill>
+              </a:rPr>
+              <a:t>service</a:t>
+            </a:r>
+            <a:r>
+              <a:rPr lang="es-VE" sz="1400" dirty="0">
+                <a:solidFill>
+                  <a:schemeClr val="bg1"/>
+                </a:solidFill>
+              </a:rPr>
+              <a:t>, dentro se encuentra un archivo </a:t>
+            </a:r>
+            <a:r>
+              <a:rPr lang="es-VE" sz="1400" b="1" dirty="0">
+                <a:solidFill>
+                  <a:schemeClr val="bg1"/>
+                </a:solidFill>
+              </a:rPr>
+              <a:t>queue-worker.bat,</a:t>
+            </a:r>
+            <a:r>
+              <a:rPr lang="es-VE" sz="1400" dirty="0">
+                <a:solidFill>
+                  <a:schemeClr val="bg1"/>
+                </a:solidFill>
+              </a:rPr>
+              <a:t> Con el creador de servicios NSSM se deben hacer las configuraciones correspondientes para que este archivo se convierta en un servicio del servidor.  </a:t>
+            </a:r>
+          </a:p>
+        </p:txBody>
+      </p:sp>
+      <p:sp>
+        <p:nvSpPr>
+          <p:cNvPr id="5" name="CuadroTexto 4">
+            <a:extLst>
+              <a:ext uri="{FF2B5EF4-FFF2-40B4-BE49-F238E27FC236}">
+                <a16:creationId xmlns:a16="http://schemas.microsoft.com/office/drawing/2014/main" id="{BCA869FC-9666-714A-4A11-20E0CADBF734}"/>
+              </a:ext>
+            </a:extLst>
+          </p:cNvPr>
+          <p:cNvSpPr txBox="1"/>
+          <p:nvPr/>
+        </p:nvSpPr>
+        <p:spPr>
+          <a:xfrm>
+            <a:off x="756000" y="5520557"/>
+            <a:ext cx="5550929" cy="738664"/>
+          </a:xfrm>
+          <a:prstGeom prst="rect">
+            <a:avLst/>
+          </a:prstGeom>
+          <a:solidFill>
+            <a:schemeClr val="accent2"/>
+          </a:solidFill>
+          <a:ln>
+            <a:solidFill>
+              <a:srgbClr val="C00000"/>
+            </a:solidFill>
+          </a:ln>
+        </p:spPr>
+        <p:txBody>
+          <a:bodyPr wrap="square" rtlCol="0">
+            <a:spAutoFit/>
+          </a:bodyPr>
+          <a:lstStyle/>
+          <a:p>
+            <a:pPr algn="just"/>
+            <a:r>
+              <a:rPr lang="es-VE" sz="1400" dirty="0">
+                <a:solidFill>
+                  <a:schemeClr val="bg1"/>
+                </a:solidFill>
+              </a:rPr>
+              <a:t>Con el programador de tareas Windows se debe programar un comando para que limpie la tabla </a:t>
+            </a:r>
+            <a:r>
+              <a:rPr lang="es-VE" sz="1400" b="1" dirty="0" err="1">
+                <a:solidFill>
+                  <a:schemeClr val="bg1"/>
+                </a:solidFill>
+              </a:rPr>
+              <a:t>activity_log</a:t>
+            </a:r>
+            <a:r>
+              <a:rPr lang="es-VE" sz="1400" b="1" dirty="0">
+                <a:solidFill>
+                  <a:schemeClr val="bg1"/>
+                </a:solidFill>
+              </a:rPr>
+              <a:t> </a:t>
+            </a:r>
+            <a:r>
+              <a:rPr lang="es-VE" sz="1400" dirty="0">
+                <a:solidFill>
+                  <a:schemeClr val="bg1"/>
+                </a:solidFill>
+              </a:rPr>
+              <a:t>de la base de datos, para registros que tienen mas de 90 días.  </a:t>
+            </a:r>
+          </a:p>
+        </p:txBody>
+      </p:sp>
+      <p:sp>
+        <p:nvSpPr>
+          <p:cNvPr id="6" name="CuadroTexto 5">
+            <a:extLst>
+              <a:ext uri="{FF2B5EF4-FFF2-40B4-BE49-F238E27FC236}">
+                <a16:creationId xmlns:a16="http://schemas.microsoft.com/office/drawing/2014/main" id="{CFA41DC9-2D83-D234-65D1-F76FBC701E65}"/>
+              </a:ext>
+            </a:extLst>
+          </p:cNvPr>
+          <p:cNvSpPr txBox="1"/>
+          <p:nvPr/>
+        </p:nvSpPr>
+        <p:spPr>
+          <a:xfrm>
+            <a:off x="771154" y="6702107"/>
+            <a:ext cx="5550929" cy="523220"/>
+          </a:xfrm>
+          <a:prstGeom prst="rect">
+            <a:avLst/>
+          </a:prstGeom>
+          <a:solidFill>
+            <a:schemeClr val="accent2"/>
+          </a:solidFill>
+          <a:ln>
+            <a:solidFill>
+              <a:srgbClr val="C00000"/>
+            </a:solidFill>
+          </a:ln>
+        </p:spPr>
+        <p:txBody>
+          <a:bodyPr wrap="square" rtlCol="0">
+            <a:spAutoFit/>
+          </a:bodyPr>
+          <a:lstStyle/>
+          <a:p>
+            <a:pPr algn="just"/>
+            <a:r>
+              <a:rPr lang="es-VE" sz="1400" dirty="0">
+                <a:solidFill>
+                  <a:schemeClr val="bg1"/>
+                </a:solidFill>
+              </a:rPr>
+              <a:t>Con el programador de tareas Windows se debe programar un comando para que limpie el archivo Laravel.log para evitar el desbordes de datos.   </a:t>
+            </a:r>
+          </a:p>
+        </p:txBody>
+      </p:sp>
     </p:spTree>
     <p:extLst>
       <p:ext uri="{BB962C8B-B14F-4D97-AF65-F5344CB8AC3E}">
         <p14:creationId xmlns:p14="http://schemas.microsoft.com/office/powerpoint/2010/main" val="3004270168"/>
+      </p:ext>
+    </p:extLst>
+  </p:cSld>
+  <p:clrMapOvr>
+    <a:masterClrMapping/>
+  </p:clrMapOvr>
+</p:sld>
+</file>
+
+<file path=ppt/slides/slide18.xml><?xml version="1.0" encoding="utf-8"?>
+<p:sld xmlns:a="http://schemas.openxmlformats.org/drawingml/2006/main" xmlns:r="http://schemas.openxmlformats.org/officeDocument/2006/relationships" xmlns:p="http://schemas.openxmlformats.org/presentationml/2006/main">
+  <p:cSld>
+    <p:bg>
+      <p:bgPr>
+        <a:solidFill>
+          <a:srgbClr val="F7F5F2"/>
+        </a:solidFill>
+        <a:effectLst/>
+      </p:bgPr>
+    </p:bg>
+    <p:spTree>
+      <p:nvGrpSpPr>
+        <p:cNvPr id="1" name="">
+          <a:extLst>
+            <a:ext uri="{FF2B5EF4-FFF2-40B4-BE49-F238E27FC236}">
+              <a16:creationId xmlns:a16="http://schemas.microsoft.com/office/drawing/2014/main" id="{CC20BF0F-F981-44A5-D6AE-96B6B818B02B}"/>
+            </a:ext>
+          </a:extLst>
+        </p:cNvPr>
+        <p:cNvGrpSpPr/>
+        <p:nvPr/>
+      </p:nvGrpSpPr>
+      <p:grpSpPr>
+        <a:xfrm>
+          <a:off x="0" y="0"/>
+          <a:ext cx="0" cy="0"/>
+          <a:chOff x="0" y="0"/>
+          <a:chExt cx="0" cy="0"/>
+        </a:xfrm>
+      </p:grpSpPr>
+      <p:sp>
+        <p:nvSpPr>
+          <p:cNvPr id="7" name="Freeform 7">
+            <a:extLst>
+              <a:ext uri="{FF2B5EF4-FFF2-40B4-BE49-F238E27FC236}">
+                <a16:creationId xmlns:a16="http://schemas.microsoft.com/office/drawing/2014/main" id="{C8634F39-2C88-9170-1098-828A3F255F25}"/>
+              </a:ext>
+            </a:extLst>
+          </p:cNvPr>
+          <p:cNvSpPr/>
+          <p:nvPr/>
+        </p:nvSpPr>
+        <p:spPr>
+          <a:xfrm rot="5400000">
+            <a:off x="5789382" y="-1598340"/>
+            <a:ext cx="2362194" cy="3049781"/>
+          </a:xfrm>
+          <a:custGeom>
+            <a:avLst/>
+            <a:gdLst/>
+            <a:ahLst/>
+            <a:cxnLst/>
+            <a:rect l="l" t="t" r="r" b="b"/>
+            <a:pathLst>
+              <a:path w="2362194" h="3049781">
+                <a:moveTo>
+                  <a:pt x="0" y="0"/>
+                </a:moveTo>
+                <a:lnTo>
+                  <a:pt x="2362194" y="0"/>
+                </a:lnTo>
+                <a:lnTo>
+                  <a:pt x="2362194" y="3049782"/>
+                </a:lnTo>
+                <a:lnTo>
+                  <a:pt x="0" y="3049782"/>
+                </a:lnTo>
+                <a:lnTo>
+                  <a:pt x="0" y="0"/>
+                </a:lnTo>
+                <a:close/>
+              </a:path>
+            </a:pathLst>
+          </a:custGeom>
+          <a:blipFill>
+            <a:blip r:embed="rId3">
+              <a:extLst>
+                <a:ext uri="{96DAC541-7B7A-43D3-8B79-37D633B846F1}">
+                  <asvg:svgBlip xmlns:asvg="http://schemas.microsoft.com/office/drawing/2016/SVG/main" r:embed="rId4"/>
+                </a:ext>
+              </a:extLst>
+            </a:blip>
+            <a:stretch>
+              <a:fillRect/>
+            </a:stretch>
+          </a:blipFill>
+        </p:spPr>
+      </p:sp>
+      <p:sp>
+        <p:nvSpPr>
+          <p:cNvPr id="8" name="Freeform 8">
+            <a:extLst>
+              <a:ext uri="{FF2B5EF4-FFF2-40B4-BE49-F238E27FC236}">
+                <a16:creationId xmlns:a16="http://schemas.microsoft.com/office/drawing/2014/main" id="{485E20BE-866C-3076-A86E-FB1DD390A5C7}"/>
+              </a:ext>
+            </a:extLst>
+          </p:cNvPr>
+          <p:cNvSpPr/>
+          <p:nvPr/>
+        </p:nvSpPr>
+        <p:spPr>
+          <a:xfrm rot="5400000">
+            <a:off x="2595895" y="-1598340"/>
+            <a:ext cx="2362194" cy="3049781"/>
+          </a:xfrm>
+          <a:custGeom>
+            <a:avLst/>
+            <a:gdLst/>
+            <a:ahLst/>
+            <a:cxnLst/>
+            <a:rect l="l" t="t" r="r" b="b"/>
+            <a:pathLst>
+              <a:path w="2362194" h="3049781">
+                <a:moveTo>
+                  <a:pt x="0" y="0"/>
+                </a:moveTo>
+                <a:lnTo>
+                  <a:pt x="2362194" y="0"/>
+                </a:lnTo>
+                <a:lnTo>
+                  <a:pt x="2362194" y="3049782"/>
+                </a:lnTo>
+                <a:lnTo>
+                  <a:pt x="0" y="3049782"/>
+                </a:lnTo>
+                <a:lnTo>
+                  <a:pt x="0" y="0"/>
+                </a:lnTo>
+                <a:close/>
+              </a:path>
+            </a:pathLst>
+          </a:custGeom>
+          <a:blipFill>
+            <a:blip r:embed="rId3">
+              <a:extLst>
+                <a:ext uri="{96DAC541-7B7A-43D3-8B79-37D633B846F1}">
+                  <asvg:svgBlip xmlns:asvg="http://schemas.microsoft.com/office/drawing/2016/SVG/main" r:embed="rId4"/>
+                </a:ext>
+              </a:extLst>
+            </a:blip>
+            <a:stretch>
+              <a:fillRect/>
+            </a:stretch>
+          </a:blipFill>
+        </p:spPr>
+      </p:sp>
+      <p:sp>
+        <p:nvSpPr>
+          <p:cNvPr id="9" name="Freeform 9">
+            <a:extLst>
+              <a:ext uri="{FF2B5EF4-FFF2-40B4-BE49-F238E27FC236}">
+                <a16:creationId xmlns:a16="http://schemas.microsoft.com/office/drawing/2014/main" id="{D602ED6B-74FB-B05A-DA56-B75C357D7DA2}"/>
+              </a:ext>
+            </a:extLst>
+          </p:cNvPr>
+          <p:cNvSpPr/>
+          <p:nvPr/>
+        </p:nvSpPr>
+        <p:spPr>
+          <a:xfrm rot="5400000">
+            <a:off x="-591576" y="-1598340"/>
+            <a:ext cx="2362194" cy="3049781"/>
+          </a:xfrm>
+          <a:custGeom>
+            <a:avLst/>
+            <a:gdLst/>
+            <a:ahLst/>
+            <a:cxnLst/>
+            <a:rect l="l" t="t" r="r" b="b"/>
+            <a:pathLst>
+              <a:path w="2362194" h="3049781">
+                <a:moveTo>
+                  <a:pt x="0" y="0"/>
+                </a:moveTo>
+                <a:lnTo>
+                  <a:pt x="2362194" y="0"/>
+                </a:lnTo>
+                <a:lnTo>
+                  <a:pt x="2362194" y="3049782"/>
+                </a:lnTo>
+                <a:lnTo>
+                  <a:pt x="0" y="3049782"/>
+                </a:lnTo>
+                <a:lnTo>
+                  <a:pt x="0" y="0"/>
+                </a:lnTo>
+                <a:close/>
+              </a:path>
+            </a:pathLst>
+          </a:custGeom>
+          <a:blipFill>
+            <a:blip r:embed="rId3">
+              <a:extLst>
+                <a:ext uri="{96DAC541-7B7A-43D3-8B79-37D633B846F1}">
+                  <asvg:svgBlip xmlns:asvg="http://schemas.microsoft.com/office/drawing/2016/SVG/main" r:embed="rId4"/>
+                </a:ext>
+              </a:extLst>
+            </a:blip>
+            <a:stretch>
+              <a:fillRect/>
+            </a:stretch>
+          </a:blipFill>
+        </p:spPr>
+      </p:sp>
+      <p:sp>
+        <p:nvSpPr>
+          <p:cNvPr id="10" name="AutoShape 10">
+            <a:extLst>
+              <a:ext uri="{FF2B5EF4-FFF2-40B4-BE49-F238E27FC236}">
+                <a16:creationId xmlns:a16="http://schemas.microsoft.com/office/drawing/2014/main" id="{9AC63FC4-EE96-8590-A1A7-5D6B20D3A2E7}"/>
+              </a:ext>
+            </a:extLst>
+          </p:cNvPr>
+          <p:cNvSpPr/>
+          <p:nvPr/>
+        </p:nvSpPr>
+        <p:spPr>
+          <a:xfrm>
+            <a:off x="756000" y="9931238"/>
+            <a:ext cx="6048000" cy="0"/>
+          </a:xfrm>
+          <a:prstGeom prst="line">
+            <a:avLst/>
+          </a:prstGeom>
+          <a:ln w="9525" cap="flat">
+            <a:solidFill>
+              <a:srgbClr val="000000"/>
+            </a:solidFill>
+            <a:prstDash val="solid"/>
+            <a:headEnd type="none" w="sm" len="sm"/>
+            <a:tailEnd type="none" w="sm" len="sm"/>
+          </a:ln>
+        </p:spPr>
+      </p:sp>
+      <p:sp>
+        <p:nvSpPr>
+          <p:cNvPr id="12" name="TextBox 12">
+            <a:extLst>
+              <a:ext uri="{FF2B5EF4-FFF2-40B4-BE49-F238E27FC236}">
+                <a16:creationId xmlns:a16="http://schemas.microsoft.com/office/drawing/2014/main" id="{934CFD5A-3596-1A72-898F-CDE4F85678D9}"/>
+              </a:ext>
+            </a:extLst>
+          </p:cNvPr>
+          <p:cNvSpPr txBox="1"/>
+          <p:nvPr/>
+        </p:nvSpPr>
+        <p:spPr>
+          <a:xfrm>
+            <a:off x="756000" y="10084923"/>
+            <a:ext cx="2107850" cy="185500"/>
+          </a:xfrm>
+          <a:prstGeom prst="rect">
+            <a:avLst/>
+          </a:prstGeom>
+        </p:spPr>
+        <p:txBody>
+          <a:bodyPr wrap="square" lIns="0" tIns="0" rIns="0" bIns="0" rtlCol="0" anchor="t">
+            <a:spAutoFit/>
+          </a:bodyPr>
+          <a:lstStyle/>
+          <a:p>
+            <a:pPr>
+              <a:lnSpc>
+                <a:spcPts val="1599"/>
+              </a:lnSpc>
+            </a:pPr>
+            <a:r>
+              <a:rPr lang="en-US" sz="999" dirty="0" err="1">
+                <a:solidFill>
+                  <a:srgbClr val="222525"/>
+                </a:solidFill>
+                <a:latin typeface="Montserrat"/>
+                <a:ea typeface="Montserrat"/>
+                <a:cs typeface="Montserrat"/>
+                <a:sym typeface="Montserrat"/>
+              </a:rPr>
+              <a:t>Configuraciones</a:t>
+            </a:r>
+            <a:r>
+              <a:rPr lang="en-US" sz="999" dirty="0">
+                <a:solidFill>
+                  <a:srgbClr val="222525"/>
+                </a:solidFill>
+                <a:latin typeface="Montserrat"/>
+                <a:ea typeface="Montserrat"/>
+                <a:cs typeface="Montserrat"/>
+                <a:sym typeface="Montserrat"/>
+              </a:rPr>
+              <a:t> de </a:t>
+            </a:r>
+            <a:r>
+              <a:rPr lang="en-US" sz="999" dirty="0" err="1">
+                <a:solidFill>
+                  <a:srgbClr val="222525"/>
+                </a:solidFill>
+                <a:latin typeface="Montserrat"/>
+                <a:ea typeface="Montserrat"/>
+                <a:cs typeface="Montserrat"/>
+                <a:sym typeface="Montserrat"/>
+              </a:rPr>
+              <a:t>Despliegue</a:t>
+            </a:r>
+            <a:r>
+              <a:rPr lang="en-US" sz="999" dirty="0">
+                <a:solidFill>
+                  <a:srgbClr val="222525"/>
+                </a:solidFill>
+                <a:latin typeface="Montserrat"/>
+                <a:ea typeface="Montserrat"/>
+                <a:cs typeface="Montserrat"/>
+                <a:sym typeface="Montserrat"/>
+              </a:rPr>
+              <a:t> </a:t>
+            </a:r>
+          </a:p>
+        </p:txBody>
+      </p:sp>
+      <p:sp>
+        <p:nvSpPr>
+          <p:cNvPr id="13" name="TextBox 13">
+            <a:extLst>
+              <a:ext uri="{FF2B5EF4-FFF2-40B4-BE49-F238E27FC236}">
+                <a16:creationId xmlns:a16="http://schemas.microsoft.com/office/drawing/2014/main" id="{1A53AEF2-B85D-2AE6-A2A9-C1ECD223862E}"/>
+              </a:ext>
+            </a:extLst>
+          </p:cNvPr>
+          <p:cNvSpPr txBox="1"/>
+          <p:nvPr/>
+        </p:nvSpPr>
+        <p:spPr>
+          <a:xfrm>
+            <a:off x="5061670" y="10084923"/>
+            <a:ext cx="1742330" cy="187325"/>
+          </a:xfrm>
+          <a:prstGeom prst="rect">
+            <a:avLst/>
+          </a:prstGeom>
+        </p:spPr>
+        <p:txBody>
+          <a:bodyPr lIns="0" tIns="0" rIns="0" bIns="0" rtlCol="0" anchor="t">
+            <a:spAutoFit/>
+          </a:bodyPr>
+          <a:lstStyle/>
+          <a:p>
+            <a:pPr algn="r">
+              <a:lnSpc>
+                <a:spcPts val="1599"/>
+              </a:lnSpc>
+            </a:pPr>
+            <a:r>
+              <a:rPr lang="en-US" sz="999" dirty="0">
+                <a:solidFill>
+                  <a:srgbClr val="222525"/>
+                </a:solidFill>
+                <a:latin typeface="Montserrat"/>
+                <a:ea typeface="Montserrat"/>
+                <a:cs typeface="Montserrat"/>
+                <a:sym typeface="Montserrat"/>
+              </a:rPr>
+              <a:t>16</a:t>
+            </a:r>
+          </a:p>
+        </p:txBody>
+      </p:sp>
+      <p:sp>
+        <p:nvSpPr>
+          <p:cNvPr id="3" name="CuadroTexto 2">
+            <a:extLst>
+              <a:ext uri="{FF2B5EF4-FFF2-40B4-BE49-F238E27FC236}">
+                <a16:creationId xmlns:a16="http://schemas.microsoft.com/office/drawing/2014/main" id="{3B523DC7-7E5F-C1B7-0F7E-90ED57D4987F}"/>
+              </a:ext>
+            </a:extLst>
+          </p:cNvPr>
+          <p:cNvSpPr txBox="1"/>
+          <p:nvPr/>
+        </p:nvSpPr>
+        <p:spPr>
+          <a:xfrm>
+            <a:off x="425450" y="1367191"/>
+            <a:ext cx="3124381" cy="369332"/>
+          </a:xfrm>
+          <a:prstGeom prst="rect">
+            <a:avLst/>
+          </a:prstGeom>
+          <a:noFill/>
+        </p:spPr>
+        <p:txBody>
+          <a:bodyPr wrap="none" rtlCol="0">
+            <a:spAutoFit/>
+          </a:bodyPr>
+          <a:lstStyle/>
+          <a:p>
+            <a:pPr marL="342900" indent="-342900">
+              <a:buFont typeface="+mj-lt"/>
+              <a:buAutoNum type="arabicPeriod"/>
+            </a:pPr>
+            <a:r>
+              <a:rPr lang="es-VE" dirty="0"/>
+              <a:t>Componentes y Estándares </a:t>
+            </a:r>
+          </a:p>
+        </p:txBody>
+      </p:sp>
+      <p:sp>
+        <p:nvSpPr>
+          <p:cNvPr id="4" name="CuadroTexto 3">
+            <a:extLst>
+              <a:ext uri="{FF2B5EF4-FFF2-40B4-BE49-F238E27FC236}">
+                <a16:creationId xmlns:a16="http://schemas.microsoft.com/office/drawing/2014/main" id="{D47A0F8C-C562-AC70-480E-33F36AE6EEA3}"/>
+              </a:ext>
+            </a:extLst>
+          </p:cNvPr>
+          <p:cNvSpPr txBox="1"/>
+          <p:nvPr/>
+        </p:nvSpPr>
+        <p:spPr>
+          <a:xfrm>
+            <a:off x="774366" y="1983366"/>
+            <a:ext cx="5550929" cy="523220"/>
+          </a:xfrm>
+          <a:prstGeom prst="rect">
+            <a:avLst/>
+          </a:prstGeom>
+          <a:solidFill>
+            <a:schemeClr val="accent2"/>
+          </a:solidFill>
+          <a:ln>
+            <a:solidFill>
+              <a:srgbClr val="C00000"/>
+            </a:solidFill>
+          </a:ln>
+        </p:spPr>
+        <p:txBody>
+          <a:bodyPr wrap="square" rtlCol="0">
+            <a:spAutoFit/>
+          </a:bodyPr>
+          <a:lstStyle/>
+          <a:p>
+            <a:pPr algn="just"/>
+            <a:r>
+              <a:rPr lang="es-VE" sz="1400" dirty="0">
+                <a:solidFill>
+                  <a:schemeClr val="bg1"/>
+                </a:solidFill>
+              </a:rPr>
+              <a:t>Previamente instalado todos las tecnologías se deber hacer las configuraciones para que el sistema este en producción. </a:t>
+            </a:r>
+          </a:p>
+        </p:txBody>
+      </p:sp>
+    </p:spTree>
+    <p:extLst>
+      <p:ext uri="{BB962C8B-B14F-4D97-AF65-F5344CB8AC3E}">
+        <p14:creationId xmlns:p14="http://schemas.microsoft.com/office/powerpoint/2010/main" val="3630713883"/>
       </p:ext>
     </p:extLst>
   </p:cSld>
@@ -13109,7 +13708,7 @@
             </a:pPr>
             <a:r>
               <a:rPr lang="es-VE" sz="1400" dirty="0"/>
-              <a:t>Diagrama de Casos de Uso    …………………………………………………………………………………      6</a:t>
+              <a:t>Diagrama de Casos de Uso    …………………………………………………………………………………     6</a:t>
             </a:r>
           </a:p>
           <a:p>
@@ -13119,7 +13718,7 @@
             </a:pPr>
             <a:r>
               <a:rPr lang="es-VE" sz="1400" dirty="0"/>
-              <a:t>Diagrama de Flujo de Datos   …………………………………………………………………………………     7</a:t>
+              <a:t>Diagrama de Flujo de Datos   …………………………………………………………………………………    7</a:t>
             </a:r>
           </a:p>
           <a:p>
@@ -13129,7 +13728,7 @@
             </a:pPr>
             <a:r>
               <a:rPr lang="es-VE" sz="1400" dirty="0"/>
-              <a:t>Diagrama Modelo Entidad Relación   …………………………………………………………………….     7    </a:t>
+              <a:t>Diagrama Modelo Entidad Relación   …………………………………………………………………….    7    </a:t>
             </a:r>
           </a:p>
           <a:p>
@@ -13151,7 +13750,7 @@
         </p:nvSpPr>
         <p:spPr>
           <a:xfrm>
-            <a:off x="589521" y="3736687"/>
+            <a:off x="589519" y="3686250"/>
             <a:ext cx="2717450" cy="894027"/>
           </a:xfrm>
           <a:prstGeom prst="rect">
@@ -13233,8 +13832,8 @@
         </p:nvSpPr>
         <p:spPr>
           <a:xfrm>
-            <a:off x="589520" y="4100833"/>
-            <a:ext cx="6846330" cy="1600438"/>
+            <a:off x="589519" y="3972451"/>
+            <a:ext cx="6727159" cy="1815882"/>
           </a:xfrm>
           <a:prstGeom prst="rect">
             <a:avLst/>
@@ -13253,7 +13852,7 @@
             </a:pPr>
             <a:r>
               <a:rPr lang="es-VE" sz="1400" dirty="0"/>
-              <a:t>Lenguaje y Framework   ..………………………………………………………………………………………..   5</a:t>
+              <a:t>Lenguaje y Framework   .………………………………………………………………………………………..    5</a:t>
             </a:r>
           </a:p>
           <a:p>
@@ -13263,7 +13862,7 @@
             </a:pPr>
             <a:r>
               <a:rPr lang="es-VE" sz="1400" dirty="0"/>
-              <a:t>Manejador de Base de Datos   .……………………………………………………………………………….    5</a:t>
+              <a:t>Manejador de Base de Datos   ……………………………………………………………………………….    5</a:t>
             </a:r>
           </a:p>
           <a:p>
@@ -13273,7 +13872,7 @@
             </a:pPr>
             <a:r>
               <a:rPr lang="es-VE" sz="1400" dirty="0"/>
-              <a:t>Entornos de Desarrollo   ..………………………………………………………………………………………..   5</a:t>
+              <a:t>Entornos de Desarrollo   ………………………………………………………………………………………..    5</a:t>
             </a:r>
           </a:p>
           <a:p>
@@ -13283,7 +13882,7 @@
             </a:pPr>
             <a:r>
               <a:rPr lang="es-VE" sz="1400" dirty="0"/>
-              <a:t>Gestor de Dependencias   ..……………………………………………………………………………………..   5</a:t>
+              <a:t>Gestor de Dependencias   ……………………………………………………………………………………..    5</a:t>
             </a:r>
           </a:p>
           <a:p>
@@ -13293,7 +13892,17 @@
             </a:pPr>
             <a:r>
               <a:rPr lang="es-VE" sz="1400" dirty="0"/>
-              <a:t>Creador de Servicios   ..…………………………………………………………………………………………...   5</a:t>
+              <a:t>Creador de Servicios   …………………………………………………………………………………………...    5</a:t>
+            </a:r>
+          </a:p>
+          <a:p>
+            <a:pPr marL="342900" indent="-342900">
+              <a:buFont typeface="+mj-lt"/>
+              <a:buAutoNum type="arabicPeriod"/>
+            </a:pPr>
+            <a:r>
+              <a:rPr lang="es-VE" sz="1400" dirty="0"/>
+              <a:t>Editor de código fuente   ……………………………………………………………………………………….    5</a:t>
             </a:r>
           </a:p>
           <a:p>
@@ -13413,7 +14022,7 @@
             </a:pPr>
             <a:r>
               <a:rPr lang="es-VE" sz="1400" dirty="0"/>
-              <a:t>Estructura de Carpetas   ………………………………………………………………………………………..      8</a:t>
+              <a:t>Estructura de Carpetas   ………………………………………………………………………………………..   8</a:t>
             </a:r>
           </a:p>
           <a:p>
@@ -13423,7 +14032,7 @@
             </a:pPr>
             <a:r>
               <a:rPr lang="es-VE" sz="1400" dirty="0"/>
-              <a:t>Diccionario de Datos   ……………………………………………………………………………………………    10</a:t>
+              <a:t>Diccionario de Datos   ……………………………………………………………………………………………   10</a:t>
             </a:r>
           </a:p>
           <a:p>
@@ -13438,7 +14047,7 @@
             </a:r>
             <a:r>
               <a:rPr lang="es-VE" sz="1400" dirty="0"/>
-              <a:t>   ……………………………………………………………………………………………………………….   10 </a:t>
+              <a:t>  ……………………………………………………………………………………………………………….   10 </a:t>
             </a:r>
           </a:p>
           <a:p>
@@ -13461,7 +14070,7 @@
             </a:r>
             <a:r>
               <a:rPr lang="es-VE" sz="1400" dirty="0"/>
-              <a:t>   ………………………………………………………………………………………..    11</a:t>
+              <a:t>   ………………………………………………………………………………………..   11</a:t>
             </a:r>
           </a:p>
           <a:p>
@@ -13476,7 +14085,7 @@
             </a:r>
             <a:r>
               <a:rPr lang="es-VE" sz="1400" dirty="0"/>
-              <a:t>   ………………………………………………………………………………….    12</a:t>
+              <a:t>   ………………………………………………………………………………….   12</a:t>
             </a:r>
           </a:p>
           <a:p>
@@ -13499,7 +14108,7 @@
             </a:r>
             <a:r>
               <a:rPr lang="es-VE" sz="1400" dirty="0"/>
-              <a:t>   ………………………………………………………………………………………….    13 </a:t>
+              <a:t>   ………………………………………………………………………………………….   13 </a:t>
             </a:r>
           </a:p>
           <a:p>
@@ -13625,7 +14234,7 @@
         <p:spPr>
           <a:xfrm>
             <a:off x="629595" y="8900289"/>
-            <a:ext cx="7111055" cy="954107"/>
+            <a:ext cx="6727159" cy="954107"/>
           </a:xfrm>
           <a:prstGeom prst="rect">
             <a:avLst/>
@@ -13644,7 +14253,7 @@
             </a:pPr>
             <a:r>
               <a:rPr lang="es-VE" sz="1400" dirty="0"/>
-              <a:t>Configuración de Servicios   ……………………………………………………………………………………</a:t>
+              <a:t>Configuración de Servicios y Tareas  ……………………………………………………………………….    5</a:t>
             </a:r>
           </a:p>
           <a:p>
@@ -13654,7 +14263,7 @@
             </a:pPr>
             <a:r>
               <a:rPr lang="es-VE" sz="1400" dirty="0"/>
-              <a:t>Componentes y estándares   ………………………………………………………………………………….. </a:t>
+              <a:t>Componentes y Estándares   ………………………………………………………………………………….. </a:t>
             </a:r>
           </a:p>
           <a:p>
@@ -14323,7 +14932,7 @@
               <a:t>Nota: </a:t>
             </a:r>
             <a:r>
-              <a:rPr lang="es-VE" sz="1400" b="1" dirty="0"/>
+              <a:rPr lang="es-VE" sz="1400" dirty="0"/>
               <a:t>Es clave destacar que los requerimientos descritos son los mínimos para la ejecución del sistema, pero debe se tomar en consideración si las exigencias en su entorno de producción crecen, de ser asi se deben hacer los ajustes necesarios.</a:t>
             </a:r>
           </a:p>
@@ -14550,7 +15159,7 @@
         </p:nvSpPr>
         <p:spPr>
           <a:xfrm>
-            <a:off x="462292" y="1460500"/>
+            <a:off x="425450" y="1261332"/>
             <a:ext cx="6056643" cy="660181"/>
           </a:xfrm>
           <a:prstGeom prst="rect">
@@ -14722,14 +15331,14 @@
           <p:nvPr>
             <p:extLst>
               <p:ext uri="{D42A27DB-BD31-4B8C-83A1-F6EECF244321}">
-                <p14:modId xmlns:p14="http://schemas.microsoft.com/office/powerpoint/2010/main" val="2267418518"/>
+                <p14:modId xmlns:p14="http://schemas.microsoft.com/office/powerpoint/2010/main" val="1756175105"/>
               </p:ext>
             </p:extLst>
           </p:nvPr>
         </p:nvGraphicFramePr>
         <p:xfrm>
-          <a:off x="742646" y="2648107"/>
-          <a:ext cx="6056644" cy="6859113"/>
+          <a:off x="920954" y="1921513"/>
+          <a:ext cx="5712076" cy="7392264"/>
         </p:xfrm>
         <a:graphic>
           <a:graphicData uri="http://schemas.openxmlformats.org/drawingml/2006/table">
@@ -14738,28 +15347,28 @@
                 <a:tableStyleId>{284E427A-3D55-4303-BF80-6455036E1DE7}</a:tableStyleId>
               </a:tblPr>
               <a:tblGrid>
-                <a:gridCol w="1514161">
+                <a:gridCol w="1428019">
                   <a:extLst>
                     <a:ext uri="{9D8B030D-6E8A-4147-A177-3AD203B41FA5}">
                       <a16:colId xmlns:a16="http://schemas.microsoft.com/office/drawing/2014/main" val="3433899914"/>
                     </a:ext>
                   </a:extLst>
                 </a:gridCol>
-                <a:gridCol w="1514161">
+                <a:gridCol w="1428019">
                   <a:extLst>
                     <a:ext uri="{9D8B030D-6E8A-4147-A177-3AD203B41FA5}">
                       <a16:colId xmlns:a16="http://schemas.microsoft.com/office/drawing/2014/main" val="239841859"/>
                     </a:ext>
                   </a:extLst>
                 </a:gridCol>
-                <a:gridCol w="1514161">
+                <a:gridCol w="1428019">
                   <a:extLst>
                     <a:ext uri="{9D8B030D-6E8A-4147-A177-3AD203B41FA5}">
                       <a16:colId xmlns:a16="http://schemas.microsoft.com/office/drawing/2014/main" val="912615957"/>
                     </a:ext>
                   </a:extLst>
                 </a:gridCol>
-                <a:gridCol w="1514161">
+                <a:gridCol w="1428019">
                   <a:extLst>
                     <a:ext uri="{9D8B030D-6E8A-4147-A177-3AD203B41FA5}">
                       <a16:colId xmlns:a16="http://schemas.microsoft.com/office/drawing/2014/main" val="2810730380"/>
@@ -14767,7 +15376,7 @@
                   </a:extLst>
                 </a:gridCol>
               </a:tblGrid>
-              <a:tr h="620000">
+              <a:tr h="665826">
                 <a:tc>
                   <a:txBody>
                     <a:bodyPr/>
@@ -14827,7 +15436,7 @@
                   </a:ext>
                 </a:extLst>
               </a:tr>
-              <a:tr h="352171">
+              <a:tr h="334481">
                 <a:tc>
                   <a:txBody>
                     <a:bodyPr/>
@@ -14835,7 +15444,7 @@
                     <a:p>
                       <a:pPr algn="ctr"/>
                       <a:r>
-                        <a:rPr lang="es-VE" b="1" dirty="0"/>
+                        <a:rPr lang="es-VE" sz="1600" b="1" dirty="0"/>
                         <a:t>1.</a:t>
                       </a:r>
                     </a:p>
@@ -14849,7 +15458,7 @@
                     <a:p>
                       <a:pPr algn="ctr"/>
                       <a:r>
-                        <a:rPr lang="es-VE" b="0" dirty="0"/>
+                        <a:rPr lang="es-VE" sz="1600" b="0" dirty="0"/>
                         <a:t>Lenguaje </a:t>
                       </a:r>
                     </a:p>
@@ -14863,7 +15472,7 @@
                     <a:p>
                       <a:pPr algn="ctr"/>
                       <a:r>
-                        <a:rPr lang="es-VE" b="0" dirty="0"/>
+                        <a:rPr lang="es-VE" sz="1600" b="0" dirty="0"/>
                         <a:t>PHP</a:t>
                       </a:r>
                     </a:p>
@@ -14877,7 +15486,7 @@
                     <a:p>
                       <a:pPr algn="ctr"/>
                       <a:r>
-                        <a:rPr lang="es-VE" b="0" dirty="0"/>
+                        <a:rPr lang="es-VE" sz="1600" b="0" dirty="0"/>
                         <a:t>8.2</a:t>
                       </a:r>
                     </a:p>
@@ -14890,14 +15499,14 @@
                   </a:ext>
                 </a:extLst>
               </a:tr>
-              <a:tr h="607855">
+              <a:tr h="577321">
                 <a:tc>
                   <a:txBody>
                     <a:bodyPr/>
                     <a:lstStyle/>
                     <a:p>
                       <a:pPr algn="ctr"/>
-                      <a:endParaRPr lang="es-VE" b="1" dirty="0"/>
+                      <a:endParaRPr lang="es-VE" sz="1600" b="1" dirty="0"/>
                     </a:p>
                   </a:txBody>
                   <a:tcPr anchor="ctr"/>
@@ -14909,15 +15518,15 @@
                     <a:p>
                       <a:pPr algn="ctr"/>
                       <a:r>
-                        <a:rPr lang="es-VE" b="0" dirty="0"/>
+                        <a:rPr lang="es-VE" sz="1600" b="0" dirty="0"/>
                         <a:t>Framework de Back-</a:t>
                       </a:r>
                       <a:r>
-                        <a:rPr lang="es-VE" b="0" dirty="0" err="1"/>
+                        <a:rPr lang="es-VE" sz="1600" b="0" dirty="0" err="1"/>
                         <a:t>end</a:t>
                       </a:r>
                       <a:r>
-                        <a:rPr lang="es-VE" b="0" dirty="0"/>
+                        <a:rPr lang="es-VE" sz="1600" b="0" dirty="0"/>
                         <a:t> </a:t>
                       </a:r>
                     </a:p>
@@ -14931,7 +15540,7 @@
                     <a:p>
                       <a:pPr algn="ctr"/>
                       <a:r>
-                        <a:rPr lang="es-VE" b="0" dirty="0"/>
+                        <a:rPr lang="es-VE" sz="1600" b="0" dirty="0"/>
                         <a:t>Laravel </a:t>
                       </a:r>
                     </a:p>
@@ -14945,7 +15554,7 @@
                     <a:p>
                       <a:pPr algn="ctr"/>
                       <a:r>
-                        <a:rPr lang="es-VE" b="0" dirty="0"/>
+                        <a:rPr lang="es-VE" sz="1600" b="0" dirty="0"/>
                         <a:t>12.0</a:t>
                       </a:r>
                     </a:p>
@@ -14958,14 +15567,14 @@
                   </a:ext>
                 </a:extLst>
               </a:tr>
-              <a:tr h="607855">
+              <a:tr h="577321">
                 <a:tc>
                   <a:txBody>
                     <a:bodyPr/>
                     <a:lstStyle/>
                     <a:p>
                       <a:pPr algn="ctr"/>
-                      <a:endParaRPr lang="es-VE" b="1" dirty="0"/>
+                      <a:endParaRPr lang="es-VE" sz="1600" b="1" dirty="0"/>
                     </a:p>
                   </a:txBody>
                   <a:tcPr anchor="ctr"/>
@@ -14977,14 +15586,14 @@
                     <a:p>
                       <a:pPr algn="ctr"/>
                       <a:r>
-                        <a:rPr lang="es-VE" b="0" dirty="0"/>
+                        <a:rPr lang="es-VE" sz="1600" b="0" dirty="0"/>
                         <a:t>Framework de Front-</a:t>
                       </a:r>
                       <a:r>
-                        <a:rPr lang="es-VE" b="0" dirty="0" err="1"/>
+                        <a:rPr lang="es-VE" sz="1600" b="0" dirty="0" err="1"/>
                         <a:t>end</a:t>
                       </a:r>
-                      <a:endParaRPr lang="es-VE" b="0" dirty="0"/>
+                      <a:endParaRPr lang="es-VE" sz="1600" b="0" dirty="0"/>
                     </a:p>
                   </a:txBody>
                   <a:tcPr anchor="ctr"/>
@@ -14996,11 +15605,11 @@
                     <a:p>
                       <a:pPr algn="ctr"/>
                       <a:r>
-                        <a:rPr lang="es-VE" b="0" dirty="0" err="1"/>
+                        <a:rPr lang="es-VE" sz="1600" b="0" dirty="0" err="1"/>
                         <a:t>Tailwind</a:t>
                       </a:r>
                       <a:r>
-                        <a:rPr lang="es-VE" b="0" dirty="0"/>
+                        <a:rPr lang="es-VE" sz="1600" b="0" dirty="0"/>
                         <a:t> CSS</a:t>
                       </a:r>
                     </a:p>
@@ -15014,7 +15623,7 @@
                     <a:p>
                       <a:pPr algn="ctr"/>
                       <a:r>
-                        <a:rPr lang="es-VE" b="0" dirty="0"/>
+                        <a:rPr lang="es-VE" sz="1600" b="0" dirty="0"/>
                         <a:t>4.1.11</a:t>
                       </a:r>
                     </a:p>
@@ -15027,7 +15636,7 @@
                   </a:ext>
                 </a:extLst>
               </a:tr>
-              <a:tr h="607855">
+              <a:tr h="781621">
                 <a:tc>
                   <a:txBody>
                     <a:bodyPr/>
@@ -15035,7 +15644,7 @@
                     <a:p>
                       <a:pPr algn="ctr"/>
                       <a:r>
-                        <a:rPr lang="es-VE" b="1" dirty="0"/>
+                        <a:rPr lang="es-VE" sz="1600" b="1" dirty="0"/>
                         <a:t>2.</a:t>
                       </a:r>
                     </a:p>
@@ -15049,7 +15658,7 @@
                     <a:p>
                       <a:pPr algn="ctr"/>
                       <a:r>
-                        <a:rPr lang="es-VE" b="0" dirty="0"/>
+                        <a:rPr lang="es-VE" sz="1600" b="0" dirty="0"/>
                         <a:t>Sistema de Gestión de Base de Datos</a:t>
                       </a:r>
                     </a:p>
@@ -15063,7 +15672,7 @@
                     <a:p>
                       <a:pPr algn="ctr"/>
                       <a:r>
-                        <a:rPr lang="es-VE" b="0" dirty="0"/>
+                        <a:rPr lang="es-VE" sz="1600" b="0" dirty="0"/>
                         <a:t>MySQL</a:t>
                       </a:r>
                     </a:p>
@@ -15077,9 +15686,10 @@
                     <a:p>
                       <a:pPr algn="ctr"/>
                       <a:r>
-                        <a:rPr lang="es-VE" b="0" dirty="0"/>
-                        <a:t>5.7</a:t>
+                        <a:rPr lang="es-VE" sz="1600" b="0" dirty="0" err="1"/>
+                        <a:t>xxx</a:t>
                       </a:r>
+                      <a:endParaRPr lang="es-VE" sz="1600" b="0" dirty="0"/>
                     </a:p>
                   </a:txBody>
                   <a:tcPr anchor="ctr"/>
@@ -15090,7 +15700,7 @@
                   </a:ext>
                 </a:extLst>
               </a:tr>
-              <a:tr h="607855">
+              <a:tr h="577321">
                 <a:tc>
                   <a:txBody>
                     <a:bodyPr/>
@@ -15098,7 +15708,7 @@
                     <a:p>
                       <a:pPr algn="ctr"/>
                       <a:r>
-                        <a:rPr lang="es-VE" b="1" dirty="0"/>
+                        <a:rPr lang="es-VE" sz="1600" b="1" dirty="0"/>
                         <a:t>3.</a:t>
                       </a:r>
                     </a:p>
@@ -15112,7 +15722,7 @@
                     <a:p>
                       <a:pPr algn="ctr"/>
                       <a:r>
-                        <a:rPr lang="es-VE" b="0" dirty="0"/>
+                        <a:rPr lang="es-VE" sz="1600" b="0" dirty="0"/>
                         <a:t>Entorno de desarrollo</a:t>
                       </a:r>
                     </a:p>
@@ -15126,7 +15736,7 @@
                     <a:p>
                       <a:pPr algn="ctr"/>
                       <a:r>
-                        <a:rPr lang="es-VE" b="0" dirty="0"/>
+                        <a:rPr lang="es-VE" sz="1600" b="0" dirty="0"/>
                         <a:t>Node.js</a:t>
                       </a:r>
                     </a:p>
@@ -15140,7 +15750,7 @@
                     <a:p>
                       <a:pPr algn="ctr"/>
                       <a:r>
-                        <a:rPr lang="es-VE" b="0" dirty="0"/>
+                        <a:rPr lang="es-VE" sz="1600" b="0" dirty="0"/>
                         <a:t>22.17.0</a:t>
                       </a:r>
                     </a:p>
@@ -15153,14 +15763,14 @@
                   </a:ext>
                 </a:extLst>
               </a:tr>
-              <a:tr h="607855">
+              <a:tr h="577321">
                 <a:tc>
                   <a:txBody>
                     <a:bodyPr/>
                     <a:lstStyle/>
                     <a:p>
                       <a:pPr algn="ctr"/>
-                      <a:endParaRPr lang="es-VE" b="1" dirty="0"/>
+                      <a:endParaRPr lang="es-VE" sz="1600" b="1" dirty="0"/>
                     </a:p>
                   </a:txBody>
                   <a:tcPr anchor="ctr"/>
@@ -15172,7 +15782,7 @@
                     <a:p>
                       <a:pPr algn="ctr"/>
                       <a:r>
-                        <a:rPr lang="es-VE" b="0" dirty="0"/>
+                        <a:rPr lang="es-VE" sz="1600" b="0" dirty="0"/>
                         <a:t>Entorno de desarrollo </a:t>
                       </a:r>
                     </a:p>
@@ -15186,10 +15796,10 @@
                     <a:p>
                       <a:pPr algn="ctr"/>
                       <a:r>
-                        <a:rPr lang="es-VE" b="0" dirty="0" err="1"/>
-                        <a:t>Xampp</a:t>
+                        <a:rPr lang="es-VE" sz="1600" b="0" dirty="0" err="1"/>
+                        <a:t>Laragon</a:t>
                       </a:r>
-                      <a:endParaRPr lang="es-VE" b="0" dirty="0"/>
+                      <a:endParaRPr lang="es-VE" sz="1600" b="0" dirty="0"/>
                     </a:p>
                   </a:txBody>
                   <a:tcPr anchor="ctr"/>
@@ -15201,9 +15811,10 @@
                     <a:p>
                       <a:pPr algn="ctr"/>
                       <a:r>
-                        <a:rPr lang="es-VE" b="0" dirty="0"/>
-                        <a:t>3.3.0</a:t>
+                        <a:rPr lang="es-VE" sz="1600" b="0" dirty="0" err="1"/>
+                        <a:t>xxxx</a:t>
                       </a:r>
+                      <a:endParaRPr lang="es-VE" sz="1600" b="0" dirty="0"/>
                     </a:p>
                   </a:txBody>
                   <a:tcPr anchor="ctr"/>
@@ -15214,7 +15825,7 @@
                   </a:ext>
                 </a:extLst>
               </a:tr>
-              <a:tr h="1128873">
+              <a:tr h="1072168">
                 <a:tc>
                   <a:txBody>
                     <a:bodyPr/>
@@ -15222,7 +15833,7 @@
                     <a:p>
                       <a:pPr algn="ctr"/>
                       <a:r>
-                        <a:rPr lang="es-VE" b="1" dirty="0"/>
+                        <a:rPr lang="es-VE" sz="1600" b="1" dirty="0"/>
                         <a:t>4.</a:t>
                       </a:r>
                     </a:p>
@@ -15236,7 +15847,7 @@
                     <a:p>
                       <a:pPr algn="ctr"/>
                       <a:r>
-                        <a:rPr lang="es-VE" b="0" dirty="0"/>
+                        <a:rPr lang="es-VE" sz="1600" b="0" dirty="0"/>
                         <a:t>Herramienta de gestión de dependencias de PHP</a:t>
                       </a:r>
                     </a:p>
@@ -15250,10 +15861,10 @@
                     <a:p>
                       <a:pPr algn="ctr"/>
                       <a:r>
-                        <a:rPr lang="es-VE" b="0" dirty="0" err="1"/>
+                        <a:rPr lang="es-VE" sz="1600" b="0" dirty="0" err="1"/>
                         <a:t>Composer</a:t>
                       </a:r>
-                      <a:endParaRPr lang="es-VE" b="0" dirty="0"/>
+                      <a:endParaRPr lang="es-VE" sz="1600" b="0" dirty="0"/>
                     </a:p>
                   </a:txBody>
                   <a:tcPr anchor="ctr"/>
@@ -15265,7 +15876,7 @@
                     <a:p>
                       <a:pPr algn="ctr"/>
                       <a:r>
-                        <a:rPr lang="es-VE" b="0" dirty="0"/>
+                        <a:rPr lang="es-VE" sz="1600" b="0" dirty="0"/>
                         <a:t>2.7.7</a:t>
                       </a:r>
                     </a:p>
@@ -15278,7 +15889,7 @@
                   </a:ext>
                 </a:extLst>
               </a:tr>
-              <a:tr h="1128873">
+              <a:tr h="1072168">
                 <a:tc>
                   <a:txBody>
                     <a:bodyPr/>
@@ -15286,7 +15897,7 @@
                     <a:p>
                       <a:pPr algn="ctr"/>
                       <a:r>
-                        <a:rPr lang="es-VE" b="1" dirty="0"/>
+                        <a:rPr lang="es-VE" sz="1600" b="1" dirty="0"/>
                         <a:t>5.</a:t>
                       </a:r>
                     </a:p>
@@ -15300,7 +15911,7 @@
                     <a:p>
                       <a:pPr algn="ctr"/>
                       <a:r>
-                        <a:rPr lang="es-VE" b="0" dirty="0"/>
+                        <a:rPr lang="es-VE" sz="1600" b="0" dirty="0"/>
                         <a:t>Creador de servicios </a:t>
                       </a:r>
                     </a:p>
@@ -15314,7 +15925,7 @@
                     <a:p>
                       <a:pPr algn="ctr"/>
                       <a:r>
-                        <a:rPr lang="es-VE" b="0" dirty="0"/>
+                        <a:rPr lang="es-VE" sz="1600" b="0" dirty="0"/>
                         <a:t>NSSM</a:t>
                       </a:r>
                     </a:p>
@@ -15328,7 +15939,7 @@
                     <a:p>
                       <a:pPr algn="ctr"/>
                       <a:r>
-                        <a:rPr lang="es-VE" b="0" dirty="0"/>
+                        <a:rPr lang="es-VE" sz="1600" b="0" dirty="0"/>
                         <a:t>2.24-101</a:t>
                       </a:r>
                     </a:p>
@@ -15341,10 +15952,115 @@
                   </a:ext>
                 </a:extLst>
               </a:tr>
+              <a:tr h="1072168">
+                <a:tc>
+                  <a:txBody>
+                    <a:bodyPr/>
+                    <a:lstStyle/>
+                    <a:p>
+                      <a:pPr algn="ctr"/>
+                      <a:r>
+                        <a:rPr lang="es-VE" sz="1600" b="1" dirty="0"/>
+                        <a:t>6. </a:t>
+                      </a:r>
+                    </a:p>
+                  </a:txBody>
+                  <a:tcPr anchor="ctr"/>
+                </a:tc>
+                <a:tc>
+                  <a:txBody>
+                    <a:bodyPr/>
+                    <a:lstStyle/>
+                    <a:p>
+                      <a:pPr algn="ctr"/>
+                      <a:r>
+                        <a:rPr lang="es-VE" sz="1600" b="0" dirty="0"/>
+                        <a:t>Editor de código fuente </a:t>
+                      </a:r>
+                    </a:p>
+                  </a:txBody>
+                  <a:tcPr anchor="ctr"/>
+                </a:tc>
+                <a:tc>
+                  <a:txBody>
+                    <a:bodyPr/>
+                    <a:lstStyle/>
+                    <a:p>
+                      <a:pPr algn="ctr"/>
+                      <a:r>
+                        <a:rPr lang="es-VE" sz="1600" b="0" dirty="0"/>
+                        <a:t>Visual Studio </a:t>
+                      </a:r>
+                      <a:r>
+                        <a:rPr lang="es-VE" sz="1600" b="0" dirty="0" err="1"/>
+                        <a:t>Code</a:t>
+                      </a:r>
+                      <a:endParaRPr lang="es-VE" sz="1600" b="0" dirty="0"/>
+                    </a:p>
+                  </a:txBody>
+                  <a:tcPr anchor="ctr"/>
+                </a:tc>
+                <a:tc>
+                  <a:txBody>
+                    <a:bodyPr/>
+                    <a:lstStyle/>
+                    <a:p>
+                      <a:pPr algn="ctr"/>
+                      <a:endParaRPr lang="es-VE" sz="1600" b="0" dirty="0"/>
+                    </a:p>
+                  </a:txBody>
+                  <a:tcPr anchor="ctr"/>
+                </a:tc>
+                <a:extLst>
+                  <a:ext uri="{0D108BD9-81ED-4DB2-BD59-A6C34878D82A}">
+                    <a16:rowId xmlns:a16="http://schemas.microsoft.com/office/drawing/2014/main" val="3657960979"/>
+                  </a:ext>
+                </a:extLst>
+              </a:tr>
             </a:tbl>
           </a:graphicData>
         </a:graphic>
       </p:graphicFrame>
+      <p:sp>
+        <p:nvSpPr>
+          <p:cNvPr id="10" name="CuadroTexto 9">
+            <a:extLst>
+              <a:ext uri="{FF2B5EF4-FFF2-40B4-BE49-F238E27FC236}">
+                <a16:creationId xmlns:a16="http://schemas.microsoft.com/office/drawing/2014/main" id="{569046D3-77EB-A8B8-529E-F22996A0502C}"/>
+              </a:ext>
+            </a:extLst>
+          </p:cNvPr>
+          <p:cNvSpPr txBox="1"/>
+          <p:nvPr/>
+        </p:nvSpPr>
+        <p:spPr>
+          <a:xfrm>
+            <a:off x="928283" y="9592684"/>
+            <a:ext cx="5712077" cy="338554"/>
+          </a:xfrm>
+          <a:prstGeom prst="rect">
+            <a:avLst/>
+          </a:prstGeom>
+          <a:noFill/>
+        </p:spPr>
+        <p:txBody>
+          <a:bodyPr wrap="none" rtlCol="0">
+            <a:spAutoFit/>
+          </a:bodyPr>
+          <a:lstStyle/>
+          <a:p>
+            <a:pPr algn="just"/>
+            <a:r>
+              <a:rPr lang="es-VE" sz="1600" b="1" dirty="0"/>
+              <a:t>Nota: </a:t>
+            </a:r>
+            <a:r>
+              <a:rPr lang="es-VE" sz="1400" b="1" dirty="0"/>
+              <a:t>la instalación de cada uno de estos archivos debe ser libre de proxy.</a:t>
+            </a:r>
+          </a:p>
+        </p:txBody>
+      </p:sp>
     </p:spTree>
   </p:cSld>
   <p:clrMapOvr>
@@ -15354,6 +16070,1108 @@
 </file>
 
 <file path=ppt/slides/slide6.xml><?xml version="1.0" encoding="utf-8"?>
+<p:sld xmlns:a="http://schemas.openxmlformats.org/drawingml/2006/main" xmlns:r="http://schemas.openxmlformats.org/officeDocument/2006/relationships" xmlns:p="http://schemas.openxmlformats.org/presentationml/2006/main">
+  <p:cSld>
+    <p:bg>
+      <p:bgPr>
+        <a:solidFill>
+          <a:srgbClr val="F7F5F2"/>
+        </a:solidFill>
+        <a:effectLst/>
+      </p:bgPr>
+    </p:bg>
+    <p:spTree>
+      <p:nvGrpSpPr>
+        <p:cNvPr id="1" name="">
+          <a:extLst>
+            <a:ext uri="{FF2B5EF4-FFF2-40B4-BE49-F238E27FC236}">
+              <a16:creationId xmlns:a16="http://schemas.microsoft.com/office/drawing/2014/main" id="{6B0D6EBA-6612-12FD-B9C4-CF35A87A5C84}"/>
+            </a:ext>
+          </a:extLst>
+        </p:cNvPr>
+        <p:cNvGrpSpPr/>
+        <p:nvPr/>
+      </p:nvGrpSpPr>
+      <p:grpSpPr>
+        <a:xfrm>
+          <a:off x="0" y="0"/>
+          <a:ext cx="0" cy="0"/>
+          <a:chOff x="0" y="0"/>
+          <a:chExt cx="0" cy="0"/>
+        </a:xfrm>
+      </p:grpSpPr>
+      <p:sp>
+        <p:nvSpPr>
+          <p:cNvPr id="2" name="Freeform 2">
+            <a:extLst>
+              <a:ext uri="{FF2B5EF4-FFF2-40B4-BE49-F238E27FC236}">
+                <a16:creationId xmlns:a16="http://schemas.microsoft.com/office/drawing/2014/main" id="{084B3701-DE00-37F3-F1C2-C5CC6EE7EE02}"/>
+              </a:ext>
+            </a:extLst>
+          </p:cNvPr>
+          <p:cNvSpPr/>
+          <p:nvPr/>
+        </p:nvSpPr>
+        <p:spPr>
+          <a:xfrm rot="5400000">
+            <a:off x="5789382" y="-1598340"/>
+            <a:ext cx="2362194" cy="3049781"/>
+          </a:xfrm>
+          <a:custGeom>
+            <a:avLst/>
+            <a:gdLst/>
+            <a:ahLst/>
+            <a:cxnLst/>
+            <a:rect l="l" t="t" r="r" b="b"/>
+            <a:pathLst>
+              <a:path w="2362194" h="3049781">
+                <a:moveTo>
+                  <a:pt x="0" y="0"/>
+                </a:moveTo>
+                <a:lnTo>
+                  <a:pt x="2362194" y="0"/>
+                </a:lnTo>
+                <a:lnTo>
+                  <a:pt x="2362194" y="3049782"/>
+                </a:lnTo>
+                <a:lnTo>
+                  <a:pt x="0" y="3049782"/>
+                </a:lnTo>
+                <a:lnTo>
+                  <a:pt x="0" y="0"/>
+                </a:lnTo>
+                <a:close/>
+              </a:path>
+            </a:pathLst>
+          </a:custGeom>
+          <a:blipFill>
+            <a:blip r:embed="rId3">
+              <a:extLst>
+                <a:ext uri="{96DAC541-7B7A-43D3-8B79-37D633B846F1}">
+                  <asvg:svgBlip xmlns:asvg="http://schemas.microsoft.com/office/drawing/2016/SVG/main" r:embed="rId4"/>
+                </a:ext>
+              </a:extLst>
+            </a:blip>
+            <a:stretch>
+              <a:fillRect/>
+            </a:stretch>
+          </a:blipFill>
+        </p:spPr>
+      </p:sp>
+      <p:sp>
+        <p:nvSpPr>
+          <p:cNvPr id="3" name="Freeform 3">
+            <a:extLst>
+              <a:ext uri="{FF2B5EF4-FFF2-40B4-BE49-F238E27FC236}">
+                <a16:creationId xmlns:a16="http://schemas.microsoft.com/office/drawing/2014/main" id="{7684516E-DD3F-D425-0C32-306D0EABB5D7}"/>
+              </a:ext>
+            </a:extLst>
+          </p:cNvPr>
+          <p:cNvSpPr/>
+          <p:nvPr/>
+        </p:nvSpPr>
+        <p:spPr>
+          <a:xfrm rot="5400000">
+            <a:off x="2595895" y="-1598340"/>
+            <a:ext cx="2362194" cy="3049781"/>
+          </a:xfrm>
+          <a:custGeom>
+            <a:avLst/>
+            <a:gdLst/>
+            <a:ahLst/>
+            <a:cxnLst/>
+            <a:rect l="l" t="t" r="r" b="b"/>
+            <a:pathLst>
+              <a:path w="2362194" h="3049781">
+                <a:moveTo>
+                  <a:pt x="0" y="0"/>
+                </a:moveTo>
+                <a:lnTo>
+                  <a:pt x="2362194" y="0"/>
+                </a:lnTo>
+                <a:lnTo>
+                  <a:pt x="2362194" y="3049782"/>
+                </a:lnTo>
+                <a:lnTo>
+                  <a:pt x="0" y="3049782"/>
+                </a:lnTo>
+                <a:lnTo>
+                  <a:pt x="0" y="0"/>
+                </a:lnTo>
+                <a:close/>
+              </a:path>
+            </a:pathLst>
+          </a:custGeom>
+          <a:blipFill>
+            <a:blip r:embed="rId3">
+              <a:extLst>
+                <a:ext uri="{96DAC541-7B7A-43D3-8B79-37D633B846F1}">
+                  <asvg:svgBlip xmlns:asvg="http://schemas.microsoft.com/office/drawing/2016/SVG/main" r:embed="rId4"/>
+                </a:ext>
+              </a:extLst>
+            </a:blip>
+            <a:stretch>
+              <a:fillRect/>
+            </a:stretch>
+          </a:blipFill>
+        </p:spPr>
+      </p:sp>
+      <p:sp>
+        <p:nvSpPr>
+          <p:cNvPr id="4" name="Freeform 4">
+            <a:extLst>
+              <a:ext uri="{FF2B5EF4-FFF2-40B4-BE49-F238E27FC236}">
+                <a16:creationId xmlns:a16="http://schemas.microsoft.com/office/drawing/2014/main" id="{6424D0FD-C93C-9732-9DC6-47B3CF2588AE}"/>
+              </a:ext>
+            </a:extLst>
+          </p:cNvPr>
+          <p:cNvSpPr/>
+          <p:nvPr/>
+        </p:nvSpPr>
+        <p:spPr>
+          <a:xfrm rot="5400000">
+            <a:off x="-591576" y="-1598340"/>
+            <a:ext cx="2362194" cy="3049781"/>
+          </a:xfrm>
+          <a:custGeom>
+            <a:avLst/>
+            <a:gdLst/>
+            <a:ahLst/>
+            <a:cxnLst/>
+            <a:rect l="l" t="t" r="r" b="b"/>
+            <a:pathLst>
+              <a:path w="2362194" h="3049781">
+                <a:moveTo>
+                  <a:pt x="0" y="0"/>
+                </a:moveTo>
+                <a:lnTo>
+                  <a:pt x="2362194" y="0"/>
+                </a:lnTo>
+                <a:lnTo>
+                  <a:pt x="2362194" y="3049782"/>
+                </a:lnTo>
+                <a:lnTo>
+                  <a:pt x="0" y="3049782"/>
+                </a:lnTo>
+                <a:lnTo>
+                  <a:pt x="0" y="0"/>
+                </a:lnTo>
+                <a:close/>
+              </a:path>
+            </a:pathLst>
+          </a:custGeom>
+          <a:blipFill>
+            <a:blip r:embed="rId3">
+              <a:extLst>
+                <a:ext uri="{96DAC541-7B7A-43D3-8B79-37D633B846F1}">
+                  <asvg:svgBlip xmlns:asvg="http://schemas.microsoft.com/office/drawing/2016/SVG/main" r:embed="rId4"/>
+                </a:ext>
+              </a:extLst>
+            </a:blip>
+            <a:stretch>
+              <a:fillRect/>
+            </a:stretch>
+          </a:blipFill>
+        </p:spPr>
+      </p:sp>
+      <p:sp>
+        <p:nvSpPr>
+          <p:cNvPr id="5" name="AutoShape 5">
+            <a:extLst>
+              <a:ext uri="{FF2B5EF4-FFF2-40B4-BE49-F238E27FC236}">
+                <a16:creationId xmlns:a16="http://schemas.microsoft.com/office/drawing/2014/main" id="{C380E7AF-0797-B98D-C4B9-2DE78657F73F}"/>
+              </a:ext>
+            </a:extLst>
+          </p:cNvPr>
+          <p:cNvSpPr/>
+          <p:nvPr/>
+        </p:nvSpPr>
+        <p:spPr>
+          <a:xfrm>
+            <a:off x="756000" y="9931238"/>
+            <a:ext cx="6048000" cy="0"/>
+          </a:xfrm>
+          <a:prstGeom prst="line">
+            <a:avLst/>
+          </a:prstGeom>
+          <a:ln w="9525" cap="flat">
+            <a:solidFill>
+              <a:srgbClr val="000000"/>
+            </a:solidFill>
+            <a:prstDash val="solid"/>
+            <a:headEnd type="none" w="sm" len="sm"/>
+            <a:tailEnd type="none" w="sm" len="sm"/>
+          </a:ln>
+        </p:spPr>
+      </p:sp>
+      <p:sp>
+        <p:nvSpPr>
+          <p:cNvPr id="7" name="TextBox 7">
+            <a:extLst>
+              <a:ext uri="{FF2B5EF4-FFF2-40B4-BE49-F238E27FC236}">
+                <a16:creationId xmlns:a16="http://schemas.microsoft.com/office/drawing/2014/main" id="{9F052CF7-C27A-0287-F6B2-72764F18B17A}"/>
+              </a:ext>
+            </a:extLst>
+          </p:cNvPr>
+          <p:cNvSpPr txBox="1"/>
+          <p:nvPr/>
+        </p:nvSpPr>
+        <p:spPr>
+          <a:xfrm>
+            <a:off x="756000" y="10084923"/>
+            <a:ext cx="1742330" cy="187325"/>
+          </a:xfrm>
+          <a:prstGeom prst="rect">
+            <a:avLst/>
+          </a:prstGeom>
+        </p:spPr>
+        <p:txBody>
+          <a:bodyPr lIns="0" tIns="0" rIns="0" bIns="0" rtlCol="0" anchor="t">
+            <a:spAutoFit/>
+          </a:bodyPr>
+          <a:lstStyle/>
+          <a:p>
+            <a:pPr algn="l">
+              <a:lnSpc>
+                <a:spcPts val="1599"/>
+              </a:lnSpc>
+            </a:pPr>
+            <a:r>
+              <a:rPr lang="en-US" sz="999" dirty="0" err="1">
+                <a:solidFill>
+                  <a:srgbClr val="222525"/>
+                </a:solidFill>
+                <a:latin typeface="Montserrat"/>
+                <a:ea typeface="Montserrat"/>
+                <a:cs typeface="Montserrat"/>
+                <a:sym typeface="Montserrat"/>
+              </a:rPr>
+              <a:t>Diagramas</a:t>
+            </a:r>
+            <a:r>
+              <a:rPr lang="en-US" sz="999" dirty="0">
+                <a:solidFill>
+                  <a:srgbClr val="222525"/>
+                </a:solidFill>
+                <a:latin typeface="Montserrat"/>
+                <a:ea typeface="Montserrat"/>
+                <a:cs typeface="Montserrat"/>
+                <a:sym typeface="Montserrat"/>
+              </a:rPr>
+              <a:t> de </a:t>
+            </a:r>
+            <a:r>
+              <a:rPr lang="en-US" sz="999" dirty="0" err="1">
+                <a:solidFill>
+                  <a:srgbClr val="222525"/>
+                </a:solidFill>
+                <a:latin typeface="Montserrat"/>
+                <a:ea typeface="Montserrat"/>
+                <a:cs typeface="Montserrat"/>
+                <a:sym typeface="Montserrat"/>
+              </a:rPr>
+              <a:t>Diseño</a:t>
+            </a:r>
+            <a:endParaRPr lang="en-US" sz="999" dirty="0">
+              <a:solidFill>
+                <a:srgbClr val="222525"/>
+              </a:solidFill>
+              <a:latin typeface="Montserrat"/>
+              <a:ea typeface="Montserrat"/>
+              <a:cs typeface="Montserrat"/>
+              <a:sym typeface="Montserrat"/>
+            </a:endParaRPr>
+          </a:p>
+        </p:txBody>
+      </p:sp>
+      <p:sp>
+        <p:nvSpPr>
+          <p:cNvPr id="8" name="TextBox 8">
+            <a:extLst>
+              <a:ext uri="{FF2B5EF4-FFF2-40B4-BE49-F238E27FC236}">
+                <a16:creationId xmlns:a16="http://schemas.microsoft.com/office/drawing/2014/main" id="{7258339A-2D4E-5DB4-746F-B1BDBEF17B1C}"/>
+              </a:ext>
+            </a:extLst>
+          </p:cNvPr>
+          <p:cNvSpPr txBox="1"/>
+          <p:nvPr/>
+        </p:nvSpPr>
+        <p:spPr>
+          <a:xfrm>
+            <a:off x="5061670" y="10084923"/>
+            <a:ext cx="1742330" cy="187325"/>
+          </a:xfrm>
+          <a:prstGeom prst="rect">
+            <a:avLst/>
+          </a:prstGeom>
+        </p:spPr>
+        <p:txBody>
+          <a:bodyPr lIns="0" tIns="0" rIns="0" bIns="0" rtlCol="0" anchor="t">
+            <a:spAutoFit/>
+          </a:bodyPr>
+          <a:lstStyle/>
+          <a:p>
+            <a:pPr algn="r">
+              <a:lnSpc>
+                <a:spcPts val="1599"/>
+              </a:lnSpc>
+            </a:pPr>
+            <a:r>
+              <a:rPr lang="en-US" sz="999" dirty="0">
+                <a:solidFill>
+                  <a:srgbClr val="222525"/>
+                </a:solidFill>
+                <a:latin typeface="Montserrat"/>
+                <a:ea typeface="Montserrat"/>
+                <a:cs typeface="Montserrat"/>
+                <a:sym typeface="Montserrat"/>
+              </a:rPr>
+              <a:t>6</a:t>
+            </a:r>
+          </a:p>
+        </p:txBody>
+      </p:sp>
+      <p:sp>
+        <p:nvSpPr>
+          <p:cNvPr id="11" name="TextBox 6">
+            <a:extLst>
+              <a:ext uri="{FF2B5EF4-FFF2-40B4-BE49-F238E27FC236}">
+                <a16:creationId xmlns:a16="http://schemas.microsoft.com/office/drawing/2014/main" id="{F99373E6-E010-3F32-7913-DF2C791896F1}"/>
+              </a:ext>
+            </a:extLst>
+          </p:cNvPr>
+          <p:cNvSpPr txBox="1"/>
+          <p:nvPr/>
+        </p:nvSpPr>
+        <p:spPr>
+          <a:xfrm>
+            <a:off x="284667" y="1371282"/>
+            <a:ext cx="6984650" cy="660181"/>
+          </a:xfrm>
+          <a:prstGeom prst="rect">
+            <a:avLst/>
+          </a:prstGeom>
+        </p:spPr>
+        <p:txBody>
+          <a:bodyPr wrap="square" lIns="0" tIns="0" rIns="0" bIns="0" rtlCol="0" anchor="t">
+            <a:spAutoFit/>
+          </a:bodyPr>
+          <a:lstStyle/>
+          <a:p>
+            <a:pPr algn="just">
+              <a:lnSpc>
+                <a:spcPts val="5300"/>
+              </a:lnSpc>
+            </a:pPr>
+            <a:r>
+              <a:rPr lang="en-US" sz="4000" dirty="0">
+                <a:solidFill>
+                  <a:srgbClr val="222525"/>
+                </a:solidFill>
+                <a:latin typeface="DM Serif Display"/>
+                <a:ea typeface="DM Serif Display"/>
+                <a:cs typeface="DM Serif Display"/>
+                <a:sym typeface="DM Serif Display"/>
+              </a:rPr>
+              <a:t>III. </a:t>
+            </a:r>
+            <a:r>
+              <a:rPr lang="en-US" sz="4000" dirty="0" err="1">
+                <a:solidFill>
+                  <a:srgbClr val="222525"/>
+                </a:solidFill>
+                <a:latin typeface="DM Serif Display"/>
+                <a:ea typeface="DM Serif Display"/>
+                <a:cs typeface="DM Serif Display"/>
+                <a:sym typeface="DM Serif Display"/>
+              </a:rPr>
+              <a:t>Diagramas</a:t>
+            </a:r>
+            <a:r>
+              <a:rPr lang="en-US" sz="4000" dirty="0">
+                <a:solidFill>
+                  <a:srgbClr val="222525"/>
+                </a:solidFill>
+                <a:latin typeface="DM Serif Display"/>
+                <a:ea typeface="DM Serif Display"/>
+                <a:cs typeface="DM Serif Display"/>
+                <a:sym typeface="DM Serif Display"/>
+              </a:rPr>
+              <a:t> de </a:t>
+            </a:r>
+            <a:r>
+              <a:rPr lang="en-US" sz="4000" dirty="0" err="1">
+                <a:solidFill>
+                  <a:srgbClr val="222525"/>
+                </a:solidFill>
+                <a:latin typeface="DM Serif Display"/>
+                <a:ea typeface="DM Serif Display"/>
+                <a:cs typeface="DM Serif Display"/>
+                <a:sym typeface="DM Serif Display"/>
+              </a:rPr>
+              <a:t>Diseño</a:t>
+            </a:r>
+            <a:endParaRPr lang="en-US" sz="4000" dirty="0">
+              <a:solidFill>
+                <a:srgbClr val="222525"/>
+              </a:solidFill>
+              <a:latin typeface="DM Serif Display"/>
+              <a:ea typeface="DM Serif Display"/>
+              <a:cs typeface="DM Serif Display"/>
+              <a:sym typeface="DM Serif Display"/>
+            </a:endParaRPr>
+          </a:p>
+        </p:txBody>
+      </p:sp>
+      <p:sp>
+        <p:nvSpPr>
+          <p:cNvPr id="13" name="CuadroTexto 12">
+            <a:extLst>
+              <a:ext uri="{FF2B5EF4-FFF2-40B4-BE49-F238E27FC236}">
+                <a16:creationId xmlns:a16="http://schemas.microsoft.com/office/drawing/2014/main" id="{952A532D-2869-1420-F209-A2650756CB58}"/>
+              </a:ext>
+            </a:extLst>
+          </p:cNvPr>
+          <p:cNvSpPr txBox="1"/>
+          <p:nvPr/>
+        </p:nvSpPr>
+        <p:spPr>
+          <a:xfrm>
+            <a:off x="452767" y="2506060"/>
+            <a:ext cx="3007618" cy="369332"/>
+          </a:xfrm>
+          <a:prstGeom prst="rect">
+            <a:avLst/>
+          </a:prstGeom>
+          <a:noFill/>
+        </p:spPr>
+        <p:txBody>
+          <a:bodyPr wrap="none" rtlCol="0">
+            <a:spAutoFit/>
+          </a:bodyPr>
+          <a:lstStyle/>
+          <a:p>
+            <a:pPr marL="342900" indent="-342900">
+              <a:buFont typeface="+mj-lt"/>
+              <a:buAutoNum type="arabicPeriod"/>
+            </a:pPr>
+            <a:r>
+              <a:rPr lang="es-VE" dirty="0"/>
+              <a:t>Diagrama de Casos de Uso</a:t>
+            </a:r>
+          </a:p>
+        </p:txBody>
+      </p:sp>
+      <p:pic>
+        <p:nvPicPr>
+          <p:cNvPr id="14" name="Imagen 13">
+            <a:extLst>
+              <a:ext uri="{FF2B5EF4-FFF2-40B4-BE49-F238E27FC236}">
+                <a16:creationId xmlns:a16="http://schemas.microsoft.com/office/drawing/2014/main" id="{3975BB89-C84E-37EB-2E87-8638444E8EF1}"/>
+              </a:ext>
+            </a:extLst>
+          </p:cNvPr>
+          <p:cNvPicPr>
+            <a:picLocks noChangeAspect="1"/>
+          </p:cNvPicPr>
+          <p:nvPr/>
+        </p:nvPicPr>
+        <p:blipFill>
+          <a:blip r:embed="rId5">
+            <a:extLst>
+              <a:ext uri="{28A0092B-C50C-407E-A947-70E740481C1C}">
+                <a14:useLocalDpi xmlns:a14="http://schemas.microsoft.com/office/drawing/2010/main" val="0"/>
+              </a:ext>
+            </a:extLst>
+          </a:blip>
+          <a:stretch>
+            <a:fillRect/>
+          </a:stretch>
+        </p:blipFill>
+        <p:spPr>
+          <a:xfrm>
+            <a:off x="837766" y="3437646"/>
+            <a:ext cx="5562136" cy="4499854"/>
+          </a:xfrm>
+          <a:prstGeom prst="rect">
+            <a:avLst/>
+          </a:prstGeom>
+        </p:spPr>
+      </p:pic>
+      <p:sp>
+        <p:nvSpPr>
+          <p:cNvPr id="6" name="CuadroTexto 5">
+            <a:extLst>
+              <a:ext uri="{FF2B5EF4-FFF2-40B4-BE49-F238E27FC236}">
+                <a16:creationId xmlns:a16="http://schemas.microsoft.com/office/drawing/2014/main" id="{16700836-8256-AA10-DFF9-B7DE5EC135CE}"/>
+              </a:ext>
+            </a:extLst>
+          </p:cNvPr>
+          <p:cNvSpPr txBox="1"/>
+          <p:nvPr/>
+        </p:nvSpPr>
+        <p:spPr>
+          <a:xfrm>
+            <a:off x="2425069" y="7937295"/>
+            <a:ext cx="2070631" cy="307777"/>
+          </a:xfrm>
+          <a:prstGeom prst="rect">
+            <a:avLst/>
+          </a:prstGeom>
+          <a:noFill/>
+        </p:spPr>
+        <p:txBody>
+          <a:bodyPr wrap="none" rtlCol="0">
+            <a:spAutoFit/>
+          </a:bodyPr>
+          <a:lstStyle/>
+          <a:p>
+            <a:r>
+              <a:rPr lang="es-VE" sz="1400" b="1" dirty="0"/>
+              <a:t>Casos de uso para </a:t>
+            </a:r>
+            <a:r>
+              <a:rPr lang="es-VE" sz="1400" b="1" dirty="0" err="1"/>
+              <a:t>admin</a:t>
+            </a:r>
+            <a:r>
+              <a:rPr lang="es-VE" sz="1400" b="1" dirty="0"/>
+              <a:t>.</a:t>
+            </a:r>
+          </a:p>
+        </p:txBody>
+      </p:sp>
+    </p:spTree>
+    <p:extLst>
+      <p:ext uri="{BB962C8B-B14F-4D97-AF65-F5344CB8AC3E}">
+        <p14:creationId xmlns:p14="http://schemas.microsoft.com/office/powerpoint/2010/main" val="3391324785"/>
+      </p:ext>
+    </p:extLst>
+  </p:cSld>
+  <p:clrMapOvr>
+    <a:masterClrMapping/>
+  </p:clrMapOvr>
+</p:sld>
+</file>
+
+<file path=ppt/slides/slide7.xml><?xml version="1.0" encoding="utf-8"?>
+<p:sld xmlns:a="http://schemas.openxmlformats.org/drawingml/2006/main" xmlns:r="http://schemas.openxmlformats.org/officeDocument/2006/relationships" xmlns:p="http://schemas.openxmlformats.org/presentationml/2006/main">
+  <p:cSld>
+    <p:bg>
+      <p:bgPr>
+        <a:solidFill>
+          <a:srgbClr val="F7F5F2"/>
+        </a:solidFill>
+        <a:effectLst/>
+      </p:bgPr>
+    </p:bg>
+    <p:spTree>
+      <p:nvGrpSpPr>
+        <p:cNvPr id="1" name="">
+          <a:extLst>
+            <a:ext uri="{FF2B5EF4-FFF2-40B4-BE49-F238E27FC236}">
+              <a16:creationId xmlns:a16="http://schemas.microsoft.com/office/drawing/2014/main" id="{2A8A9C71-4D5F-3528-7044-FB1DCD72A038}"/>
+            </a:ext>
+          </a:extLst>
+        </p:cNvPr>
+        <p:cNvGrpSpPr/>
+        <p:nvPr/>
+      </p:nvGrpSpPr>
+      <p:grpSpPr>
+        <a:xfrm>
+          <a:off x="0" y="0"/>
+          <a:ext cx="0" cy="0"/>
+          <a:chOff x="0" y="0"/>
+          <a:chExt cx="0" cy="0"/>
+        </a:xfrm>
+      </p:grpSpPr>
+      <p:sp>
+        <p:nvSpPr>
+          <p:cNvPr id="2" name="Freeform 2">
+            <a:extLst>
+              <a:ext uri="{FF2B5EF4-FFF2-40B4-BE49-F238E27FC236}">
+                <a16:creationId xmlns:a16="http://schemas.microsoft.com/office/drawing/2014/main" id="{946350FC-A48E-08BB-D625-E94B8CBE1AF0}"/>
+              </a:ext>
+            </a:extLst>
+          </p:cNvPr>
+          <p:cNvSpPr/>
+          <p:nvPr/>
+        </p:nvSpPr>
+        <p:spPr>
+          <a:xfrm rot="5400000">
+            <a:off x="5789382" y="-1598340"/>
+            <a:ext cx="2362194" cy="3049781"/>
+          </a:xfrm>
+          <a:custGeom>
+            <a:avLst/>
+            <a:gdLst/>
+            <a:ahLst/>
+            <a:cxnLst/>
+            <a:rect l="l" t="t" r="r" b="b"/>
+            <a:pathLst>
+              <a:path w="2362194" h="3049781">
+                <a:moveTo>
+                  <a:pt x="0" y="0"/>
+                </a:moveTo>
+                <a:lnTo>
+                  <a:pt x="2362194" y="0"/>
+                </a:lnTo>
+                <a:lnTo>
+                  <a:pt x="2362194" y="3049782"/>
+                </a:lnTo>
+                <a:lnTo>
+                  <a:pt x="0" y="3049782"/>
+                </a:lnTo>
+                <a:lnTo>
+                  <a:pt x="0" y="0"/>
+                </a:lnTo>
+                <a:close/>
+              </a:path>
+            </a:pathLst>
+          </a:custGeom>
+          <a:blipFill>
+            <a:blip r:embed="rId2">
+              <a:extLst>
+                <a:ext uri="{96DAC541-7B7A-43D3-8B79-37D633B846F1}">
+                  <asvg:svgBlip xmlns:asvg="http://schemas.microsoft.com/office/drawing/2016/SVG/main" r:embed="rId3"/>
+                </a:ext>
+              </a:extLst>
+            </a:blip>
+            <a:stretch>
+              <a:fillRect/>
+            </a:stretch>
+          </a:blipFill>
+        </p:spPr>
+      </p:sp>
+      <p:sp>
+        <p:nvSpPr>
+          <p:cNvPr id="3" name="Freeform 3">
+            <a:extLst>
+              <a:ext uri="{FF2B5EF4-FFF2-40B4-BE49-F238E27FC236}">
+                <a16:creationId xmlns:a16="http://schemas.microsoft.com/office/drawing/2014/main" id="{F5C8C2EB-67D6-15F1-3876-321185DA1FE1}"/>
+              </a:ext>
+            </a:extLst>
+          </p:cNvPr>
+          <p:cNvSpPr/>
+          <p:nvPr/>
+        </p:nvSpPr>
+        <p:spPr>
+          <a:xfrm rot="5400000">
+            <a:off x="2595895" y="-1598340"/>
+            <a:ext cx="2362194" cy="3049781"/>
+          </a:xfrm>
+          <a:custGeom>
+            <a:avLst/>
+            <a:gdLst/>
+            <a:ahLst/>
+            <a:cxnLst/>
+            <a:rect l="l" t="t" r="r" b="b"/>
+            <a:pathLst>
+              <a:path w="2362194" h="3049781">
+                <a:moveTo>
+                  <a:pt x="0" y="0"/>
+                </a:moveTo>
+                <a:lnTo>
+                  <a:pt x="2362194" y="0"/>
+                </a:lnTo>
+                <a:lnTo>
+                  <a:pt x="2362194" y="3049782"/>
+                </a:lnTo>
+                <a:lnTo>
+                  <a:pt x="0" y="3049782"/>
+                </a:lnTo>
+                <a:lnTo>
+                  <a:pt x="0" y="0"/>
+                </a:lnTo>
+                <a:close/>
+              </a:path>
+            </a:pathLst>
+          </a:custGeom>
+          <a:blipFill>
+            <a:blip r:embed="rId2">
+              <a:extLst>
+                <a:ext uri="{96DAC541-7B7A-43D3-8B79-37D633B846F1}">
+                  <asvg:svgBlip xmlns:asvg="http://schemas.microsoft.com/office/drawing/2016/SVG/main" r:embed="rId3"/>
+                </a:ext>
+              </a:extLst>
+            </a:blip>
+            <a:stretch>
+              <a:fillRect/>
+            </a:stretch>
+          </a:blipFill>
+        </p:spPr>
+      </p:sp>
+      <p:sp>
+        <p:nvSpPr>
+          <p:cNvPr id="4" name="Freeform 4">
+            <a:extLst>
+              <a:ext uri="{FF2B5EF4-FFF2-40B4-BE49-F238E27FC236}">
+                <a16:creationId xmlns:a16="http://schemas.microsoft.com/office/drawing/2014/main" id="{6F4213ED-5128-61E2-7254-6C81A5C16C84}"/>
+              </a:ext>
+            </a:extLst>
+          </p:cNvPr>
+          <p:cNvSpPr/>
+          <p:nvPr/>
+        </p:nvSpPr>
+        <p:spPr>
+          <a:xfrm rot="5400000">
+            <a:off x="-591576" y="-1598340"/>
+            <a:ext cx="2362194" cy="3049781"/>
+          </a:xfrm>
+          <a:custGeom>
+            <a:avLst/>
+            <a:gdLst/>
+            <a:ahLst/>
+            <a:cxnLst/>
+            <a:rect l="l" t="t" r="r" b="b"/>
+            <a:pathLst>
+              <a:path w="2362194" h="3049781">
+                <a:moveTo>
+                  <a:pt x="0" y="0"/>
+                </a:moveTo>
+                <a:lnTo>
+                  <a:pt x="2362194" y="0"/>
+                </a:lnTo>
+                <a:lnTo>
+                  <a:pt x="2362194" y="3049782"/>
+                </a:lnTo>
+                <a:lnTo>
+                  <a:pt x="0" y="3049782"/>
+                </a:lnTo>
+                <a:lnTo>
+                  <a:pt x="0" y="0"/>
+                </a:lnTo>
+                <a:close/>
+              </a:path>
+            </a:pathLst>
+          </a:custGeom>
+          <a:blipFill>
+            <a:blip r:embed="rId2">
+              <a:extLst>
+                <a:ext uri="{96DAC541-7B7A-43D3-8B79-37D633B846F1}">
+                  <asvg:svgBlip xmlns:asvg="http://schemas.microsoft.com/office/drawing/2016/SVG/main" r:embed="rId3"/>
+                </a:ext>
+              </a:extLst>
+            </a:blip>
+            <a:stretch>
+              <a:fillRect/>
+            </a:stretch>
+          </a:blipFill>
+        </p:spPr>
+      </p:sp>
+      <p:sp>
+        <p:nvSpPr>
+          <p:cNvPr id="5" name="AutoShape 5">
+            <a:extLst>
+              <a:ext uri="{FF2B5EF4-FFF2-40B4-BE49-F238E27FC236}">
+                <a16:creationId xmlns:a16="http://schemas.microsoft.com/office/drawing/2014/main" id="{7F13848C-122F-F612-D735-EDD503E29AD8}"/>
+              </a:ext>
+            </a:extLst>
+          </p:cNvPr>
+          <p:cNvSpPr/>
+          <p:nvPr/>
+        </p:nvSpPr>
+        <p:spPr>
+          <a:xfrm>
+            <a:off x="756000" y="9931238"/>
+            <a:ext cx="6048000" cy="0"/>
+          </a:xfrm>
+          <a:prstGeom prst="line">
+            <a:avLst/>
+          </a:prstGeom>
+          <a:ln w="9525" cap="flat">
+            <a:solidFill>
+              <a:srgbClr val="000000"/>
+            </a:solidFill>
+            <a:prstDash val="solid"/>
+            <a:headEnd type="none" w="sm" len="sm"/>
+            <a:tailEnd type="none" w="sm" len="sm"/>
+          </a:ln>
+        </p:spPr>
+      </p:sp>
+      <p:sp>
+        <p:nvSpPr>
+          <p:cNvPr id="7" name="TextBox 7">
+            <a:extLst>
+              <a:ext uri="{FF2B5EF4-FFF2-40B4-BE49-F238E27FC236}">
+                <a16:creationId xmlns:a16="http://schemas.microsoft.com/office/drawing/2014/main" id="{54EAD12C-9643-1C67-3A4A-25317BCD5EDC}"/>
+              </a:ext>
+            </a:extLst>
+          </p:cNvPr>
+          <p:cNvSpPr txBox="1"/>
+          <p:nvPr/>
+        </p:nvSpPr>
+        <p:spPr>
+          <a:xfrm>
+            <a:off x="756000" y="10084923"/>
+            <a:ext cx="1742330" cy="187325"/>
+          </a:xfrm>
+          <a:prstGeom prst="rect">
+            <a:avLst/>
+          </a:prstGeom>
+        </p:spPr>
+        <p:txBody>
+          <a:bodyPr lIns="0" tIns="0" rIns="0" bIns="0" rtlCol="0" anchor="t">
+            <a:spAutoFit/>
+          </a:bodyPr>
+          <a:lstStyle/>
+          <a:p>
+            <a:pPr algn="l">
+              <a:lnSpc>
+                <a:spcPts val="1599"/>
+              </a:lnSpc>
+            </a:pPr>
+            <a:r>
+              <a:rPr lang="en-US" sz="999" dirty="0" err="1">
+                <a:solidFill>
+                  <a:srgbClr val="222525"/>
+                </a:solidFill>
+                <a:latin typeface="Montserrat"/>
+                <a:ea typeface="Montserrat"/>
+                <a:cs typeface="Montserrat"/>
+                <a:sym typeface="Montserrat"/>
+              </a:rPr>
+              <a:t>Diagramas</a:t>
+            </a:r>
+            <a:r>
+              <a:rPr lang="en-US" sz="999" dirty="0">
+                <a:solidFill>
+                  <a:srgbClr val="222525"/>
+                </a:solidFill>
+                <a:latin typeface="Montserrat"/>
+                <a:ea typeface="Montserrat"/>
+                <a:cs typeface="Montserrat"/>
+                <a:sym typeface="Montserrat"/>
+              </a:rPr>
+              <a:t> de </a:t>
+            </a:r>
+            <a:r>
+              <a:rPr lang="en-US" sz="999" dirty="0" err="1">
+                <a:solidFill>
+                  <a:srgbClr val="222525"/>
+                </a:solidFill>
+                <a:latin typeface="Montserrat"/>
+                <a:ea typeface="Montserrat"/>
+                <a:cs typeface="Montserrat"/>
+                <a:sym typeface="Montserrat"/>
+              </a:rPr>
+              <a:t>Diseño</a:t>
+            </a:r>
+            <a:endParaRPr lang="en-US" sz="999" dirty="0">
+              <a:solidFill>
+                <a:srgbClr val="222525"/>
+              </a:solidFill>
+              <a:latin typeface="Montserrat"/>
+              <a:ea typeface="Montserrat"/>
+              <a:cs typeface="Montserrat"/>
+              <a:sym typeface="Montserrat"/>
+            </a:endParaRPr>
+          </a:p>
+        </p:txBody>
+      </p:sp>
+      <p:sp>
+        <p:nvSpPr>
+          <p:cNvPr id="8" name="TextBox 8">
+            <a:extLst>
+              <a:ext uri="{FF2B5EF4-FFF2-40B4-BE49-F238E27FC236}">
+                <a16:creationId xmlns:a16="http://schemas.microsoft.com/office/drawing/2014/main" id="{F15D4AA5-D3C1-A650-F86B-E2B73661082E}"/>
+              </a:ext>
+            </a:extLst>
+          </p:cNvPr>
+          <p:cNvSpPr txBox="1"/>
+          <p:nvPr/>
+        </p:nvSpPr>
+        <p:spPr>
+          <a:xfrm>
+            <a:off x="5061670" y="10084923"/>
+            <a:ext cx="1742330" cy="187325"/>
+          </a:xfrm>
+          <a:prstGeom prst="rect">
+            <a:avLst/>
+          </a:prstGeom>
+        </p:spPr>
+        <p:txBody>
+          <a:bodyPr lIns="0" tIns="0" rIns="0" bIns="0" rtlCol="0" anchor="t">
+            <a:spAutoFit/>
+          </a:bodyPr>
+          <a:lstStyle/>
+          <a:p>
+            <a:pPr algn="r">
+              <a:lnSpc>
+                <a:spcPts val="1599"/>
+              </a:lnSpc>
+            </a:pPr>
+            <a:r>
+              <a:rPr lang="en-US" sz="999" dirty="0">
+                <a:solidFill>
+                  <a:srgbClr val="222525"/>
+                </a:solidFill>
+                <a:latin typeface="Montserrat"/>
+                <a:ea typeface="Montserrat"/>
+                <a:cs typeface="Montserrat"/>
+                <a:sym typeface="Montserrat"/>
+              </a:rPr>
+              <a:t>6</a:t>
+            </a:r>
+          </a:p>
+        </p:txBody>
+      </p:sp>
+      <p:sp>
+        <p:nvSpPr>
+          <p:cNvPr id="6" name="CuadroTexto 5">
+            <a:extLst>
+              <a:ext uri="{FF2B5EF4-FFF2-40B4-BE49-F238E27FC236}">
+                <a16:creationId xmlns:a16="http://schemas.microsoft.com/office/drawing/2014/main" id="{D12194EB-A553-42F2-E640-36B754AA05C5}"/>
+              </a:ext>
+            </a:extLst>
+          </p:cNvPr>
+          <p:cNvSpPr txBox="1"/>
+          <p:nvPr/>
+        </p:nvSpPr>
+        <p:spPr>
+          <a:xfrm>
+            <a:off x="2621573" y="5266182"/>
+            <a:ext cx="2035494" cy="307777"/>
+          </a:xfrm>
+          <a:prstGeom prst="rect">
+            <a:avLst/>
+          </a:prstGeom>
+          <a:noFill/>
+        </p:spPr>
+        <p:txBody>
+          <a:bodyPr wrap="none" rtlCol="0">
+            <a:spAutoFit/>
+          </a:bodyPr>
+          <a:lstStyle/>
+          <a:p>
+            <a:r>
+              <a:rPr lang="es-VE" sz="1400" b="1" dirty="0"/>
+              <a:t>Casos de uso para editor.</a:t>
+            </a:r>
+          </a:p>
+        </p:txBody>
+      </p:sp>
+      <p:pic>
+        <p:nvPicPr>
+          <p:cNvPr id="9" name="Imagen 8">
+            <a:extLst>
+              <a:ext uri="{FF2B5EF4-FFF2-40B4-BE49-F238E27FC236}">
+                <a16:creationId xmlns:a16="http://schemas.microsoft.com/office/drawing/2014/main" id="{A02053BA-FDB0-6EB2-365A-8B8A2D8083FA}"/>
+              </a:ext>
+            </a:extLst>
+          </p:cNvPr>
+          <p:cNvPicPr>
+            <a:picLocks noChangeAspect="1"/>
+          </p:cNvPicPr>
+          <p:nvPr/>
+        </p:nvPicPr>
+        <p:blipFill>
+          <a:blip r:embed="rId4">
+            <a:extLst>
+              <a:ext uri="{28A0092B-C50C-407E-A947-70E740481C1C}">
+                <a14:useLocalDpi xmlns:a14="http://schemas.microsoft.com/office/drawing/2010/main" val="0"/>
+              </a:ext>
+            </a:extLst>
+          </a:blip>
+          <a:stretch>
+            <a:fillRect/>
+          </a:stretch>
+        </p:blipFill>
+        <p:spPr>
+          <a:xfrm>
+            <a:off x="1111250" y="1184961"/>
+            <a:ext cx="5056141" cy="4081221"/>
+          </a:xfrm>
+          <a:prstGeom prst="rect">
+            <a:avLst/>
+          </a:prstGeom>
+        </p:spPr>
+      </p:pic>
+      <p:pic>
+        <p:nvPicPr>
+          <p:cNvPr id="12" name="Imagen 11">
+            <a:extLst>
+              <a:ext uri="{FF2B5EF4-FFF2-40B4-BE49-F238E27FC236}">
+                <a16:creationId xmlns:a16="http://schemas.microsoft.com/office/drawing/2014/main" id="{1D0F755A-125A-6222-94DD-79C098D8E846}"/>
+              </a:ext>
+            </a:extLst>
+          </p:cNvPr>
+          <p:cNvPicPr>
+            <a:picLocks noChangeAspect="1"/>
+          </p:cNvPicPr>
+          <p:nvPr/>
+        </p:nvPicPr>
+        <p:blipFill>
+          <a:blip r:embed="rId5">
+            <a:extLst>
+              <a:ext uri="{28A0092B-C50C-407E-A947-70E740481C1C}">
+                <a14:useLocalDpi xmlns:a14="http://schemas.microsoft.com/office/drawing/2010/main" val="0"/>
+              </a:ext>
+            </a:extLst>
+          </a:blip>
+          <a:stretch>
+            <a:fillRect/>
+          </a:stretch>
+        </p:blipFill>
+        <p:spPr>
+          <a:xfrm>
+            <a:off x="1361444" y="5765569"/>
+            <a:ext cx="4761497" cy="3703387"/>
+          </a:xfrm>
+          <a:prstGeom prst="rect">
+            <a:avLst/>
+          </a:prstGeom>
+        </p:spPr>
+      </p:pic>
+      <p:sp>
+        <p:nvSpPr>
+          <p:cNvPr id="15" name="CuadroTexto 14">
+            <a:extLst>
+              <a:ext uri="{FF2B5EF4-FFF2-40B4-BE49-F238E27FC236}">
+                <a16:creationId xmlns:a16="http://schemas.microsoft.com/office/drawing/2014/main" id="{67C033EC-9BD8-E958-0860-61B71D473819}"/>
+              </a:ext>
+            </a:extLst>
+          </p:cNvPr>
+          <p:cNvSpPr txBox="1"/>
+          <p:nvPr/>
+        </p:nvSpPr>
+        <p:spPr>
+          <a:xfrm>
+            <a:off x="2724445" y="9468956"/>
+            <a:ext cx="2014654" cy="307777"/>
+          </a:xfrm>
+          <a:prstGeom prst="rect">
+            <a:avLst/>
+          </a:prstGeom>
+          <a:noFill/>
+        </p:spPr>
+        <p:txBody>
+          <a:bodyPr wrap="none" rtlCol="0">
+            <a:spAutoFit/>
+          </a:bodyPr>
+          <a:lstStyle/>
+          <a:p>
+            <a:r>
+              <a:rPr lang="es-VE" sz="1400" b="1" dirty="0"/>
+              <a:t>Casos de uso para lector.</a:t>
+            </a:r>
+          </a:p>
+        </p:txBody>
+      </p:sp>
+    </p:spTree>
+    <p:extLst>
+      <p:ext uri="{BB962C8B-B14F-4D97-AF65-F5344CB8AC3E}">
+        <p14:creationId xmlns:p14="http://schemas.microsoft.com/office/powerpoint/2010/main" val="3953760574"/>
+      </p:ext>
+    </p:extLst>
+  </p:cSld>
+  <p:clrMapOvr>
+    <a:masterClrMapping/>
+  </p:clrMapOvr>
+</p:sld>
+</file>
+
+<file path=ppt/slides/slide8.xml><?xml version="1.0" encoding="utf-8"?>
 <p:sld xmlns:a="http://schemas.openxmlformats.org/drawingml/2006/main" xmlns:r="http://schemas.openxmlformats.org/officeDocument/2006/relationships" xmlns:p="http://schemas.openxmlformats.org/presentationml/2006/main">
   <p:cSld>
     <p:bg>
@@ -15668,17 +17486,135 @@
                 <a:cs typeface="Montserrat"/>
                 <a:sym typeface="Montserrat"/>
               </a:rPr>
-              <a:t>6</a:t>
+              <a:t>7</a:t>
+            </a:r>
+          </a:p>
+        </p:txBody>
+      </p:sp>
+      <p:sp>
+        <p:nvSpPr>
+          <p:cNvPr id="13" name="CuadroTexto 12">
+            <a:extLst>
+              <a:ext uri="{FF2B5EF4-FFF2-40B4-BE49-F238E27FC236}">
+                <a16:creationId xmlns:a16="http://schemas.microsoft.com/office/drawing/2014/main" id="{7DED7637-40B9-C936-5B5E-644ECD75E827}"/>
+              </a:ext>
+            </a:extLst>
+          </p:cNvPr>
+          <p:cNvSpPr txBox="1"/>
+          <p:nvPr/>
+        </p:nvSpPr>
+        <p:spPr>
+          <a:xfrm>
+            <a:off x="589521" y="1428487"/>
+            <a:ext cx="3107454" cy="369332"/>
+          </a:xfrm>
+          <a:prstGeom prst="rect">
+            <a:avLst/>
+          </a:prstGeom>
+          <a:noFill/>
+        </p:spPr>
+        <p:txBody>
+          <a:bodyPr wrap="none" rtlCol="0">
+            <a:spAutoFit/>
+          </a:bodyPr>
+          <a:lstStyle/>
+          <a:p>
+            <a:pPr marL="342900" indent="-342900">
+              <a:buFont typeface="+mj-lt"/>
+              <a:buAutoNum type="arabicPeriod" startAt="2"/>
+            </a:pPr>
+            <a:r>
+              <a:rPr lang="es-VE" dirty="0"/>
+              <a:t>Diagrama de Flujo de Datos</a:t>
+            </a:r>
+          </a:p>
+        </p:txBody>
+      </p:sp>
+      <p:sp>
+        <p:nvSpPr>
+          <p:cNvPr id="15" name="CuadroTexto 14">
+            <a:extLst>
+              <a:ext uri="{FF2B5EF4-FFF2-40B4-BE49-F238E27FC236}">
+                <a16:creationId xmlns:a16="http://schemas.microsoft.com/office/drawing/2014/main" id="{D2EC4784-5D90-6243-26D0-2232EB7A1F58}"/>
+              </a:ext>
+            </a:extLst>
+          </p:cNvPr>
+          <p:cNvSpPr txBox="1"/>
+          <p:nvPr/>
+        </p:nvSpPr>
+        <p:spPr>
+          <a:xfrm>
+            <a:off x="335170" y="5974925"/>
+            <a:ext cx="4117153" cy="369332"/>
+          </a:xfrm>
+          <a:prstGeom prst="rect">
+            <a:avLst/>
+          </a:prstGeom>
+          <a:noFill/>
+        </p:spPr>
+        <p:txBody>
+          <a:bodyPr wrap="none" rtlCol="0">
+            <a:spAutoFit/>
+          </a:bodyPr>
+          <a:lstStyle/>
+          <a:p>
+            <a:pPr marL="342900" indent="-342900">
+              <a:buFont typeface="+mj-lt"/>
+              <a:buAutoNum type="arabicPeriod" startAt="3"/>
+            </a:pPr>
+            <a:r>
+              <a:rPr lang="es-VE" dirty="0"/>
+              <a:t>Diagrama de Modelo Entidad Relación</a:t>
+            </a:r>
+          </a:p>
+        </p:txBody>
+      </p:sp>
+      <p:sp>
+        <p:nvSpPr>
+          <p:cNvPr id="19" name="CuadroTexto 18">
+            <a:extLst>
+              <a:ext uri="{FF2B5EF4-FFF2-40B4-BE49-F238E27FC236}">
+                <a16:creationId xmlns:a16="http://schemas.microsoft.com/office/drawing/2014/main" id="{02F398AE-8167-8DDD-4DBB-1240304E98D9}"/>
+              </a:ext>
+            </a:extLst>
+          </p:cNvPr>
+          <p:cNvSpPr txBox="1"/>
+          <p:nvPr/>
+        </p:nvSpPr>
+        <p:spPr>
+          <a:xfrm>
+            <a:off x="988150" y="9382530"/>
+            <a:ext cx="5812350" cy="584775"/>
+          </a:xfrm>
+          <a:prstGeom prst="rect">
+            <a:avLst/>
+          </a:prstGeom>
+          <a:noFill/>
+        </p:spPr>
+        <p:txBody>
+          <a:bodyPr wrap="square" rtlCol="0">
+            <a:spAutoFit/>
+          </a:bodyPr>
+          <a:lstStyle/>
+          <a:p>
+            <a:pPr algn="just"/>
+            <a:r>
+              <a:rPr lang="es-VE" b="1" dirty="0"/>
+              <a:t>Nota: </a:t>
+            </a:r>
+            <a:r>
+              <a:rPr lang="es-VE" sz="1400" b="1" dirty="0"/>
+              <a:t>En La fase de diseño el idioma usado es español y en la fase de desarrollo es el inglés. </a:t>
             </a:r>
           </a:p>
         </p:txBody>
       </p:sp>
       <p:pic>
         <p:nvPicPr>
-          <p:cNvPr id="10" name="Imagen 9">
+          <p:cNvPr id="9" name="Imagen 8">
             <a:extLst>
               <a:ext uri="{FF2B5EF4-FFF2-40B4-BE49-F238E27FC236}">
-                <a16:creationId xmlns:a16="http://schemas.microsoft.com/office/drawing/2014/main" id="{A3480204-3BE2-64E9-97ED-304240E4060B}"/>
+                <a16:creationId xmlns:a16="http://schemas.microsoft.com/office/drawing/2014/main" id="{48808685-8814-79B6-E896-0DFDE4684DF6}"/>
               </a:ext>
             </a:extLst>
           </p:cNvPr>
@@ -15701,603 +17637,25 @@
         </p:blipFill>
         <p:spPr>
           <a:xfrm>
-            <a:off x="902598" y="3306446"/>
-            <a:ext cx="5751304" cy="5495874"/>
+            <a:off x="229902" y="2130882"/>
+            <a:ext cx="7094177" cy="3295011"/>
           </a:xfrm>
           <a:prstGeom prst="rect">
             <a:avLst/>
           </a:prstGeom>
           <a:ln>
             <a:solidFill>
-              <a:srgbClr val="FF0000"/>
+              <a:srgbClr val="C00000"/>
             </a:solidFill>
           </a:ln>
         </p:spPr>
       </p:pic>
-      <p:sp>
-        <p:nvSpPr>
-          <p:cNvPr id="11" name="TextBox 6">
+      <p:pic>
+        <p:nvPicPr>
+          <p:cNvPr id="12" name="Imagen 11">
             <a:extLst>
               <a:ext uri="{FF2B5EF4-FFF2-40B4-BE49-F238E27FC236}">
-                <a16:creationId xmlns:a16="http://schemas.microsoft.com/office/drawing/2014/main" id="{93BAC029-774C-86B3-CC89-6D126AC0B441}"/>
-              </a:ext>
-            </a:extLst>
-          </p:cNvPr>
-          <p:cNvSpPr txBox="1"/>
-          <p:nvPr/>
-        </p:nvSpPr>
-        <p:spPr>
-          <a:xfrm>
-            <a:off x="284667" y="1371282"/>
-            <a:ext cx="6984650" cy="660181"/>
-          </a:xfrm>
-          <a:prstGeom prst="rect">
-            <a:avLst/>
-          </a:prstGeom>
-        </p:spPr>
-        <p:txBody>
-          <a:bodyPr wrap="square" lIns="0" tIns="0" rIns="0" bIns="0" rtlCol="0" anchor="t">
-            <a:spAutoFit/>
-          </a:bodyPr>
-          <a:lstStyle/>
-          <a:p>
-            <a:pPr algn="just">
-              <a:lnSpc>
-                <a:spcPts val="5300"/>
-              </a:lnSpc>
-            </a:pPr>
-            <a:r>
-              <a:rPr lang="en-US" sz="4000" dirty="0">
-                <a:solidFill>
-                  <a:srgbClr val="222525"/>
-                </a:solidFill>
-                <a:latin typeface="DM Serif Display"/>
-                <a:ea typeface="DM Serif Display"/>
-                <a:cs typeface="DM Serif Display"/>
-                <a:sym typeface="DM Serif Display"/>
-              </a:rPr>
-              <a:t>III. </a:t>
-            </a:r>
-            <a:r>
-              <a:rPr lang="en-US" sz="4000" dirty="0" err="1">
-                <a:solidFill>
-                  <a:srgbClr val="222525"/>
-                </a:solidFill>
-                <a:latin typeface="DM Serif Display"/>
-                <a:ea typeface="DM Serif Display"/>
-                <a:cs typeface="DM Serif Display"/>
-                <a:sym typeface="DM Serif Display"/>
-              </a:rPr>
-              <a:t>Diagramas</a:t>
-            </a:r>
-            <a:r>
-              <a:rPr lang="en-US" sz="4000" dirty="0">
-                <a:solidFill>
-                  <a:srgbClr val="222525"/>
-                </a:solidFill>
-                <a:latin typeface="DM Serif Display"/>
-                <a:ea typeface="DM Serif Display"/>
-                <a:cs typeface="DM Serif Display"/>
-                <a:sym typeface="DM Serif Display"/>
-              </a:rPr>
-              <a:t> de </a:t>
-            </a:r>
-            <a:r>
-              <a:rPr lang="en-US" sz="4000" dirty="0" err="1">
-                <a:solidFill>
-                  <a:srgbClr val="222525"/>
-                </a:solidFill>
-                <a:latin typeface="DM Serif Display"/>
-                <a:ea typeface="DM Serif Display"/>
-                <a:cs typeface="DM Serif Display"/>
-                <a:sym typeface="DM Serif Display"/>
-              </a:rPr>
-              <a:t>Diseño</a:t>
-            </a:r>
-            <a:endParaRPr lang="en-US" sz="4000" dirty="0">
-              <a:solidFill>
-                <a:srgbClr val="222525"/>
-              </a:solidFill>
-              <a:latin typeface="DM Serif Display"/>
-              <a:ea typeface="DM Serif Display"/>
-              <a:cs typeface="DM Serif Display"/>
-              <a:sym typeface="DM Serif Display"/>
-            </a:endParaRPr>
-          </a:p>
-        </p:txBody>
-      </p:sp>
-      <p:sp>
-        <p:nvSpPr>
-          <p:cNvPr id="13" name="CuadroTexto 12">
-            <a:extLst>
-              <a:ext uri="{FF2B5EF4-FFF2-40B4-BE49-F238E27FC236}">
-                <a16:creationId xmlns:a16="http://schemas.microsoft.com/office/drawing/2014/main" id="{7CBDA06A-2663-340D-35BA-4523EAE0ADEA}"/>
-              </a:ext>
-            </a:extLst>
-          </p:cNvPr>
-          <p:cNvSpPr txBox="1"/>
-          <p:nvPr/>
-        </p:nvSpPr>
-        <p:spPr>
-          <a:xfrm>
-            <a:off x="452767" y="2506060"/>
-            <a:ext cx="3007618" cy="369332"/>
-          </a:xfrm>
-          <a:prstGeom prst="rect">
-            <a:avLst/>
-          </a:prstGeom>
-          <a:noFill/>
-        </p:spPr>
-        <p:txBody>
-          <a:bodyPr wrap="none" rtlCol="0">
-            <a:spAutoFit/>
-          </a:bodyPr>
-          <a:lstStyle/>
-          <a:p>
-            <a:pPr marL="342900" indent="-342900">
-              <a:buFont typeface="+mj-lt"/>
-              <a:buAutoNum type="arabicPeriod"/>
-            </a:pPr>
-            <a:r>
-              <a:rPr lang="es-VE" dirty="0"/>
-              <a:t>Diagrama de Casos de Uso</a:t>
-            </a:r>
-          </a:p>
-        </p:txBody>
-      </p:sp>
-    </p:spTree>
-  </p:cSld>
-  <p:clrMapOvr>
-    <a:masterClrMapping/>
-  </p:clrMapOvr>
-</p:sld>
-</file>
-
-<file path=ppt/slides/slide7.xml><?xml version="1.0" encoding="utf-8"?>
-<p:sld xmlns:a="http://schemas.openxmlformats.org/drawingml/2006/main" xmlns:r="http://schemas.openxmlformats.org/officeDocument/2006/relationships" xmlns:p="http://schemas.openxmlformats.org/presentationml/2006/main">
-  <p:cSld>
-    <p:bg>
-      <p:bgPr>
-        <a:solidFill>
-          <a:srgbClr val="F7F5F2"/>
-        </a:solidFill>
-        <a:effectLst/>
-      </p:bgPr>
-    </p:bg>
-    <p:spTree>
-      <p:nvGrpSpPr>
-        <p:cNvPr id="1" name=""/>
-        <p:cNvGrpSpPr/>
-        <p:nvPr/>
-      </p:nvGrpSpPr>
-      <p:grpSpPr>
-        <a:xfrm>
-          <a:off x="0" y="0"/>
-          <a:ext cx="0" cy="0"/>
-          <a:chOff x="0" y="0"/>
-          <a:chExt cx="0" cy="0"/>
-        </a:xfrm>
-      </p:grpSpPr>
-      <p:sp>
-        <p:nvSpPr>
-          <p:cNvPr id="2" name="Freeform 2"/>
-          <p:cNvSpPr/>
-          <p:nvPr/>
-        </p:nvSpPr>
-        <p:spPr>
-          <a:xfrm rot="5400000">
-            <a:off x="5789382" y="-1598340"/>
-            <a:ext cx="2362194" cy="3049781"/>
-          </a:xfrm>
-          <a:custGeom>
-            <a:avLst/>
-            <a:gdLst/>
-            <a:ahLst/>
-            <a:cxnLst/>
-            <a:rect l="l" t="t" r="r" b="b"/>
-            <a:pathLst>
-              <a:path w="2362194" h="3049781">
-                <a:moveTo>
-                  <a:pt x="0" y="0"/>
-                </a:moveTo>
-                <a:lnTo>
-                  <a:pt x="2362194" y="0"/>
-                </a:lnTo>
-                <a:lnTo>
-                  <a:pt x="2362194" y="3049782"/>
-                </a:lnTo>
-                <a:lnTo>
-                  <a:pt x="0" y="3049782"/>
-                </a:lnTo>
-                <a:lnTo>
-                  <a:pt x="0" y="0"/>
-                </a:lnTo>
-                <a:close/>
-              </a:path>
-            </a:pathLst>
-          </a:custGeom>
-          <a:blipFill>
-            <a:blip r:embed="rId2">
-              <a:extLst>
-                <a:ext uri="{96DAC541-7B7A-43D3-8B79-37D633B846F1}">
-                  <asvg:svgBlip xmlns:asvg="http://schemas.microsoft.com/office/drawing/2016/SVG/main" r:embed="rId3"/>
-                </a:ext>
-              </a:extLst>
-            </a:blip>
-            <a:stretch>
-              <a:fillRect/>
-            </a:stretch>
-          </a:blipFill>
-        </p:spPr>
-      </p:sp>
-      <p:sp>
-        <p:nvSpPr>
-          <p:cNvPr id="3" name="Freeform 3"/>
-          <p:cNvSpPr/>
-          <p:nvPr/>
-        </p:nvSpPr>
-        <p:spPr>
-          <a:xfrm rot="5400000">
-            <a:off x="2595895" y="-1598340"/>
-            <a:ext cx="2362194" cy="3049781"/>
-          </a:xfrm>
-          <a:custGeom>
-            <a:avLst/>
-            <a:gdLst/>
-            <a:ahLst/>
-            <a:cxnLst/>
-            <a:rect l="l" t="t" r="r" b="b"/>
-            <a:pathLst>
-              <a:path w="2362194" h="3049781">
-                <a:moveTo>
-                  <a:pt x="0" y="0"/>
-                </a:moveTo>
-                <a:lnTo>
-                  <a:pt x="2362194" y="0"/>
-                </a:lnTo>
-                <a:lnTo>
-                  <a:pt x="2362194" y="3049782"/>
-                </a:lnTo>
-                <a:lnTo>
-                  <a:pt x="0" y="3049782"/>
-                </a:lnTo>
-                <a:lnTo>
-                  <a:pt x="0" y="0"/>
-                </a:lnTo>
-                <a:close/>
-              </a:path>
-            </a:pathLst>
-          </a:custGeom>
-          <a:blipFill>
-            <a:blip r:embed="rId2">
-              <a:extLst>
-                <a:ext uri="{96DAC541-7B7A-43D3-8B79-37D633B846F1}">
-                  <asvg:svgBlip xmlns:asvg="http://schemas.microsoft.com/office/drawing/2016/SVG/main" r:embed="rId3"/>
-                </a:ext>
-              </a:extLst>
-            </a:blip>
-            <a:stretch>
-              <a:fillRect/>
-            </a:stretch>
-          </a:blipFill>
-        </p:spPr>
-      </p:sp>
-      <p:sp>
-        <p:nvSpPr>
-          <p:cNvPr id="4" name="Freeform 4"/>
-          <p:cNvSpPr/>
-          <p:nvPr/>
-        </p:nvSpPr>
-        <p:spPr>
-          <a:xfrm rot="5400000">
-            <a:off x="-591576" y="-1598340"/>
-            <a:ext cx="2362194" cy="3049781"/>
-          </a:xfrm>
-          <a:custGeom>
-            <a:avLst/>
-            <a:gdLst/>
-            <a:ahLst/>
-            <a:cxnLst/>
-            <a:rect l="l" t="t" r="r" b="b"/>
-            <a:pathLst>
-              <a:path w="2362194" h="3049781">
-                <a:moveTo>
-                  <a:pt x="0" y="0"/>
-                </a:moveTo>
-                <a:lnTo>
-                  <a:pt x="2362194" y="0"/>
-                </a:lnTo>
-                <a:lnTo>
-                  <a:pt x="2362194" y="3049782"/>
-                </a:lnTo>
-                <a:lnTo>
-                  <a:pt x="0" y="3049782"/>
-                </a:lnTo>
-                <a:lnTo>
-                  <a:pt x="0" y="0"/>
-                </a:lnTo>
-                <a:close/>
-              </a:path>
-            </a:pathLst>
-          </a:custGeom>
-          <a:blipFill>
-            <a:blip r:embed="rId2">
-              <a:extLst>
-                <a:ext uri="{96DAC541-7B7A-43D3-8B79-37D633B846F1}">
-                  <asvg:svgBlip xmlns:asvg="http://schemas.microsoft.com/office/drawing/2016/SVG/main" r:embed="rId3"/>
-                </a:ext>
-              </a:extLst>
-            </a:blip>
-            <a:stretch>
-              <a:fillRect/>
-            </a:stretch>
-          </a:blipFill>
-        </p:spPr>
-      </p:sp>
-      <p:sp>
-        <p:nvSpPr>
-          <p:cNvPr id="5" name="AutoShape 5"/>
-          <p:cNvSpPr/>
-          <p:nvPr/>
-        </p:nvSpPr>
-        <p:spPr>
-          <a:xfrm>
-            <a:off x="756000" y="9931238"/>
-            <a:ext cx="6048000" cy="0"/>
-          </a:xfrm>
-          <a:prstGeom prst="line">
-            <a:avLst/>
-          </a:prstGeom>
-          <a:ln w="9525" cap="flat">
-            <a:solidFill>
-              <a:srgbClr val="000000"/>
-            </a:solidFill>
-            <a:prstDash val="solid"/>
-            <a:headEnd type="none" w="sm" len="sm"/>
-            <a:tailEnd type="none" w="sm" len="sm"/>
-          </a:ln>
-        </p:spPr>
-      </p:sp>
-      <p:sp>
-        <p:nvSpPr>
-          <p:cNvPr id="7" name="TextBox 7"/>
-          <p:cNvSpPr txBox="1"/>
-          <p:nvPr/>
-        </p:nvSpPr>
-        <p:spPr>
-          <a:xfrm>
-            <a:off x="756000" y="10084923"/>
-            <a:ext cx="1742330" cy="187325"/>
-          </a:xfrm>
-          <a:prstGeom prst="rect">
-            <a:avLst/>
-          </a:prstGeom>
-        </p:spPr>
-        <p:txBody>
-          <a:bodyPr lIns="0" tIns="0" rIns="0" bIns="0" rtlCol="0" anchor="t">
-            <a:spAutoFit/>
-          </a:bodyPr>
-          <a:lstStyle/>
-          <a:p>
-            <a:pPr algn="l">
-              <a:lnSpc>
-                <a:spcPts val="1599"/>
-              </a:lnSpc>
-            </a:pPr>
-            <a:r>
-              <a:rPr lang="en-US" sz="999" dirty="0" err="1">
-                <a:solidFill>
-                  <a:srgbClr val="222525"/>
-                </a:solidFill>
-                <a:latin typeface="Montserrat"/>
-                <a:ea typeface="Montserrat"/>
-                <a:cs typeface="Montserrat"/>
-                <a:sym typeface="Montserrat"/>
-              </a:rPr>
-              <a:t>Diagramas</a:t>
-            </a:r>
-            <a:r>
-              <a:rPr lang="en-US" sz="999" dirty="0">
-                <a:solidFill>
-                  <a:srgbClr val="222525"/>
-                </a:solidFill>
-                <a:latin typeface="Montserrat"/>
-                <a:ea typeface="Montserrat"/>
-                <a:cs typeface="Montserrat"/>
-                <a:sym typeface="Montserrat"/>
-              </a:rPr>
-              <a:t> de </a:t>
-            </a:r>
-            <a:r>
-              <a:rPr lang="en-US" sz="999" dirty="0" err="1">
-                <a:solidFill>
-                  <a:srgbClr val="222525"/>
-                </a:solidFill>
-                <a:latin typeface="Montserrat"/>
-                <a:ea typeface="Montserrat"/>
-                <a:cs typeface="Montserrat"/>
-                <a:sym typeface="Montserrat"/>
-              </a:rPr>
-              <a:t>Diseño</a:t>
-            </a:r>
-            <a:endParaRPr lang="en-US" sz="999" dirty="0">
-              <a:solidFill>
-                <a:srgbClr val="222525"/>
-              </a:solidFill>
-              <a:latin typeface="Montserrat"/>
-              <a:ea typeface="Montserrat"/>
-              <a:cs typeface="Montserrat"/>
-              <a:sym typeface="Montserrat"/>
-            </a:endParaRPr>
-          </a:p>
-        </p:txBody>
-      </p:sp>
-      <p:sp>
-        <p:nvSpPr>
-          <p:cNvPr id="8" name="TextBox 8"/>
-          <p:cNvSpPr txBox="1"/>
-          <p:nvPr/>
-        </p:nvSpPr>
-        <p:spPr>
-          <a:xfrm>
-            <a:off x="5061670" y="10084923"/>
-            <a:ext cx="1742330" cy="187325"/>
-          </a:xfrm>
-          <a:prstGeom prst="rect">
-            <a:avLst/>
-          </a:prstGeom>
-        </p:spPr>
-        <p:txBody>
-          <a:bodyPr lIns="0" tIns="0" rIns="0" bIns="0" rtlCol="0" anchor="t">
-            <a:spAutoFit/>
-          </a:bodyPr>
-          <a:lstStyle/>
-          <a:p>
-            <a:pPr algn="r">
-              <a:lnSpc>
-                <a:spcPts val="1599"/>
-              </a:lnSpc>
-            </a:pPr>
-            <a:r>
-              <a:rPr lang="en-US" sz="999" dirty="0">
-                <a:solidFill>
-                  <a:srgbClr val="222525"/>
-                </a:solidFill>
-                <a:latin typeface="Montserrat"/>
-                <a:ea typeface="Montserrat"/>
-                <a:cs typeface="Montserrat"/>
-                <a:sym typeface="Montserrat"/>
-              </a:rPr>
-              <a:t>7</a:t>
-            </a:r>
-          </a:p>
-        </p:txBody>
-      </p:sp>
-      <p:pic>
-        <p:nvPicPr>
-          <p:cNvPr id="11" name="Imagen 10">
-            <a:extLst>
-              <a:ext uri="{FF2B5EF4-FFF2-40B4-BE49-F238E27FC236}">
-                <a16:creationId xmlns:a16="http://schemas.microsoft.com/office/drawing/2014/main" id="{7E677AA5-A0C1-9429-33D5-F8F7307E1CAF}"/>
-              </a:ext>
-            </a:extLst>
-          </p:cNvPr>
-          <p:cNvPicPr>
-            <a:picLocks noChangeAspect="1"/>
-          </p:cNvPicPr>
-          <p:nvPr/>
-        </p:nvPicPr>
-        <p:blipFill>
-          <a:blip r:embed="rId4">
-            <a:extLst>
-              <a:ext uri="{28A0092B-C50C-407E-A947-70E740481C1C}">
-                <a14:useLocalDpi xmlns:a14="http://schemas.microsoft.com/office/drawing/2010/main" val="0"/>
-              </a:ext>
-            </a:extLst>
-          </a:blip>
-          <a:stretch>
-            <a:fillRect/>
-          </a:stretch>
-        </p:blipFill>
-        <p:spPr>
-          <a:xfrm>
-            <a:off x="335170" y="2149475"/>
-            <a:ext cx="6883643" cy="3197225"/>
-          </a:xfrm>
-          <a:prstGeom prst="rect">
-            <a:avLst/>
-          </a:prstGeom>
-          <a:ln>
-            <a:solidFill>
-              <a:srgbClr val="FF0000"/>
-            </a:solidFill>
-          </a:ln>
-        </p:spPr>
-      </p:pic>
-      <p:sp>
-        <p:nvSpPr>
-          <p:cNvPr id="13" name="CuadroTexto 12">
-            <a:extLst>
-              <a:ext uri="{FF2B5EF4-FFF2-40B4-BE49-F238E27FC236}">
-                <a16:creationId xmlns:a16="http://schemas.microsoft.com/office/drawing/2014/main" id="{7DED7637-40B9-C936-5B5E-644ECD75E827}"/>
-              </a:ext>
-            </a:extLst>
-          </p:cNvPr>
-          <p:cNvSpPr txBox="1"/>
-          <p:nvPr/>
-        </p:nvSpPr>
-        <p:spPr>
-          <a:xfrm>
-            <a:off x="589521" y="1428487"/>
-            <a:ext cx="3107454" cy="369332"/>
-          </a:xfrm>
-          <a:prstGeom prst="rect">
-            <a:avLst/>
-          </a:prstGeom>
-          <a:noFill/>
-        </p:spPr>
-        <p:txBody>
-          <a:bodyPr wrap="none" rtlCol="0">
-            <a:spAutoFit/>
-          </a:bodyPr>
-          <a:lstStyle/>
-          <a:p>
-            <a:pPr marL="342900" indent="-342900">
-              <a:buFont typeface="+mj-lt"/>
-              <a:buAutoNum type="arabicPeriod" startAt="2"/>
-            </a:pPr>
-            <a:r>
-              <a:rPr lang="es-VE" dirty="0"/>
-              <a:t>Diagrama de Flujo de Datos</a:t>
-            </a:r>
-          </a:p>
-        </p:txBody>
-      </p:sp>
-      <p:sp>
-        <p:nvSpPr>
-          <p:cNvPr id="15" name="CuadroTexto 14">
-            <a:extLst>
-              <a:ext uri="{FF2B5EF4-FFF2-40B4-BE49-F238E27FC236}">
-                <a16:creationId xmlns:a16="http://schemas.microsoft.com/office/drawing/2014/main" id="{D2EC4784-5D90-6243-26D0-2232EB7A1F58}"/>
-              </a:ext>
-            </a:extLst>
-          </p:cNvPr>
-          <p:cNvSpPr txBox="1"/>
-          <p:nvPr/>
-        </p:nvSpPr>
-        <p:spPr>
-          <a:xfrm>
-            <a:off x="335170" y="5974925"/>
-            <a:ext cx="4117153" cy="369332"/>
-          </a:xfrm>
-          <a:prstGeom prst="rect">
-            <a:avLst/>
-          </a:prstGeom>
-          <a:noFill/>
-        </p:spPr>
-        <p:txBody>
-          <a:bodyPr wrap="none" rtlCol="0">
-            <a:spAutoFit/>
-          </a:bodyPr>
-          <a:lstStyle/>
-          <a:p>
-            <a:pPr marL="342900" indent="-342900">
-              <a:buFont typeface="+mj-lt"/>
-              <a:buAutoNum type="arabicPeriod" startAt="3"/>
-            </a:pPr>
-            <a:r>
-              <a:rPr lang="es-VE" dirty="0"/>
-              <a:t>Diagrama de Modelo Entidad Relación</a:t>
-            </a:r>
-          </a:p>
-        </p:txBody>
-      </p:sp>
-      <p:pic>
-        <p:nvPicPr>
-          <p:cNvPr id="16" name="Imagen 15">
-            <a:extLst>
-              <a:ext uri="{FF2B5EF4-FFF2-40B4-BE49-F238E27FC236}">
-                <a16:creationId xmlns:a16="http://schemas.microsoft.com/office/drawing/2014/main" id="{A4AFA62D-3B26-8C38-F600-E8A4456720E9}"/>
+                <a16:creationId xmlns:a16="http://schemas.microsoft.com/office/drawing/2014/main" id="{EEFC4E82-A508-4F82-8FEF-0893AC0F1252}"/>
               </a:ext>
             </a:extLst>
           </p:cNvPr>
@@ -16320,59 +17678,19 @@
         </p:blipFill>
         <p:spPr>
           <a:xfrm>
-            <a:off x="376742" y="6677320"/>
-            <a:ext cx="6800498" cy="2587593"/>
+            <a:off x="217220" y="6556599"/>
+            <a:ext cx="7122060" cy="2689065"/>
           </a:xfrm>
           <a:prstGeom prst="rect">
             <a:avLst/>
           </a:prstGeom>
           <a:ln>
             <a:solidFill>
-              <a:srgbClr val="FF0000"/>
+              <a:srgbClr val="C00000"/>
             </a:solidFill>
           </a:ln>
         </p:spPr>
       </p:pic>
-      <p:sp>
-        <p:nvSpPr>
-          <p:cNvPr id="19" name="CuadroTexto 18">
-            <a:extLst>
-              <a:ext uri="{FF2B5EF4-FFF2-40B4-BE49-F238E27FC236}">
-                <a16:creationId xmlns:a16="http://schemas.microsoft.com/office/drawing/2014/main" id="{02F398AE-8167-8DDD-4DBB-1240304E98D9}"/>
-              </a:ext>
-            </a:extLst>
-          </p:cNvPr>
-          <p:cNvSpPr txBox="1"/>
-          <p:nvPr/>
-        </p:nvSpPr>
-        <p:spPr>
-          <a:xfrm>
-            <a:off x="988150" y="9382530"/>
-            <a:ext cx="5812350" cy="584775"/>
-          </a:xfrm>
-          <a:prstGeom prst="rect">
-            <a:avLst/>
-          </a:prstGeom>
-          <a:noFill/>
-        </p:spPr>
-        <p:txBody>
-          <a:bodyPr wrap="square" rtlCol="0">
-            <a:spAutoFit/>
-          </a:bodyPr>
-          <a:lstStyle/>
-          <a:p>
-            <a:pPr algn="just"/>
-            <a:r>
-              <a:rPr lang="es-VE" b="1" dirty="0"/>
-              <a:t>Nota: </a:t>
-            </a:r>
-            <a:r>
-              <a:rPr lang="es-VE" sz="1400" b="1" dirty="0"/>
-              <a:t>En La fase de diseño el idioma usado es español y en la fase de desarrollo es el inglés. </a:t>
-            </a:r>
-          </a:p>
-        </p:txBody>
-      </p:sp>
     </p:spTree>
   </p:cSld>
   <p:clrMapOvr>
@@ -16381,7 +17699,7 @@
 </p:sld>
 </file>
 
-<file path=ppt/slides/slide8.xml><?xml version="1.0" encoding="utf-8"?>
+<file path=ppt/slides/slide9.xml><?xml version="1.0" encoding="utf-8"?>
 <p:sld xmlns:a="http://schemas.openxmlformats.org/drawingml/2006/main" xmlns:r="http://schemas.openxmlformats.org/officeDocument/2006/relationships" xmlns:p="http://schemas.openxmlformats.org/presentationml/2006/main">
   <p:cSld>
     <p:bg>
@@ -17072,794 +18390,6 @@
     <p:extLst>
       <p:ext uri="{BB962C8B-B14F-4D97-AF65-F5344CB8AC3E}">
         <p14:creationId xmlns:p14="http://schemas.microsoft.com/office/powerpoint/2010/main" val="3879200758"/>
-      </p:ext>
-    </p:extLst>
-  </p:cSld>
-  <p:clrMapOvr>
-    <a:masterClrMapping/>
-  </p:clrMapOvr>
-</p:sld>
-</file>
-
-<file path=ppt/slides/slide9.xml><?xml version="1.0" encoding="utf-8"?>
-<p:sld xmlns:a="http://schemas.openxmlformats.org/drawingml/2006/main" xmlns:r="http://schemas.openxmlformats.org/officeDocument/2006/relationships" xmlns:p="http://schemas.openxmlformats.org/presentationml/2006/main">
-  <p:cSld>
-    <p:bg>
-      <p:bgPr>
-        <a:solidFill>
-          <a:srgbClr val="F7F5F2"/>
-        </a:solidFill>
-        <a:effectLst/>
-      </p:bgPr>
-    </p:bg>
-    <p:spTree>
-      <p:nvGrpSpPr>
-        <p:cNvPr id="1" name="">
-          <a:extLst>
-            <a:ext uri="{FF2B5EF4-FFF2-40B4-BE49-F238E27FC236}">
-              <a16:creationId xmlns:a16="http://schemas.microsoft.com/office/drawing/2014/main" id="{F9E123FD-334D-E2E9-B30C-594A1C725D29}"/>
-            </a:ext>
-          </a:extLst>
-        </p:cNvPr>
-        <p:cNvGrpSpPr/>
-        <p:nvPr/>
-      </p:nvGrpSpPr>
-      <p:grpSpPr>
-        <a:xfrm>
-          <a:off x="0" y="0"/>
-          <a:ext cx="0" cy="0"/>
-          <a:chOff x="0" y="0"/>
-          <a:chExt cx="0" cy="0"/>
-        </a:xfrm>
-      </p:grpSpPr>
-      <p:sp>
-        <p:nvSpPr>
-          <p:cNvPr id="7" name="Freeform 7">
-            <a:extLst>
-              <a:ext uri="{FF2B5EF4-FFF2-40B4-BE49-F238E27FC236}">
-                <a16:creationId xmlns:a16="http://schemas.microsoft.com/office/drawing/2014/main" id="{DC155237-6EC5-C18A-530F-2393234F4543}"/>
-              </a:ext>
-            </a:extLst>
-          </p:cNvPr>
-          <p:cNvSpPr/>
-          <p:nvPr/>
-        </p:nvSpPr>
-        <p:spPr>
-          <a:xfrm rot="5400000">
-            <a:off x="5789382" y="-1598340"/>
-            <a:ext cx="2362194" cy="3049781"/>
-          </a:xfrm>
-          <a:custGeom>
-            <a:avLst/>
-            <a:gdLst/>
-            <a:ahLst/>
-            <a:cxnLst/>
-            <a:rect l="l" t="t" r="r" b="b"/>
-            <a:pathLst>
-              <a:path w="2362194" h="3049781">
-                <a:moveTo>
-                  <a:pt x="0" y="0"/>
-                </a:moveTo>
-                <a:lnTo>
-                  <a:pt x="2362194" y="0"/>
-                </a:lnTo>
-                <a:lnTo>
-                  <a:pt x="2362194" y="3049782"/>
-                </a:lnTo>
-                <a:lnTo>
-                  <a:pt x="0" y="3049782"/>
-                </a:lnTo>
-                <a:lnTo>
-                  <a:pt x="0" y="0"/>
-                </a:lnTo>
-                <a:close/>
-              </a:path>
-            </a:pathLst>
-          </a:custGeom>
-          <a:blipFill>
-            <a:blip r:embed="rId3">
-              <a:extLst>
-                <a:ext uri="{96DAC541-7B7A-43D3-8B79-37D633B846F1}">
-                  <asvg:svgBlip xmlns:asvg="http://schemas.microsoft.com/office/drawing/2016/SVG/main" r:embed="rId4"/>
-                </a:ext>
-              </a:extLst>
-            </a:blip>
-            <a:stretch>
-              <a:fillRect/>
-            </a:stretch>
-          </a:blipFill>
-        </p:spPr>
-      </p:sp>
-      <p:sp>
-        <p:nvSpPr>
-          <p:cNvPr id="8" name="Freeform 8">
-            <a:extLst>
-              <a:ext uri="{FF2B5EF4-FFF2-40B4-BE49-F238E27FC236}">
-                <a16:creationId xmlns:a16="http://schemas.microsoft.com/office/drawing/2014/main" id="{22A65C9A-D880-403B-17EE-7B71DAB00DD4}"/>
-              </a:ext>
-            </a:extLst>
-          </p:cNvPr>
-          <p:cNvSpPr/>
-          <p:nvPr/>
-        </p:nvSpPr>
-        <p:spPr>
-          <a:xfrm rot="5400000">
-            <a:off x="2595895" y="-1598340"/>
-            <a:ext cx="2362194" cy="3049781"/>
-          </a:xfrm>
-          <a:custGeom>
-            <a:avLst/>
-            <a:gdLst/>
-            <a:ahLst/>
-            <a:cxnLst/>
-            <a:rect l="l" t="t" r="r" b="b"/>
-            <a:pathLst>
-              <a:path w="2362194" h="3049781">
-                <a:moveTo>
-                  <a:pt x="0" y="0"/>
-                </a:moveTo>
-                <a:lnTo>
-                  <a:pt x="2362194" y="0"/>
-                </a:lnTo>
-                <a:lnTo>
-                  <a:pt x="2362194" y="3049782"/>
-                </a:lnTo>
-                <a:lnTo>
-                  <a:pt x="0" y="3049782"/>
-                </a:lnTo>
-                <a:lnTo>
-                  <a:pt x="0" y="0"/>
-                </a:lnTo>
-                <a:close/>
-              </a:path>
-            </a:pathLst>
-          </a:custGeom>
-          <a:blipFill>
-            <a:blip r:embed="rId3">
-              <a:extLst>
-                <a:ext uri="{96DAC541-7B7A-43D3-8B79-37D633B846F1}">
-                  <asvg:svgBlip xmlns:asvg="http://schemas.microsoft.com/office/drawing/2016/SVG/main" r:embed="rId4"/>
-                </a:ext>
-              </a:extLst>
-            </a:blip>
-            <a:stretch>
-              <a:fillRect/>
-            </a:stretch>
-          </a:blipFill>
-        </p:spPr>
-      </p:sp>
-      <p:sp>
-        <p:nvSpPr>
-          <p:cNvPr id="9" name="Freeform 9">
-            <a:extLst>
-              <a:ext uri="{FF2B5EF4-FFF2-40B4-BE49-F238E27FC236}">
-                <a16:creationId xmlns:a16="http://schemas.microsoft.com/office/drawing/2014/main" id="{461FAF4A-9488-2983-2E80-C1F6825DBDD4}"/>
-              </a:ext>
-            </a:extLst>
-          </p:cNvPr>
-          <p:cNvSpPr/>
-          <p:nvPr/>
-        </p:nvSpPr>
-        <p:spPr>
-          <a:xfrm rot="5400000">
-            <a:off x="-591576" y="-1598340"/>
-            <a:ext cx="2362194" cy="3049781"/>
-          </a:xfrm>
-          <a:custGeom>
-            <a:avLst/>
-            <a:gdLst/>
-            <a:ahLst/>
-            <a:cxnLst/>
-            <a:rect l="l" t="t" r="r" b="b"/>
-            <a:pathLst>
-              <a:path w="2362194" h="3049781">
-                <a:moveTo>
-                  <a:pt x="0" y="0"/>
-                </a:moveTo>
-                <a:lnTo>
-                  <a:pt x="2362194" y="0"/>
-                </a:lnTo>
-                <a:lnTo>
-                  <a:pt x="2362194" y="3049782"/>
-                </a:lnTo>
-                <a:lnTo>
-                  <a:pt x="0" y="3049782"/>
-                </a:lnTo>
-                <a:lnTo>
-                  <a:pt x="0" y="0"/>
-                </a:lnTo>
-                <a:close/>
-              </a:path>
-            </a:pathLst>
-          </a:custGeom>
-          <a:blipFill>
-            <a:blip r:embed="rId3">
-              <a:extLst>
-                <a:ext uri="{96DAC541-7B7A-43D3-8B79-37D633B846F1}">
-                  <asvg:svgBlip xmlns:asvg="http://schemas.microsoft.com/office/drawing/2016/SVG/main" r:embed="rId4"/>
-                </a:ext>
-              </a:extLst>
-            </a:blip>
-            <a:stretch>
-              <a:fillRect/>
-            </a:stretch>
-          </a:blipFill>
-        </p:spPr>
-      </p:sp>
-      <p:sp>
-        <p:nvSpPr>
-          <p:cNvPr id="10" name="AutoShape 10">
-            <a:extLst>
-              <a:ext uri="{FF2B5EF4-FFF2-40B4-BE49-F238E27FC236}">
-                <a16:creationId xmlns:a16="http://schemas.microsoft.com/office/drawing/2014/main" id="{989964A6-C934-030F-39F5-E88F42AC7699}"/>
-              </a:ext>
-            </a:extLst>
-          </p:cNvPr>
-          <p:cNvSpPr/>
-          <p:nvPr/>
-        </p:nvSpPr>
-        <p:spPr>
-          <a:xfrm>
-            <a:off x="756000" y="9931238"/>
-            <a:ext cx="6048000" cy="0"/>
-          </a:xfrm>
-          <a:prstGeom prst="line">
-            <a:avLst/>
-          </a:prstGeom>
-          <a:ln w="9525" cap="flat">
-            <a:solidFill>
-              <a:srgbClr val="000000"/>
-            </a:solidFill>
-            <a:prstDash val="solid"/>
-            <a:headEnd type="none" w="sm" len="sm"/>
-            <a:tailEnd type="none" w="sm" len="sm"/>
-          </a:ln>
-        </p:spPr>
-      </p:sp>
-      <p:sp>
-        <p:nvSpPr>
-          <p:cNvPr id="12" name="TextBox 12">
-            <a:extLst>
-              <a:ext uri="{FF2B5EF4-FFF2-40B4-BE49-F238E27FC236}">
-                <a16:creationId xmlns:a16="http://schemas.microsoft.com/office/drawing/2014/main" id="{96BA9351-F205-7042-7039-6DDC455D10BE}"/>
-              </a:ext>
-            </a:extLst>
-          </p:cNvPr>
-          <p:cNvSpPr txBox="1"/>
-          <p:nvPr/>
-        </p:nvSpPr>
-        <p:spPr>
-          <a:xfrm>
-            <a:off x="756000" y="10084923"/>
-            <a:ext cx="1742330" cy="187325"/>
-          </a:xfrm>
-          <a:prstGeom prst="rect">
-            <a:avLst/>
-          </a:prstGeom>
-        </p:spPr>
-        <p:txBody>
-          <a:bodyPr lIns="0" tIns="0" rIns="0" bIns="0" rtlCol="0" anchor="t">
-            <a:spAutoFit/>
-          </a:bodyPr>
-          <a:lstStyle/>
-          <a:p>
-            <a:pPr algn="l">
-              <a:lnSpc>
-                <a:spcPts val="1599"/>
-              </a:lnSpc>
-            </a:pPr>
-            <a:r>
-              <a:rPr lang="en-US" sz="999" dirty="0" err="1">
-                <a:solidFill>
-                  <a:srgbClr val="222525"/>
-                </a:solidFill>
-                <a:latin typeface="Montserrat"/>
-                <a:ea typeface="Montserrat"/>
-                <a:cs typeface="Montserrat"/>
-                <a:sym typeface="Montserrat"/>
-              </a:rPr>
-              <a:t>Descripción</a:t>
-            </a:r>
-            <a:r>
-              <a:rPr lang="en-US" sz="999" dirty="0">
-                <a:solidFill>
-                  <a:srgbClr val="222525"/>
-                </a:solidFill>
-                <a:latin typeface="Montserrat"/>
-                <a:ea typeface="Montserrat"/>
-                <a:cs typeface="Montserrat"/>
-                <a:sym typeface="Montserrat"/>
-              </a:rPr>
-              <a:t> del Sistema</a:t>
-            </a:r>
-          </a:p>
-        </p:txBody>
-      </p:sp>
-      <p:sp>
-        <p:nvSpPr>
-          <p:cNvPr id="13" name="TextBox 13">
-            <a:extLst>
-              <a:ext uri="{FF2B5EF4-FFF2-40B4-BE49-F238E27FC236}">
-                <a16:creationId xmlns:a16="http://schemas.microsoft.com/office/drawing/2014/main" id="{2D9E9991-6F69-CD9D-F838-2EA69B37EB33}"/>
-              </a:ext>
-            </a:extLst>
-          </p:cNvPr>
-          <p:cNvSpPr txBox="1"/>
-          <p:nvPr/>
-        </p:nvSpPr>
-        <p:spPr>
-          <a:xfrm>
-            <a:off x="5061670" y="10084923"/>
-            <a:ext cx="1742330" cy="187325"/>
-          </a:xfrm>
-          <a:prstGeom prst="rect">
-            <a:avLst/>
-          </a:prstGeom>
-        </p:spPr>
-        <p:txBody>
-          <a:bodyPr lIns="0" tIns="0" rIns="0" bIns="0" rtlCol="0" anchor="t">
-            <a:spAutoFit/>
-          </a:bodyPr>
-          <a:lstStyle/>
-          <a:p>
-            <a:pPr algn="r">
-              <a:lnSpc>
-                <a:spcPts val="1599"/>
-              </a:lnSpc>
-            </a:pPr>
-            <a:r>
-              <a:rPr lang="en-US" sz="999" dirty="0">
-                <a:solidFill>
-                  <a:srgbClr val="222525"/>
-                </a:solidFill>
-                <a:latin typeface="Montserrat"/>
-                <a:ea typeface="Montserrat"/>
-                <a:cs typeface="Montserrat"/>
-                <a:sym typeface="Montserrat"/>
-              </a:rPr>
-              <a:t>9</a:t>
-            </a:r>
-          </a:p>
-        </p:txBody>
-      </p:sp>
-      <p:pic>
-        <p:nvPicPr>
-          <p:cNvPr id="37" name="Imagen 36">
-            <a:extLst>
-              <a:ext uri="{FF2B5EF4-FFF2-40B4-BE49-F238E27FC236}">
-                <a16:creationId xmlns:a16="http://schemas.microsoft.com/office/drawing/2014/main" id="{48CF5827-7040-0200-8389-633FD6272277}"/>
-              </a:ext>
-            </a:extLst>
-          </p:cNvPr>
-          <p:cNvPicPr>
-            <a:picLocks noChangeAspect="1"/>
-          </p:cNvPicPr>
-          <p:nvPr/>
-        </p:nvPicPr>
-        <p:blipFill>
-          <a:blip r:embed="rId5"/>
-          <a:stretch>
-            <a:fillRect/>
-          </a:stretch>
-        </p:blipFill>
-        <p:spPr>
-          <a:xfrm>
-            <a:off x="2252101" y="2344575"/>
-            <a:ext cx="2695951" cy="828791"/>
-          </a:xfrm>
-          <a:prstGeom prst="rect">
-            <a:avLst/>
-          </a:prstGeom>
-        </p:spPr>
-      </p:pic>
-      <p:pic>
-        <p:nvPicPr>
-          <p:cNvPr id="38" name="Imagen 37">
-            <a:extLst>
-              <a:ext uri="{FF2B5EF4-FFF2-40B4-BE49-F238E27FC236}">
-                <a16:creationId xmlns:a16="http://schemas.microsoft.com/office/drawing/2014/main" id="{E0CA64BB-29E6-2040-9151-455120AD0598}"/>
-              </a:ext>
-            </a:extLst>
-          </p:cNvPr>
-          <p:cNvPicPr>
-            <a:picLocks noChangeAspect="1"/>
-          </p:cNvPicPr>
-          <p:nvPr/>
-        </p:nvPicPr>
-        <p:blipFill>
-          <a:blip r:embed="rId6"/>
-          <a:stretch>
-            <a:fillRect/>
-          </a:stretch>
-        </p:blipFill>
-        <p:spPr>
-          <a:xfrm>
-            <a:off x="3503621" y="5207105"/>
-            <a:ext cx="2429214" cy="1066949"/>
-          </a:xfrm>
-          <a:prstGeom prst="rect">
-            <a:avLst/>
-          </a:prstGeom>
-        </p:spPr>
-      </p:pic>
-      <p:pic>
-        <p:nvPicPr>
-          <p:cNvPr id="39" name="Imagen 38">
-            <a:extLst>
-              <a:ext uri="{FF2B5EF4-FFF2-40B4-BE49-F238E27FC236}">
-                <a16:creationId xmlns:a16="http://schemas.microsoft.com/office/drawing/2014/main" id="{34F0F586-7052-553A-A07D-CDF69E6F9C79}"/>
-              </a:ext>
-            </a:extLst>
-          </p:cNvPr>
-          <p:cNvPicPr>
-            <a:picLocks noChangeAspect="1"/>
-          </p:cNvPicPr>
-          <p:nvPr/>
-        </p:nvPicPr>
-        <p:blipFill>
-          <a:blip r:embed="rId7"/>
-          <a:stretch>
-            <a:fillRect/>
-          </a:stretch>
-        </p:blipFill>
-        <p:spPr>
-          <a:xfrm>
-            <a:off x="1229419" y="7409519"/>
-            <a:ext cx="2305372" cy="609685"/>
-          </a:xfrm>
-          <a:prstGeom prst="rect">
-            <a:avLst/>
-          </a:prstGeom>
-        </p:spPr>
-      </p:pic>
-      <p:sp>
-        <p:nvSpPr>
-          <p:cNvPr id="40" name="CuadroTexto 39">
-            <a:extLst>
-              <a:ext uri="{FF2B5EF4-FFF2-40B4-BE49-F238E27FC236}">
-                <a16:creationId xmlns:a16="http://schemas.microsoft.com/office/drawing/2014/main" id="{00B760DB-355C-2F10-09CC-F871B2E193CF}"/>
-              </a:ext>
-            </a:extLst>
-          </p:cNvPr>
-          <p:cNvSpPr txBox="1"/>
-          <p:nvPr/>
-        </p:nvSpPr>
-        <p:spPr>
-          <a:xfrm>
-            <a:off x="5407717" y="2398504"/>
-            <a:ext cx="1861600" cy="307777"/>
-          </a:xfrm>
-          <a:prstGeom prst="rect">
-            <a:avLst/>
-          </a:prstGeom>
-          <a:noFill/>
-          <a:ln>
-            <a:solidFill>
-              <a:srgbClr val="FF0000"/>
-            </a:solidFill>
-          </a:ln>
-        </p:spPr>
-        <p:txBody>
-          <a:bodyPr wrap="none" rtlCol="0">
-            <a:spAutoFit/>
-          </a:bodyPr>
-          <a:lstStyle/>
-          <a:p>
-            <a:r>
-              <a:rPr lang="es-VE" sz="1400" dirty="0"/>
-              <a:t>Tabla de Base de Datos</a:t>
-            </a:r>
-          </a:p>
-        </p:txBody>
-      </p:sp>
-      <p:cxnSp>
-        <p:nvCxnSpPr>
-          <p:cNvPr id="41" name="Conector recto de flecha 40">
-            <a:extLst>
-              <a:ext uri="{FF2B5EF4-FFF2-40B4-BE49-F238E27FC236}">
-                <a16:creationId xmlns:a16="http://schemas.microsoft.com/office/drawing/2014/main" id="{94506C3C-686D-B1D2-20DC-4D149B1DB10D}"/>
-              </a:ext>
-            </a:extLst>
-          </p:cNvPr>
-          <p:cNvCxnSpPr>
-            <a:cxnSpLocks/>
-            <a:stCxn id="40" idx="1"/>
-          </p:cNvCxnSpPr>
-          <p:nvPr/>
-        </p:nvCxnSpPr>
-        <p:spPr>
-          <a:xfrm flipH="1">
-            <a:off x="3503621" y="2552393"/>
-            <a:ext cx="1904096" cy="307571"/>
-          </a:xfrm>
-          <a:prstGeom prst="straightConnector1">
-            <a:avLst/>
-          </a:prstGeom>
-          <a:ln>
-            <a:solidFill>
-              <a:srgbClr val="FF0000"/>
-            </a:solidFill>
-            <a:tailEnd type="triangle"/>
-          </a:ln>
-        </p:spPr>
-        <p:style>
-          <a:lnRef idx="2">
-            <a:schemeClr val="accent2"/>
-          </a:lnRef>
-          <a:fillRef idx="0">
-            <a:schemeClr val="accent2"/>
-          </a:fillRef>
-          <a:effectRef idx="1">
-            <a:schemeClr val="accent2"/>
-          </a:effectRef>
-          <a:fontRef idx="minor">
-            <a:schemeClr val="tx1"/>
-          </a:fontRef>
-        </p:style>
-      </p:cxnSp>
-      <p:sp>
-        <p:nvSpPr>
-          <p:cNvPr id="42" name="CuadroTexto 41">
-            <a:extLst>
-              <a:ext uri="{FF2B5EF4-FFF2-40B4-BE49-F238E27FC236}">
-                <a16:creationId xmlns:a16="http://schemas.microsoft.com/office/drawing/2014/main" id="{976D925C-EE86-69F8-A96E-344EE083749A}"/>
-              </a:ext>
-            </a:extLst>
-          </p:cNvPr>
-          <p:cNvSpPr txBox="1"/>
-          <p:nvPr/>
-        </p:nvSpPr>
-        <p:spPr>
-          <a:xfrm>
-            <a:off x="297196" y="3325459"/>
-            <a:ext cx="1851746" cy="954107"/>
-          </a:xfrm>
-          <a:prstGeom prst="rect">
-            <a:avLst/>
-          </a:prstGeom>
-          <a:noFill/>
-          <a:ln>
-            <a:solidFill>
-              <a:srgbClr val="FF0000"/>
-            </a:solidFill>
-          </a:ln>
-        </p:spPr>
-        <p:txBody>
-          <a:bodyPr wrap="square" rtlCol="0">
-            <a:spAutoFit/>
-          </a:bodyPr>
-          <a:lstStyle/>
-          <a:p>
-            <a:pPr algn="just"/>
-            <a:r>
-              <a:rPr lang="es-VE" sz="1400" dirty="0"/>
-              <a:t>Contiene los archivos para crear el usuario Administrador por defecto </a:t>
-            </a:r>
-          </a:p>
-        </p:txBody>
-      </p:sp>
-      <p:cxnSp>
-        <p:nvCxnSpPr>
-          <p:cNvPr id="43" name="Conector recto de flecha 42">
-            <a:extLst>
-              <a:ext uri="{FF2B5EF4-FFF2-40B4-BE49-F238E27FC236}">
-                <a16:creationId xmlns:a16="http://schemas.microsoft.com/office/drawing/2014/main" id="{8B220260-99C7-6834-D173-A8224AE7D1C3}"/>
-              </a:ext>
-            </a:extLst>
-          </p:cNvPr>
-          <p:cNvCxnSpPr>
-            <a:cxnSpLocks/>
-            <a:stCxn id="42" idx="3"/>
-          </p:cNvCxnSpPr>
-          <p:nvPr/>
-        </p:nvCxnSpPr>
-        <p:spPr>
-          <a:xfrm flipV="1">
-            <a:off x="2148942" y="3106873"/>
-            <a:ext cx="638708" cy="695640"/>
-          </a:xfrm>
-          <a:prstGeom prst="straightConnector1">
-            <a:avLst/>
-          </a:prstGeom>
-          <a:ln>
-            <a:solidFill>
-              <a:srgbClr val="FF0000"/>
-            </a:solidFill>
-            <a:tailEnd type="triangle"/>
-          </a:ln>
-        </p:spPr>
-        <p:style>
-          <a:lnRef idx="2">
-            <a:schemeClr val="accent2"/>
-          </a:lnRef>
-          <a:fillRef idx="0">
-            <a:schemeClr val="accent2"/>
-          </a:fillRef>
-          <a:effectRef idx="1">
-            <a:schemeClr val="accent2"/>
-          </a:effectRef>
-          <a:fontRef idx="minor">
-            <a:schemeClr val="tx1"/>
-          </a:fontRef>
-        </p:style>
-      </p:cxnSp>
-      <p:sp>
-        <p:nvSpPr>
-          <p:cNvPr id="44" name="CuadroTexto 43">
-            <a:extLst>
-              <a:ext uri="{FF2B5EF4-FFF2-40B4-BE49-F238E27FC236}">
-                <a16:creationId xmlns:a16="http://schemas.microsoft.com/office/drawing/2014/main" id="{F12A876E-FDF3-E2DC-29A2-C7F38316268D}"/>
-              </a:ext>
-            </a:extLst>
-          </p:cNvPr>
-          <p:cNvSpPr txBox="1"/>
-          <p:nvPr/>
-        </p:nvSpPr>
-        <p:spPr>
-          <a:xfrm>
-            <a:off x="787750" y="5279561"/>
-            <a:ext cx="1851746" cy="738664"/>
-          </a:xfrm>
-          <a:prstGeom prst="rect">
-            <a:avLst/>
-          </a:prstGeom>
-          <a:noFill/>
-          <a:ln>
-            <a:solidFill>
-              <a:srgbClr val="FF0000"/>
-            </a:solidFill>
-          </a:ln>
-        </p:spPr>
-        <p:txBody>
-          <a:bodyPr wrap="square" rtlCol="0">
-            <a:spAutoFit/>
-          </a:bodyPr>
-          <a:lstStyle/>
-          <a:p>
-            <a:pPr algn="just"/>
-            <a:r>
-              <a:rPr lang="es-VE" sz="1400" dirty="0"/>
-              <a:t>Contiene todas las carpetas con los archivos para las vistas </a:t>
-            </a:r>
-          </a:p>
-        </p:txBody>
-      </p:sp>
-      <p:cxnSp>
-        <p:nvCxnSpPr>
-          <p:cNvPr id="45" name="Conector recto de flecha 44">
-            <a:extLst>
-              <a:ext uri="{FF2B5EF4-FFF2-40B4-BE49-F238E27FC236}">
-                <a16:creationId xmlns:a16="http://schemas.microsoft.com/office/drawing/2014/main" id="{810EA632-B72B-DD8C-0140-7DFC1B9C32D4}"/>
-              </a:ext>
-            </a:extLst>
-          </p:cNvPr>
-          <p:cNvCxnSpPr>
-            <a:cxnSpLocks/>
-            <a:stCxn id="44" idx="3"/>
-            <a:endCxn id="38" idx="1"/>
-          </p:cNvCxnSpPr>
-          <p:nvPr/>
-        </p:nvCxnSpPr>
-        <p:spPr>
-          <a:xfrm>
-            <a:off x="2639496" y="5648893"/>
-            <a:ext cx="864125" cy="91687"/>
-          </a:xfrm>
-          <a:prstGeom prst="straightConnector1">
-            <a:avLst/>
-          </a:prstGeom>
-          <a:ln>
-            <a:solidFill>
-              <a:srgbClr val="FF0000"/>
-            </a:solidFill>
-            <a:tailEnd type="triangle"/>
-          </a:ln>
-        </p:spPr>
-        <p:style>
-          <a:lnRef idx="2">
-            <a:schemeClr val="accent2"/>
-          </a:lnRef>
-          <a:fillRef idx="0">
-            <a:schemeClr val="accent2"/>
-          </a:fillRef>
-          <a:effectRef idx="1">
-            <a:schemeClr val="accent2"/>
-          </a:effectRef>
-          <a:fontRef idx="minor">
-            <a:schemeClr val="tx1"/>
-          </a:fontRef>
-        </p:style>
-      </p:cxnSp>
-      <p:sp>
-        <p:nvSpPr>
-          <p:cNvPr id="46" name="CuadroTexto 45">
-            <a:extLst>
-              <a:ext uri="{FF2B5EF4-FFF2-40B4-BE49-F238E27FC236}">
-                <a16:creationId xmlns:a16="http://schemas.microsoft.com/office/drawing/2014/main" id="{B63FB215-4301-7660-D9FB-2E70142E9625}"/>
-              </a:ext>
-            </a:extLst>
-          </p:cNvPr>
-          <p:cNvSpPr txBox="1"/>
-          <p:nvPr/>
-        </p:nvSpPr>
-        <p:spPr>
-          <a:xfrm>
-            <a:off x="4169923" y="7409519"/>
-            <a:ext cx="1269315" cy="523220"/>
-          </a:xfrm>
-          <a:prstGeom prst="rect">
-            <a:avLst/>
-          </a:prstGeom>
-          <a:noFill/>
-          <a:ln>
-            <a:solidFill>
-              <a:srgbClr val="FF0000"/>
-            </a:solidFill>
-          </a:ln>
-        </p:spPr>
-        <p:txBody>
-          <a:bodyPr wrap="square" rtlCol="0">
-            <a:spAutoFit/>
-          </a:bodyPr>
-          <a:lstStyle/>
-          <a:p>
-            <a:pPr algn="just"/>
-            <a:r>
-              <a:rPr lang="es-VE" sz="1400" dirty="0"/>
-              <a:t>Configura toda las rutas </a:t>
-            </a:r>
-          </a:p>
-        </p:txBody>
-      </p:sp>
-      <p:cxnSp>
-        <p:nvCxnSpPr>
-          <p:cNvPr id="47" name="Conector recto de flecha 46">
-            <a:extLst>
-              <a:ext uri="{FF2B5EF4-FFF2-40B4-BE49-F238E27FC236}">
-                <a16:creationId xmlns:a16="http://schemas.microsoft.com/office/drawing/2014/main" id="{0745383A-ADD7-B6E6-C456-A4EED14A759A}"/>
-              </a:ext>
-            </a:extLst>
-          </p:cNvPr>
-          <p:cNvCxnSpPr>
-            <a:cxnSpLocks/>
-            <a:stCxn id="46" idx="1"/>
-          </p:cNvCxnSpPr>
-          <p:nvPr/>
-        </p:nvCxnSpPr>
-        <p:spPr>
-          <a:xfrm flipH="1">
-            <a:off x="3249095" y="7671129"/>
-            <a:ext cx="920828" cy="261610"/>
-          </a:xfrm>
-          <a:prstGeom prst="straightConnector1">
-            <a:avLst/>
-          </a:prstGeom>
-          <a:ln>
-            <a:solidFill>
-              <a:srgbClr val="FF0000"/>
-            </a:solidFill>
-            <a:tailEnd type="triangle"/>
-          </a:ln>
-        </p:spPr>
-        <p:style>
-          <a:lnRef idx="2">
-            <a:schemeClr val="accent2"/>
-          </a:lnRef>
-          <a:fillRef idx="0">
-            <a:schemeClr val="accent2"/>
-          </a:fillRef>
-          <a:effectRef idx="1">
-            <a:schemeClr val="accent2"/>
-          </a:effectRef>
-          <a:fontRef idx="minor">
-            <a:schemeClr val="tx1"/>
-          </a:fontRef>
-        </p:style>
-      </p:cxnSp>
-    </p:spTree>
-    <p:extLst>
-      <p:ext uri="{BB962C8B-B14F-4D97-AF65-F5344CB8AC3E}">
-        <p14:creationId xmlns:p14="http://schemas.microsoft.com/office/powerpoint/2010/main" val="2687974064"/>
       </p:ext>
     </p:extLst>
   </p:cSld>
